--- a/PPTs/Ch6_ARM_Flow_Control_Exercises_ANS.pptx
+++ b/PPTs/Ch6_ARM_Flow_Control_Exercises_ANS.pptx
@@ -5,7 +5,7 @@
     <p:sldMasterId id="2147483660" r:id="rId1"/>
   </p:sldMasterIdLst>
   <p:notesMasterIdLst>
-    <p:notesMasterId r:id="rId9"/>
+    <p:notesMasterId r:id="rId13"/>
   </p:notesMasterIdLst>
   <p:sldIdLst>
     <p:sldId id="256" r:id="rId2"/>
@@ -15,6 +15,10 @@
     <p:sldId id="355" r:id="rId6"/>
     <p:sldId id="257" r:id="rId7"/>
     <p:sldId id="356" r:id="rId8"/>
+    <p:sldId id="357" r:id="rId9"/>
+    <p:sldId id="358" r:id="rId10"/>
+    <p:sldId id="359" r:id="rId11"/>
+    <p:sldId id="360" r:id="rId12"/>
   </p:sldIdLst>
   <p:sldSz cx="9144000" cy="6858000" type="screen4x3"/>
   <p:notesSz cx="6950075" cy="9236075"/>
@@ -135,9 +139,7 @@
 <file path=ppt/revisionInfo.xml><?xml version="1.0" encoding="utf-8"?>
 <p1510:revInfo xmlns:a="http://schemas.openxmlformats.org/drawingml/2006/main" xmlns:r="http://schemas.openxmlformats.org/officeDocument/2006/relationships" xmlns:p1510="http://schemas.microsoft.com/office/powerpoint/2015/10/main">
   <p1510:revLst>
-    <p1510:client id="{1EA3FE3A-749A-4FFC-9B73-CF8E41208FC4}" v="2" dt="2025-09-17T21:32:44.294"/>
-    <p1510:client id="{9B6FB8D1-3990-4B99-B227-16C582C6F457}" v="86" dt="2025-09-17T19:51:58.239"/>
-    <p1510:client id="{C32B227E-31B7-4DEF-A83B-CCC0DBB48D8A}" v="29" dt="2025-09-18T02:11:25.501"/>
+    <p1510:client id="{C32B227E-31B7-4DEF-A83B-CCC0DBB48D8A}" v="75" dt="2025-09-23T03:03:29.711"/>
   </p1510:revLst>
 </p1510:revInfo>
 </file>
@@ -147,7 +149,7 @@
   <pc:docChgLst>
     <pc:chgData name="Zonghua Gu" userId="9a7e1853e1951ef5" providerId="LiveId" clId="{CF1FAA12-072C-4ED5-BA76-0FFFAEFDB88A}"/>
     <pc:docChg chg="undo custSel addSld delSld modSld">
-      <pc:chgData name="Zonghua Gu" userId="9a7e1853e1951ef5" providerId="LiveId" clId="{CF1FAA12-072C-4ED5-BA76-0FFFAEFDB88A}" dt="2025-09-18T02:12:26.755" v="1610" actId="14100"/>
+      <pc:chgData name="Zonghua Gu" userId="9a7e1853e1951ef5" providerId="LiveId" clId="{CF1FAA12-072C-4ED5-BA76-0FFFAEFDB88A}" dt="2025-09-23T03:03:37.708" v="2436" actId="6549"/>
       <pc:docMkLst>
         <pc:docMk/>
       </pc:docMkLst>
@@ -247,30 +249,6 @@
           <pc:docMk/>
           <pc:sldMk cId="3856419856" sldId="284"/>
         </pc:sldMkLst>
-        <pc:spChg chg="mod">
-          <ac:chgData name="Zonghua Gu" userId="9a7e1853e1951ef5" providerId="LiveId" clId="{CF1FAA12-072C-4ED5-BA76-0FFFAEFDB88A}" dt="2025-09-17T18:18:01.723" v="208" actId="6549"/>
-          <ac:spMkLst>
-            <pc:docMk/>
-            <pc:sldMk cId="3856419856" sldId="284"/>
-            <ac:spMk id="4" creationId="{00000000-0000-0000-0000-000000000000}"/>
-          </ac:spMkLst>
-        </pc:spChg>
-        <pc:graphicFrameChg chg="add mod modGraphic">
-          <ac:chgData name="Zonghua Gu" userId="9a7e1853e1951ef5" providerId="LiveId" clId="{CF1FAA12-072C-4ED5-BA76-0FFFAEFDB88A}" dt="2025-09-17T18:21:30.374" v="274" actId="1076"/>
-          <ac:graphicFrameMkLst>
-            <pc:docMk/>
-            <pc:sldMk cId="3856419856" sldId="284"/>
-            <ac:graphicFrameMk id="5" creationId="{8DCF8158-0829-196C-D9FE-1C770A94B4C4}"/>
-          </ac:graphicFrameMkLst>
-        </pc:graphicFrameChg>
-        <pc:graphicFrameChg chg="add mod modGraphic">
-          <ac:chgData name="Zonghua Gu" userId="9a7e1853e1951ef5" providerId="LiveId" clId="{CF1FAA12-072C-4ED5-BA76-0FFFAEFDB88A}" dt="2025-09-17T18:21:52.539" v="283" actId="20577"/>
-          <ac:graphicFrameMkLst>
-            <pc:docMk/>
-            <pc:sldMk cId="3856419856" sldId="284"/>
-            <ac:graphicFrameMk id="6" creationId="{03FCCA32-130C-6803-E182-E05ADA9ECB49}"/>
-          </ac:graphicFrameMkLst>
-        </pc:graphicFrameChg>
       </pc:sldChg>
       <pc:sldChg chg="addSp delSp modSp del mod">
         <pc:chgData name="Zonghua Gu" userId="9a7e1853e1951ef5" providerId="LiveId" clId="{CF1FAA12-072C-4ED5-BA76-0FFFAEFDB88A}" dt="2025-09-18T01:38:44.397" v="1241" actId="47"/>
@@ -278,38 +256,6 @@
           <pc:docMk/>
           <pc:sldMk cId="3410570449" sldId="285"/>
         </pc:sldMkLst>
-        <pc:spChg chg="add del mod">
-          <ac:chgData name="Zonghua Gu" userId="9a7e1853e1951ef5" providerId="LiveId" clId="{CF1FAA12-072C-4ED5-BA76-0FFFAEFDB88A}" dt="2025-09-17T18:23:17.748" v="294" actId="478"/>
-          <ac:spMkLst>
-            <pc:docMk/>
-            <pc:sldMk cId="3410570449" sldId="285"/>
-            <ac:spMk id="4" creationId="{3C61FBD0-8EF4-41D6-6FA3-FA803B9DFBAA}"/>
-          </ac:spMkLst>
-        </pc:spChg>
-        <pc:spChg chg="mod">
-          <ac:chgData name="Zonghua Gu" userId="9a7e1853e1951ef5" providerId="LiveId" clId="{CF1FAA12-072C-4ED5-BA76-0FFFAEFDB88A}" dt="2025-09-17T18:24:31.291" v="323" actId="20577"/>
-          <ac:spMkLst>
-            <pc:docMk/>
-            <pc:sldMk cId="3410570449" sldId="285"/>
-            <ac:spMk id="5" creationId="{00000000-0000-0000-0000-000000000000}"/>
-          </ac:spMkLst>
-        </pc:spChg>
-        <pc:spChg chg="del mod">
-          <ac:chgData name="Zonghua Gu" userId="9a7e1853e1951ef5" providerId="LiveId" clId="{CF1FAA12-072C-4ED5-BA76-0FFFAEFDB88A}" dt="2025-09-17T18:22:46.431" v="291"/>
-          <ac:spMkLst>
-            <pc:docMk/>
-            <pc:sldMk cId="3410570449" sldId="285"/>
-            <ac:spMk id="7" creationId="{00000000-0000-0000-0000-000000000000}"/>
-          </ac:spMkLst>
-        </pc:spChg>
-        <pc:spChg chg="add mod">
-          <ac:chgData name="Zonghua Gu" userId="9a7e1853e1951ef5" providerId="LiveId" clId="{CF1FAA12-072C-4ED5-BA76-0FFFAEFDB88A}" dt="2025-09-17T18:23:37.218" v="296" actId="1076"/>
-          <ac:spMkLst>
-            <pc:docMk/>
-            <pc:sldMk cId="3410570449" sldId="285"/>
-            <ac:spMk id="8" creationId="{7EF10046-E302-DEDA-6CC6-83E8B3B03478}"/>
-          </ac:spMkLst>
-        </pc:spChg>
       </pc:sldChg>
       <pc:sldChg chg="del modNotesTx">
         <pc:chgData name="Zonghua Gu" userId="9a7e1853e1951ef5" providerId="LiveId" clId="{CF1FAA12-072C-4ED5-BA76-0FFFAEFDB88A}" dt="2025-09-18T01:38:44.397" v="1241" actId="47"/>
@@ -331,22 +277,6 @@
           <pc:docMk/>
           <pc:sldMk cId="2121641431" sldId="298"/>
         </pc:sldMkLst>
-        <pc:spChg chg="mod">
-          <ac:chgData name="Zonghua Gu" userId="9a7e1853e1951ef5" providerId="LiveId" clId="{CF1FAA12-072C-4ED5-BA76-0FFFAEFDB88A}" dt="2025-09-17T19:14:53.104" v="635" actId="6549"/>
-          <ac:spMkLst>
-            <pc:docMk/>
-            <pc:sldMk cId="2121641431" sldId="298"/>
-            <ac:spMk id="10" creationId="{00000000-0000-0000-0000-000000000000}"/>
-          </ac:spMkLst>
-        </pc:spChg>
-        <pc:spChg chg="mod">
-          <ac:chgData name="Zonghua Gu" userId="9a7e1853e1951ef5" providerId="LiveId" clId="{CF1FAA12-072C-4ED5-BA76-0FFFAEFDB88A}" dt="2025-09-17T19:15:00.789" v="637" actId="6549"/>
-          <ac:spMkLst>
-            <pc:docMk/>
-            <pc:sldMk cId="2121641431" sldId="298"/>
-            <ac:spMk id="11" creationId="{00000000-0000-0000-0000-000000000000}"/>
-          </ac:spMkLst>
-        </pc:spChg>
       </pc:sldChg>
       <pc:sldChg chg="del">
         <pc:chgData name="Zonghua Gu" userId="9a7e1853e1951ef5" providerId="LiveId" clId="{CF1FAA12-072C-4ED5-BA76-0FFFAEFDB88A}" dt="2025-09-18T01:38:44.397" v="1241" actId="47"/>
@@ -361,22 +291,6 @@
           <pc:docMk/>
           <pc:sldMk cId="203524775" sldId="300"/>
         </pc:sldMkLst>
-        <pc:spChg chg="add mod">
-          <ac:chgData name="Zonghua Gu" userId="9a7e1853e1951ef5" providerId="LiveId" clId="{CF1FAA12-072C-4ED5-BA76-0FFFAEFDB88A}" dt="2025-09-17T19:03:36.690" v="616" actId="1076"/>
-          <ac:spMkLst>
-            <pc:docMk/>
-            <pc:sldMk cId="203524775" sldId="300"/>
-            <ac:spMk id="4" creationId="{7A361282-ADE0-8C48-E527-544B0D2A42B8}"/>
-          </ac:spMkLst>
-        </pc:spChg>
-        <pc:spChg chg="del">
-          <ac:chgData name="Zonghua Gu" userId="9a7e1853e1951ef5" providerId="LiveId" clId="{CF1FAA12-072C-4ED5-BA76-0FFFAEFDB88A}" dt="2025-09-17T19:03:30.693" v="614" actId="478"/>
-          <ac:spMkLst>
-            <pc:docMk/>
-            <pc:sldMk cId="203524775" sldId="300"/>
-            <ac:spMk id="7" creationId="{00000000-0000-0000-0000-000000000000}"/>
-          </ac:spMkLst>
-        </pc:spChg>
       </pc:sldChg>
       <pc:sldChg chg="del">
         <pc:chgData name="Zonghua Gu" userId="9a7e1853e1951ef5" providerId="LiveId" clId="{CF1FAA12-072C-4ED5-BA76-0FFFAEFDB88A}" dt="2025-09-17T18:15:27.095" v="199" actId="47"/>
@@ -405,14 +319,6 @@
           <pc:docMk/>
           <pc:sldMk cId="3184454" sldId="313"/>
         </pc:sldMkLst>
-        <pc:graphicFrameChg chg="modGraphic">
-          <ac:chgData name="Zonghua Gu" userId="9a7e1853e1951ef5" providerId="LiveId" clId="{CF1FAA12-072C-4ED5-BA76-0FFFAEFDB88A}" dt="2025-09-17T19:50:46.211" v="1075" actId="20577"/>
-          <ac:graphicFrameMkLst>
-            <pc:docMk/>
-            <pc:sldMk cId="3184454" sldId="313"/>
-            <ac:graphicFrameMk id="3" creationId="{00000000-0000-0000-0000-000000000000}"/>
-          </ac:graphicFrameMkLst>
-        </pc:graphicFrameChg>
       </pc:sldChg>
       <pc:sldChg chg="del">
         <pc:chgData name="Zonghua Gu" userId="9a7e1853e1951ef5" providerId="LiveId" clId="{CF1FAA12-072C-4ED5-BA76-0FFFAEFDB88A}" dt="2025-09-17T19:56:27.968" v="1173" actId="2696"/>
@@ -434,22 +340,6 @@
           <pc:docMk/>
           <pc:sldMk cId="956433268" sldId="321"/>
         </pc:sldMkLst>
-        <pc:spChg chg="add del mod">
-          <ac:chgData name="Zonghua Gu" userId="9a7e1853e1951ef5" providerId="LiveId" clId="{CF1FAA12-072C-4ED5-BA76-0FFFAEFDB88A}" dt="2025-09-17T18:22:17.448" v="284" actId="21"/>
-          <ac:spMkLst>
-            <pc:docMk/>
-            <pc:sldMk cId="956433268" sldId="321"/>
-            <ac:spMk id="4" creationId="{3C61FBD0-8EF4-41D6-6FA3-FA803B9DFBAA}"/>
-          </ac:spMkLst>
-        </pc:spChg>
-        <pc:spChg chg="mod">
-          <ac:chgData name="Zonghua Gu" userId="9a7e1853e1951ef5" providerId="LiveId" clId="{CF1FAA12-072C-4ED5-BA76-0FFFAEFDB88A}" dt="2025-09-17T17:39:39.864" v="42"/>
-          <ac:spMkLst>
-            <pc:docMk/>
-            <pc:sldMk cId="956433268" sldId="321"/>
-            <ac:spMk id="6" creationId="{00000000-0000-0000-0000-000000000000}"/>
-          </ac:spMkLst>
-        </pc:spChg>
       </pc:sldChg>
       <pc:sldChg chg="addSp modSp del mod">
         <pc:chgData name="Zonghua Gu" userId="9a7e1853e1951ef5" providerId="LiveId" clId="{CF1FAA12-072C-4ED5-BA76-0FFFAEFDB88A}" dt="2025-09-18T01:38:44.397" v="1241" actId="47"/>
@@ -457,14 +347,6 @@
           <pc:docMk/>
           <pc:sldMk cId="2653589447" sldId="322"/>
         </pc:sldMkLst>
-        <pc:spChg chg="add mod">
-          <ac:chgData name="Zonghua Gu" userId="9a7e1853e1951ef5" providerId="LiveId" clId="{CF1FAA12-072C-4ED5-BA76-0FFFAEFDB88A}" dt="2025-09-17T17:44:19.664" v="89" actId="20577"/>
-          <ac:spMkLst>
-            <pc:docMk/>
-            <pc:sldMk cId="2653589447" sldId="322"/>
-            <ac:spMk id="4" creationId="{083CE6D7-90CB-947F-1B9F-4ABC7D4AF9D5}"/>
-          </ac:spMkLst>
-        </pc:spChg>
       </pc:sldChg>
       <pc:sldChg chg="addSp delSp modSp del mod">
         <pc:chgData name="Zonghua Gu" userId="9a7e1853e1951ef5" providerId="LiveId" clId="{CF1FAA12-072C-4ED5-BA76-0FFFAEFDB88A}" dt="2025-09-18T01:38:44.397" v="1241" actId="47"/>
@@ -472,22 +354,6 @@
           <pc:docMk/>
           <pc:sldMk cId="2667703659" sldId="323"/>
         </pc:sldMkLst>
-        <pc:spChg chg="add mod">
-          <ac:chgData name="Zonghua Gu" userId="9a7e1853e1951ef5" providerId="LiveId" clId="{CF1FAA12-072C-4ED5-BA76-0FFFAEFDB88A}" dt="2025-09-17T21:32:42.031" v="1201" actId="14100"/>
-          <ac:spMkLst>
-            <pc:docMk/>
-            <pc:sldMk cId="2667703659" sldId="323"/>
-            <ac:spMk id="4" creationId="{4319D3C5-59CF-BEEE-5F35-46A7B150BF9F}"/>
-          </ac:spMkLst>
-        </pc:spChg>
-        <pc:spChg chg="add del mod">
-          <ac:chgData name="Zonghua Gu" userId="9a7e1853e1951ef5" providerId="LiveId" clId="{CF1FAA12-072C-4ED5-BA76-0FFFAEFDB88A}" dt="2025-09-17T21:32:44.310" v="1203" actId="21"/>
-          <ac:spMkLst>
-            <pc:docMk/>
-            <pc:sldMk cId="2667703659" sldId="323"/>
-            <ac:spMk id="7" creationId="{9116A89E-6FE6-CAB0-42A9-ECB4D2DF7A96}"/>
-          </ac:spMkLst>
-        </pc:spChg>
       </pc:sldChg>
       <pc:sldChg chg="modSp del mod">
         <pc:chgData name="Zonghua Gu" userId="9a7e1853e1951ef5" providerId="LiveId" clId="{CF1FAA12-072C-4ED5-BA76-0FFFAEFDB88A}" dt="2025-09-18T01:38:44.397" v="1241" actId="47"/>
@@ -495,22 +361,6 @@
           <pc:docMk/>
           <pc:sldMk cId="2924045303" sldId="324"/>
         </pc:sldMkLst>
-        <pc:spChg chg="mod">
-          <ac:chgData name="Zonghua Gu" userId="9a7e1853e1951ef5" providerId="LiveId" clId="{CF1FAA12-072C-4ED5-BA76-0FFFAEFDB88A}" dt="2025-09-17T19:25:36.298" v="759" actId="27636"/>
-          <ac:spMkLst>
-            <pc:docMk/>
-            <pc:sldMk cId="2924045303" sldId="324"/>
-            <ac:spMk id="2" creationId="{00000000-0000-0000-0000-000000000000}"/>
-          </ac:spMkLst>
-        </pc:spChg>
-        <pc:graphicFrameChg chg="mod modGraphic">
-          <ac:chgData name="Zonghua Gu" userId="9a7e1853e1951ef5" providerId="LiveId" clId="{CF1FAA12-072C-4ED5-BA76-0FFFAEFDB88A}" dt="2025-09-17T19:27:50.100" v="776" actId="20577"/>
-          <ac:graphicFrameMkLst>
-            <pc:docMk/>
-            <pc:sldMk cId="2924045303" sldId="324"/>
-            <ac:graphicFrameMk id="4" creationId="{00000000-0000-0000-0000-000000000000}"/>
-          </ac:graphicFrameMkLst>
-        </pc:graphicFrameChg>
       </pc:sldChg>
       <pc:sldChg chg="addSp modSp del mod">
         <pc:chgData name="Zonghua Gu" userId="9a7e1853e1951ef5" providerId="LiveId" clId="{CF1FAA12-072C-4ED5-BA76-0FFFAEFDB88A}" dt="2025-09-18T01:38:44.397" v="1241" actId="47"/>
@@ -518,22 +368,6 @@
           <pc:docMk/>
           <pc:sldMk cId="2331627715" sldId="325"/>
         </pc:sldMkLst>
-        <pc:spChg chg="add mod">
-          <ac:chgData name="Zonghua Gu" userId="9a7e1853e1951ef5" providerId="LiveId" clId="{CF1FAA12-072C-4ED5-BA76-0FFFAEFDB88A}" dt="2025-09-17T19:21:21.619" v="649" actId="14100"/>
-          <ac:spMkLst>
-            <pc:docMk/>
-            <pc:sldMk cId="2331627715" sldId="325"/>
-            <ac:spMk id="4" creationId="{5F947ED3-C75F-5FE0-2C95-D53D3090CA9B}"/>
-          </ac:spMkLst>
-        </pc:spChg>
-        <pc:spChg chg="add mod">
-          <ac:chgData name="Zonghua Gu" userId="9a7e1853e1951ef5" providerId="LiveId" clId="{CF1FAA12-072C-4ED5-BA76-0FFFAEFDB88A}" dt="2025-09-17T19:21:41.374" v="651" actId="14100"/>
-          <ac:spMkLst>
-            <pc:docMk/>
-            <pc:sldMk cId="2331627715" sldId="325"/>
-            <ac:spMk id="6" creationId="{12EB0634-FDA5-80ED-B6CD-9DDC482C5548}"/>
-          </ac:spMkLst>
-        </pc:spChg>
       </pc:sldChg>
       <pc:sldChg chg="addSp delSp modSp del mod">
         <pc:chgData name="Zonghua Gu" userId="9a7e1853e1951ef5" providerId="LiveId" clId="{CF1FAA12-072C-4ED5-BA76-0FFFAEFDB88A}" dt="2025-09-18T01:38:44.397" v="1241" actId="47"/>
@@ -541,30 +375,6 @@
           <pc:docMk/>
           <pc:sldMk cId="3293036044" sldId="326"/>
         </pc:sldMkLst>
-        <pc:spChg chg="add mod">
-          <ac:chgData name="Zonghua Gu" userId="9a7e1853e1951ef5" providerId="LiveId" clId="{CF1FAA12-072C-4ED5-BA76-0FFFAEFDB88A}" dt="2025-09-17T17:48:15.148" v="101" actId="14100"/>
-          <ac:spMkLst>
-            <pc:docMk/>
-            <pc:sldMk cId="3293036044" sldId="326"/>
-            <ac:spMk id="8" creationId="{B90A5FBE-3EEC-E562-4990-ACC491525091}"/>
-          </ac:spMkLst>
-        </pc:spChg>
-        <pc:spChg chg="add mod">
-          <ac:chgData name="Zonghua Gu" userId="9a7e1853e1951ef5" providerId="LiveId" clId="{CF1FAA12-072C-4ED5-BA76-0FFFAEFDB88A}" dt="2025-09-17T19:21:04.893" v="646" actId="207"/>
-          <ac:spMkLst>
-            <pc:docMk/>
-            <pc:sldMk cId="3293036044" sldId="326"/>
-            <ac:spMk id="10" creationId="{09F6685E-48F3-5005-2FD5-22AC677DFD68}"/>
-          </ac:spMkLst>
-        </pc:spChg>
-        <pc:cxnChg chg="add del">
-          <ac:chgData name="Zonghua Gu" userId="9a7e1853e1951ef5" providerId="LiveId" clId="{CF1FAA12-072C-4ED5-BA76-0FFFAEFDB88A}" dt="2025-09-17T17:47:30.747" v="91" actId="11529"/>
-          <ac:cxnSpMkLst>
-            <pc:docMk/>
-            <pc:sldMk cId="3293036044" sldId="326"/>
-            <ac:cxnSpMk id="6" creationId="{26944D50-C6B8-BCBB-FC07-C0E62BF399A5}"/>
-          </ac:cxnSpMkLst>
-        </pc:cxnChg>
       </pc:sldChg>
       <pc:sldChg chg="addSp delSp modSp del mod">
         <pc:chgData name="Zonghua Gu" userId="9a7e1853e1951ef5" providerId="LiveId" clId="{CF1FAA12-072C-4ED5-BA76-0FFFAEFDB88A}" dt="2025-09-18T01:38:44.397" v="1241" actId="47"/>
@@ -572,30 +382,6 @@
           <pc:docMk/>
           <pc:sldMk cId="2322116273" sldId="327"/>
         </pc:sldMkLst>
-        <pc:spChg chg="add mod">
-          <ac:chgData name="Zonghua Gu" userId="9a7e1853e1951ef5" providerId="LiveId" clId="{CF1FAA12-072C-4ED5-BA76-0FFFAEFDB88A}" dt="2025-09-17T17:48:25.413" v="104" actId="14100"/>
-          <ac:spMkLst>
-            <pc:docMk/>
-            <pc:sldMk cId="2322116273" sldId="327"/>
-            <ac:spMk id="4" creationId="{747625F2-1C65-89BD-47EF-F05A0AA24279}"/>
-          </ac:spMkLst>
-        </pc:spChg>
-        <pc:spChg chg="add del mod">
-          <ac:chgData name="Zonghua Gu" userId="9a7e1853e1951ef5" providerId="LiveId" clId="{CF1FAA12-072C-4ED5-BA76-0FFFAEFDB88A}" dt="2025-09-17T17:49:23.587" v="110" actId="478"/>
-          <ac:spMkLst>
-            <pc:docMk/>
-            <pc:sldMk cId="2322116273" sldId="327"/>
-            <ac:spMk id="6" creationId="{8577AABF-C3BE-F3BD-F759-1FB5669A0B2A}"/>
-          </ac:spMkLst>
-        </pc:spChg>
-        <pc:spChg chg="add mod">
-          <ac:chgData name="Zonghua Gu" userId="9a7e1853e1951ef5" providerId="LiveId" clId="{CF1FAA12-072C-4ED5-BA76-0FFFAEFDB88A}" dt="2025-09-17T19:22:10.137" v="661" actId="1035"/>
-          <ac:spMkLst>
-            <pc:docMk/>
-            <pc:sldMk cId="2322116273" sldId="327"/>
-            <ac:spMk id="10" creationId="{0A87A1D0-CEBB-F6DD-DE24-9143724F7BB6}"/>
-          </ac:spMkLst>
-        </pc:spChg>
       </pc:sldChg>
       <pc:sldChg chg="del">
         <pc:chgData name="Zonghua Gu" userId="9a7e1853e1951ef5" providerId="LiveId" clId="{CF1FAA12-072C-4ED5-BA76-0FFFAEFDB88A}" dt="2025-09-18T01:38:44.397" v="1241" actId="47"/>
@@ -624,54 +410,6 @@
           <pc:docMk/>
           <pc:sldMk cId="4015228595" sldId="335"/>
         </pc:sldMkLst>
-        <pc:spChg chg="add mod">
-          <ac:chgData name="Zonghua Gu" userId="9a7e1853e1951ef5" providerId="LiveId" clId="{CF1FAA12-072C-4ED5-BA76-0FFFAEFDB88A}" dt="2025-09-17T19:29:02.925" v="789" actId="14100"/>
-          <ac:spMkLst>
-            <pc:docMk/>
-            <pc:sldMk cId="4015228595" sldId="335"/>
-            <ac:spMk id="2" creationId="{63AD5224-522C-18FC-A5C0-4CAEE167F4A7}"/>
-          </ac:spMkLst>
-        </pc:spChg>
-        <pc:spChg chg="add mod">
-          <ac:chgData name="Zonghua Gu" userId="9a7e1853e1951ef5" providerId="LiveId" clId="{CF1FAA12-072C-4ED5-BA76-0FFFAEFDB88A}" dt="2025-09-17T19:29:24.092" v="791" actId="14100"/>
-          <ac:spMkLst>
-            <pc:docMk/>
-            <pc:sldMk cId="4015228595" sldId="335"/>
-            <ac:spMk id="3" creationId="{D6951C95-8873-B916-2166-BF641EF82FD2}"/>
-          </ac:spMkLst>
-        </pc:spChg>
-        <pc:spChg chg="add mod">
-          <ac:chgData name="Zonghua Gu" userId="9a7e1853e1951ef5" providerId="LiveId" clId="{CF1FAA12-072C-4ED5-BA76-0FFFAEFDB88A}" dt="2025-09-17T19:30:28.521" v="796" actId="1076"/>
-          <ac:spMkLst>
-            <pc:docMk/>
-            <pc:sldMk cId="4015228595" sldId="335"/>
-            <ac:spMk id="4" creationId="{BF8ADD12-38AC-2F78-06EF-691CD8EC6539}"/>
-          </ac:spMkLst>
-        </pc:spChg>
-        <pc:spChg chg="add mod">
-          <ac:chgData name="Zonghua Gu" userId="9a7e1853e1951ef5" providerId="LiveId" clId="{CF1FAA12-072C-4ED5-BA76-0FFFAEFDB88A}" dt="2025-09-17T19:30:46.115" v="799" actId="14100"/>
-          <ac:spMkLst>
-            <pc:docMk/>
-            <pc:sldMk cId="4015228595" sldId="335"/>
-            <ac:spMk id="5" creationId="{CC7A2AF8-E930-2C88-AA7D-100ACAD1C1CD}"/>
-          </ac:spMkLst>
-        </pc:spChg>
-        <pc:spChg chg="add mod">
-          <ac:chgData name="Zonghua Gu" userId="9a7e1853e1951ef5" providerId="LiveId" clId="{CF1FAA12-072C-4ED5-BA76-0FFFAEFDB88A}" dt="2025-09-17T19:37:56.898" v="948" actId="1036"/>
-          <ac:spMkLst>
-            <pc:docMk/>
-            <pc:sldMk cId="4015228595" sldId="335"/>
-            <ac:spMk id="6" creationId="{05A93BF7-A206-F2CA-CC13-D14DF785DD1A}"/>
-          </ac:spMkLst>
-        </pc:spChg>
-        <pc:grpChg chg="mod">
-          <ac:chgData name="Zonghua Gu" userId="9a7e1853e1951ef5" providerId="LiveId" clId="{CF1FAA12-072C-4ED5-BA76-0FFFAEFDB88A}" dt="2025-09-17T19:37:41.257" v="940" actId="1035"/>
-          <ac:grpSpMkLst>
-            <pc:docMk/>
-            <pc:sldMk cId="4015228595" sldId="335"/>
-            <ac:grpSpMk id="66" creationId="{00000000-0000-0000-0000-000000000000}"/>
-          </ac:grpSpMkLst>
-        </pc:grpChg>
       </pc:sldChg>
       <pc:sldChg chg="addSp modSp del mod">
         <pc:chgData name="Zonghua Gu" userId="9a7e1853e1951ef5" providerId="LiveId" clId="{CF1FAA12-072C-4ED5-BA76-0FFFAEFDB88A}" dt="2025-09-18T01:38:44.397" v="1241" actId="47"/>
@@ -679,30 +417,6 @@
           <pc:docMk/>
           <pc:sldMk cId="1520596659" sldId="336"/>
         </pc:sldMkLst>
-        <pc:spChg chg="add mod">
-          <ac:chgData name="Zonghua Gu" userId="9a7e1853e1951ef5" providerId="LiveId" clId="{CF1FAA12-072C-4ED5-BA76-0FFFAEFDB88A}" dt="2025-09-17T19:50:28.469" v="1070" actId="14100"/>
-          <ac:spMkLst>
-            <pc:docMk/>
-            <pc:sldMk cId="1520596659" sldId="336"/>
-            <ac:spMk id="4" creationId="{A826057E-9F7A-6C62-FBF3-567AFDB15EA9}"/>
-          </ac:spMkLst>
-        </pc:spChg>
-        <pc:spChg chg="mod">
-          <ac:chgData name="Zonghua Gu" userId="9a7e1853e1951ef5" providerId="LiveId" clId="{CF1FAA12-072C-4ED5-BA76-0FFFAEFDB88A}" dt="2025-09-17T19:46:18.978" v="994"/>
-          <ac:spMkLst>
-            <pc:docMk/>
-            <pc:sldMk cId="1520596659" sldId="336"/>
-            <ac:spMk id="6" creationId="{00000000-0000-0000-0000-000000000000}"/>
-          </ac:spMkLst>
-        </pc:spChg>
-        <pc:spChg chg="mod">
-          <ac:chgData name="Zonghua Gu" userId="9a7e1853e1951ef5" providerId="LiveId" clId="{CF1FAA12-072C-4ED5-BA76-0FFFAEFDB88A}" dt="2025-09-17T19:44:25.815" v="950" actId="1076"/>
-          <ac:spMkLst>
-            <pc:docMk/>
-            <pc:sldMk cId="1520596659" sldId="336"/>
-            <ac:spMk id="7" creationId="{00000000-0000-0000-0000-000000000000}"/>
-          </ac:spMkLst>
-        </pc:spChg>
       </pc:sldChg>
       <pc:sldChg chg="addSp modSp del mod">
         <pc:chgData name="Zonghua Gu" userId="9a7e1853e1951ef5" providerId="LiveId" clId="{CF1FAA12-072C-4ED5-BA76-0FFFAEFDB88A}" dt="2025-09-18T01:38:44.397" v="1241" actId="47"/>
@@ -710,30 +424,6 @@
           <pc:docMk/>
           <pc:sldMk cId="1090868990" sldId="339"/>
         </pc:sldMkLst>
-        <pc:spChg chg="mod">
-          <ac:chgData name="Zonghua Gu" userId="9a7e1853e1951ef5" providerId="LiveId" clId="{CF1FAA12-072C-4ED5-BA76-0FFFAEFDB88A}" dt="2025-09-17T19:28:06.843" v="783" actId="20577"/>
-          <ac:spMkLst>
-            <pc:docMk/>
-            <pc:sldMk cId="1090868990" sldId="339"/>
-            <ac:spMk id="3" creationId="{00000000-0000-0000-0000-000000000000}"/>
-          </ac:spMkLst>
-        </pc:spChg>
-        <pc:spChg chg="add mod">
-          <ac:chgData name="Zonghua Gu" userId="9a7e1853e1951ef5" providerId="LiveId" clId="{CF1FAA12-072C-4ED5-BA76-0FFFAEFDB88A}" dt="2025-09-17T19:24:14.350" v="715" actId="571"/>
-          <ac:spMkLst>
-            <pc:docMk/>
-            <pc:sldMk cId="1090868990" sldId="339"/>
-            <ac:spMk id="8" creationId="{C0405950-36A9-DE00-1370-01F9FDC3428F}"/>
-          </ac:spMkLst>
-        </pc:spChg>
-        <pc:spChg chg="mod">
-          <ac:chgData name="Zonghua Gu" userId="9a7e1853e1951ef5" providerId="LiveId" clId="{CF1FAA12-072C-4ED5-BA76-0FFFAEFDB88A}" dt="2025-09-17T19:25:02.675" v="746" actId="20577"/>
-          <ac:spMkLst>
-            <pc:docMk/>
-            <pc:sldMk cId="1090868990" sldId="339"/>
-            <ac:spMk id="15362" creationId="{00000000-0000-0000-0000-000000000000}"/>
-          </ac:spMkLst>
-        </pc:spChg>
       </pc:sldChg>
       <pc:sldChg chg="addSp delSp modSp del mod modNotesTx">
         <pc:chgData name="Zonghua Gu" userId="9a7e1853e1951ef5" providerId="LiveId" clId="{CF1FAA12-072C-4ED5-BA76-0FFFAEFDB88A}" dt="2025-09-18T01:38:44.397" v="1241" actId="47"/>
@@ -741,38 +431,6 @@
           <pc:docMk/>
           <pc:sldMk cId="1809958305" sldId="340"/>
         </pc:sldMkLst>
-        <pc:spChg chg="add mod">
-          <ac:chgData name="Zonghua Gu" userId="9a7e1853e1951ef5" providerId="LiveId" clId="{CF1FAA12-072C-4ED5-BA76-0FFFAEFDB88A}" dt="2025-09-17T19:07:15.501" v="624" actId="14100"/>
-          <ac:spMkLst>
-            <pc:docMk/>
-            <pc:sldMk cId="1809958305" sldId="340"/>
-            <ac:spMk id="2" creationId="{2FDC17BF-C944-BDA6-3615-D41AC13EB223}"/>
-          </ac:spMkLst>
-        </pc:spChg>
-        <pc:spChg chg="mod">
-          <ac:chgData name="Zonghua Gu" userId="9a7e1853e1951ef5" providerId="LiveId" clId="{CF1FAA12-072C-4ED5-BA76-0FFFAEFDB88A}" dt="2025-09-17T19:27:56.579" v="777"/>
-          <ac:spMkLst>
-            <pc:docMk/>
-            <pc:sldMk cId="1809958305" sldId="340"/>
-            <ac:spMk id="3" creationId="{00000000-0000-0000-0000-000000000000}"/>
-          </ac:spMkLst>
-        </pc:spChg>
-        <pc:spChg chg="del mod">
-          <ac:chgData name="Zonghua Gu" userId="9a7e1853e1951ef5" providerId="LiveId" clId="{CF1FAA12-072C-4ED5-BA76-0FFFAEFDB88A}" dt="2025-09-17T18:06:29.874" v="198"/>
-          <ac:spMkLst>
-            <pc:docMk/>
-            <pc:sldMk cId="1809958305" sldId="340"/>
-            <ac:spMk id="6" creationId="{00000000-0000-0000-0000-000000000000}"/>
-          </ac:spMkLst>
-        </pc:spChg>
-        <pc:spChg chg="mod">
-          <ac:chgData name="Zonghua Gu" userId="9a7e1853e1951ef5" providerId="LiveId" clId="{CF1FAA12-072C-4ED5-BA76-0FFFAEFDB88A}" dt="2025-09-17T19:25:06.659" v="748" actId="27636"/>
-          <ac:spMkLst>
-            <pc:docMk/>
-            <pc:sldMk cId="1809958305" sldId="340"/>
-            <ac:spMk id="15362" creationId="{00000000-0000-0000-0000-000000000000}"/>
-          </ac:spMkLst>
-        </pc:spChg>
       </pc:sldChg>
       <pc:sldChg chg="del">
         <pc:chgData name="Zonghua Gu" userId="9a7e1853e1951ef5" providerId="LiveId" clId="{CF1FAA12-072C-4ED5-BA76-0FFFAEFDB88A}" dt="2025-09-18T01:38:44.397" v="1241" actId="47"/>
@@ -787,22 +445,6 @@
           <pc:docMk/>
           <pc:sldMk cId="2051571543" sldId="344"/>
         </pc:sldMkLst>
-        <pc:spChg chg="add mod">
-          <ac:chgData name="Zonghua Gu" userId="9a7e1853e1951ef5" providerId="LiveId" clId="{CF1FAA12-072C-4ED5-BA76-0FFFAEFDB88A}" dt="2025-09-17T19:11:12.460" v="633" actId="1076"/>
-          <ac:spMkLst>
-            <pc:docMk/>
-            <pc:sldMk cId="2051571543" sldId="344"/>
-            <ac:spMk id="4" creationId="{6BB2040F-11C5-55C7-1568-ADBC22FFAA6F}"/>
-          </ac:spMkLst>
-        </pc:spChg>
-        <pc:spChg chg="del">
-          <ac:chgData name="Zonghua Gu" userId="9a7e1853e1951ef5" providerId="LiveId" clId="{CF1FAA12-072C-4ED5-BA76-0FFFAEFDB88A}" dt="2025-09-17T19:11:09.816" v="631" actId="478"/>
-          <ac:spMkLst>
-            <pc:docMk/>
-            <pc:sldMk cId="2051571543" sldId="344"/>
-            <ac:spMk id="7" creationId="{00000000-0000-0000-0000-000000000000}"/>
-          </ac:spMkLst>
-        </pc:spChg>
       </pc:sldChg>
       <pc:sldChg chg="del">
         <pc:chgData name="Zonghua Gu" userId="9a7e1853e1951ef5" providerId="LiveId" clId="{CF1FAA12-072C-4ED5-BA76-0FFFAEFDB88A}" dt="2025-09-18T01:38:44.397" v="1241" actId="47"/>
@@ -817,14 +459,6 @@
           <pc:docMk/>
           <pc:sldMk cId="2237900729" sldId="346"/>
         </pc:sldMkLst>
-        <pc:graphicFrameChg chg="mod modGraphic">
-          <ac:chgData name="Zonghua Gu" userId="9a7e1853e1951ef5" providerId="LiveId" clId="{CF1FAA12-072C-4ED5-BA76-0FFFAEFDB88A}" dt="2025-09-17T19:52:10.710" v="1172" actId="20577"/>
-          <ac:graphicFrameMkLst>
-            <pc:docMk/>
-            <pc:sldMk cId="2237900729" sldId="346"/>
-            <ac:graphicFrameMk id="5" creationId="{00000000-0000-0000-0000-000000000000}"/>
-          </ac:graphicFrameMkLst>
-        </pc:graphicFrameChg>
       </pc:sldChg>
       <pc:sldChg chg="del">
         <pc:chgData name="Zonghua Gu" userId="9a7e1853e1951ef5" providerId="LiveId" clId="{CF1FAA12-072C-4ED5-BA76-0FFFAEFDB88A}" dt="2025-09-18T01:38:44.397" v="1241" actId="47"/>
@@ -846,14 +480,6 @@
           <pc:docMk/>
           <pc:sldMk cId="2162368129" sldId="349"/>
         </pc:sldMkLst>
-        <pc:spChg chg="add mod">
-          <ac:chgData name="Zonghua Gu" userId="9a7e1853e1951ef5" providerId="LiveId" clId="{CF1FAA12-072C-4ED5-BA76-0FFFAEFDB88A}" dt="2025-09-17T18:17:39.128" v="207" actId="1038"/>
-          <ac:spMkLst>
-            <pc:docMk/>
-            <pc:sldMk cId="2162368129" sldId="349"/>
-            <ac:spMk id="6" creationId="{47A27E32-4EC5-7D79-232B-8867AE1F9B49}"/>
-          </ac:spMkLst>
-        </pc:spChg>
       </pc:sldChg>
       <pc:sldChg chg="del">
         <pc:chgData name="Zonghua Gu" userId="9a7e1853e1951ef5" providerId="LiveId" clId="{CF1FAA12-072C-4ED5-BA76-0FFFAEFDB88A}" dt="2025-09-18T01:38:44.397" v="1241" actId="47"/>
@@ -950,22 +576,6 @@
           <pc:docMk/>
           <pc:sldMk cId="2652182247" sldId="354"/>
         </pc:sldMkLst>
-        <pc:spChg chg="mod">
-          <ac:chgData name="Zonghua Gu" userId="9a7e1853e1951ef5" providerId="LiveId" clId="{CF1FAA12-072C-4ED5-BA76-0FFFAEFDB88A}" dt="2025-09-17T18:33:25.417" v="380" actId="20577"/>
-          <ac:spMkLst>
-            <pc:docMk/>
-            <pc:sldMk cId="2652182247" sldId="354"/>
-            <ac:spMk id="2" creationId="{F4BFDC7B-4907-E38D-CC39-3ABBDBF37640}"/>
-          </ac:spMkLst>
-        </pc:spChg>
-        <pc:graphicFrameChg chg="mod modGraphic">
-          <ac:chgData name="Zonghua Gu" userId="9a7e1853e1951ef5" providerId="LiveId" clId="{CF1FAA12-072C-4ED5-BA76-0FFFAEFDB88A}" dt="2025-09-17T18:34:11.146" v="385"/>
-          <ac:graphicFrameMkLst>
-            <pc:docMk/>
-            <pc:sldMk cId="2652182247" sldId="354"/>
-            <ac:graphicFrameMk id="5" creationId="{47957FCF-A9D7-926A-5B20-5956F0D15472}"/>
-          </ac:graphicFrameMkLst>
-        </pc:graphicFrameChg>
       </pc:sldChg>
       <pc:sldChg chg="modSp add del mod">
         <pc:chgData name="Zonghua Gu" userId="9a7e1853e1951ef5" providerId="LiveId" clId="{CF1FAA12-072C-4ED5-BA76-0FFFAEFDB88A}" dt="2025-09-18T01:38:44.397" v="1241" actId="47"/>
@@ -973,22 +583,6 @@
           <pc:docMk/>
           <pc:sldMk cId="1671373347" sldId="355"/>
         </pc:sldMkLst>
-        <pc:spChg chg="mod">
-          <ac:chgData name="Zonghua Gu" userId="9a7e1853e1951ef5" providerId="LiveId" clId="{CF1FAA12-072C-4ED5-BA76-0FFFAEFDB88A}" dt="2025-09-17T19:03:26.411" v="613" actId="1076"/>
-          <ac:spMkLst>
-            <pc:docMk/>
-            <pc:sldMk cId="1671373347" sldId="355"/>
-            <ac:spMk id="7" creationId="{F164103F-5493-6E75-917E-11F5943403D8}"/>
-          </ac:spMkLst>
-        </pc:spChg>
-        <pc:graphicFrameChg chg="mod modGraphic">
-          <ac:chgData name="Zonghua Gu" userId="9a7e1853e1951ef5" providerId="LiveId" clId="{CF1FAA12-072C-4ED5-BA76-0FFFAEFDB88A}" dt="2025-09-17T19:04:24.517" v="623" actId="20577"/>
-          <ac:graphicFrameMkLst>
-            <pc:docMk/>
-            <pc:sldMk cId="1671373347" sldId="355"/>
-            <ac:graphicFrameMk id="5" creationId="{C7914D5B-2CC7-293C-9379-3C41827285D1}"/>
-          </ac:graphicFrameMkLst>
-        </pc:graphicFrameChg>
       </pc:sldChg>
       <pc:sldChg chg="modSp add mod">
         <pc:chgData name="Zonghua Gu" userId="9a7e1853e1951ef5" providerId="LiveId" clId="{CF1FAA12-072C-4ED5-BA76-0FFFAEFDB88A}" dt="2025-09-18T01:55:04.685" v="1477" actId="20577"/>
@@ -1042,14 +636,146 @@
           <pc:docMk/>
           <pc:sldMk cId="3734883149" sldId="356"/>
         </pc:sldMkLst>
+      </pc:sldChg>
+      <pc:sldChg chg="addSp modSp new mod">
+        <pc:chgData name="Zonghua Gu" userId="9a7e1853e1951ef5" providerId="LiveId" clId="{CF1FAA12-072C-4ED5-BA76-0FFFAEFDB88A}" dt="2025-09-23T03:03:01.341" v="2423" actId="20577"/>
+        <pc:sldMkLst>
+          <pc:docMk/>
+          <pc:sldMk cId="2809835501" sldId="357"/>
+        </pc:sldMkLst>
         <pc:spChg chg="mod">
-          <ac:chgData name="Zonghua Gu" userId="9a7e1853e1951ef5" providerId="LiveId" clId="{CF1FAA12-072C-4ED5-BA76-0FFFAEFDB88A}" dt="2025-09-17T23:42:19.122" v="1214" actId="20577"/>
+          <ac:chgData name="Zonghua Gu" userId="9a7e1853e1951ef5" providerId="LiveId" clId="{CF1FAA12-072C-4ED5-BA76-0FFFAEFDB88A}" dt="2025-09-23T02:59:27.093" v="2218" actId="20577"/>
           <ac:spMkLst>
             <pc:docMk/>
-            <pc:sldMk cId="3734883149" sldId="356"/>
-            <ac:spMk id="2" creationId="{4C5CF13F-8F1C-88BB-7D61-05FA4732318F}"/>
+            <pc:sldMk cId="2809835501" sldId="357"/>
+            <ac:spMk id="2" creationId="{B366A44A-55C3-B775-BDF5-DBBAFA487769}"/>
           </ac:spMkLst>
         </pc:spChg>
+        <pc:spChg chg="mod">
+          <ac:chgData name="Zonghua Gu" userId="9a7e1853e1951ef5" providerId="LiveId" clId="{CF1FAA12-072C-4ED5-BA76-0FFFAEFDB88A}" dt="2025-09-23T03:00:08.651" v="2269" actId="5793"/>
+          <ac:spMkLst>
+            <pc:docMk/>
+            <pc:sldMk cId="2809835501" sldId="357"/>
+            <ac:spMk id="4" creationId="{C93B1293-ADB9-BD5E-3F28-CA9A983DB1CF}"/>
+          </ac:spMkLst>
+        </pc:spChg>
+        <pc:graphicFrameChg chg="add mod">
+          <ac:chgData name="Zonghua Gu" userId="9a7e1853e1951ef5" providerId="LiveId" clId="{CF1FAA12-072C-4ED5-BA76-0FFFAEFDB88A}" dt="2025-09-23T02:46:29.238" v="1723"/>
+          <ac:graphicFrameMkLst>
+            <pc:docMk/>
+            <pc:sldMk cId="2809835501" sldId="357"/>
+            <ac:graphicFrameMk id="5" creationId="{8A7AF6C0-0B85-1C7F-5561-3B2AB4480320}"/>
+          </ac:graphicFrameMkLst>
+        </pc:graphicFrameChg>
+        <pc:graphicFrameChg chg="add mod modGraphic">
+          <ac:chgData name="Zonghua Gu" userId="9a7e1853e1951ef5" providerId="LiveId" clId="{CF1FAA12-072C-4ED5-BA76-0FFFAEFDB88A}" dt="2025-09-23T03:02:37.484" v="2414" actId="20577"/>
+          <ac:graphicFrameMkLst>
+            <pc:docMk/>
+            <pc:sldMk cId="2809835501" sldId="357"/>
+            <ac:graphicFrameMk id="6" creationId="{91E2EF3A-0CFB-A04C-C777-25F838793CFD}"/>
+          </ac:graphicFrameMkLst>
+        </pc:graphicFrameChg>
+        <pc:graphicFrameChg chg="add mod modGraphic">
+          <ac:chgData name="Zonghua Gu" userId="9a7e1853e1951ef5" providerId="LiveId" clId="{CF1FAA12-072C-4ED5-BA76-0FFFAEFDB88A}" dt="2025-09-23T03:02:40.051" v="2416" actId="20577"/>
+          <ac:graphicFrameMkLst>
+            <pc:docMk/>
+            <pc:sldMk cId="2809835501" sldId="357"/>
+            <ac:graphicFrameMk id="7" creationId="{A4459CE1-F656-C404-376E-E4D220603EDA}"/>
+          </ac:graphicFrameMkLst>
+        </pc:graphicFrameChg>
+        <pc:graphicFrameChg chg="add mod modGraphic">
+          <ac:chgData name="Zonghua Gu" userId="9a7e1853e1951ef5" providerId="LiveId" clId="{CF1FAA12-072C-4ED5-BA76-0FFFAEFDB88A}" dt="2025-09-23T03:03:01.341" v="2423" actId="20577"/>
+          <ac:graphicFrameMkLst>
+            <pc:docMk/>
+            <pc:sldMk cId="2809835501" sldId="357"/>
+            <ac:graphicFrameMk id="8" creationId="{E406CADB-4F7C-3316-85F7-F1FBB67120E7}"/>
+          </ac:graphicFrameMkLst>
+        </pc:graphicFrameChg>
+      </pc:sldChg>
+      <pc:sldChg chg="modSp add mod">
+        <pc:chgData name="Zonghua Gu" userId="9a7e1853e1951ef5" providerId="LiveId" clId="{CF1FAA12-072C-4ED5-BA76-0FFFAEFDB88A}" dt="2025-09-23T03:03:21.536" v="2431"/>
+        <pc:sldMkLst>
+          <pc:docMk/>
+          <pc:sldMk cId="152100179" sldId="358"/>
+        </pc:sldMkLst>
+        <pc:graphicFrameChg chg="mod">
+          <ac:chgData name="Zonghua Gu" userId="9a7e1853e1951ef5" providerId="LiveId" clId="{CF1FAA12-072C-4ED5-BA76-0FFFAEFDB88A}" dt="2025-09-23T03:03:18.554" v="2429"/>
+          <ac:graphicFrameMkLst>
+            <pc:docMk/>
+            <pc:sldMk cId="152100179" sldId="358"/>
+            <ac:graphicFrameMk id="6" creationId="{E28C4A95-33F3-BABE-565A-E12BD4DBAF93}"/>
+          </ac:graphicFrameMkLst>
+        </pc:graphicFrameChg>
+        <pc:graphicFrameChg chg="mod modGraphic">
+          <ac:chgData name="Zonghua Gu" userId="9a7e1853e1951ef5" providerId="LiveId" clId="{CF1FAA12-072C-4ED5-BA76-0FFFAEFDB88A}" dt="2025-09-23T03:03:20.218" v="2430"/>
+          <ac:graphicFrameMkLst>
+            <pc:docMk/>
+            <pc:sldMk cId="152100179" sldId="358"/>
+            <ac:graphicFrameMk id="7" creationId="{61C10A8C-B88B-BA01-723F-3EF7F7464A2A}"/>
+          </ac:graphicFrameMkLst>
+        </pc:graphicFrameChg>
+        <pc:graphicFrameChg chg="mod">
+          <ac:chgData name="Zonghua Gu" userId="9a7e1853e1951ef5" providerId="LiveId" clId="{CF1FAA12-072C-4ED5-BA76-0FFFAEFDB88A}" dt="2025-09-23T03:03:21.536" v="2431"/>
+          <ac:graphicFrameMkLst>
+            <pc:docMk/>
+            <pc:sldMk cId="152100179" sldId="358"/>
+            <ac:graphicFrameMk id="8" creationId="{D1C02443-040B-0C53-44B2-CAD7E2F6C144}"/>
+          </ac:graphicFrameMkLst>
+        </pc:graphicFrameChg>
+      </pc:sldChg>
+      <pc:sldChg chg="delSp modSp add mod">
+        <pc:chgData name="Zonghua Gu" userId="9a7e1853e1951ef5" providerId="LiveId" clId="{CF1FAA12-072C-4ED5-BA76-0FFFAEFDB88A}" dt="2025-09-23T03:03:37.708" v="2436" actId="6549"/>
+        <pc:sldMkLst>
+          <pc:docMk/>
+          <pc:sldMk cId="3161200706" sldId="359"/>
+        </pc:sldMkLst>
+        <pc:spChg chg="mod">
+          <ac:chgData name="Zonghua Gu" userId="9a7e1853e1951ef5" providerId="LiveId" clId="{CF1FAA12-072C-4ED5-BA76-0FFFAEFDB88A}" dt="2025-09-23T03:03:33.434" v="2435" actId="20577"/>
+          <ac:spMkLst>
+            <pc:docMk/>
+            <pc:sldMk cId="3161200706" sldId="359"/>
+            <ac:spMk id="2" creationId="{8FE88944-D39C-3332-EB2A-C74E13CF2ACC}"/>
+          </ac:spMkLst>
+        </pc:spChg>
+        <pc:spChg chg="mod">
+          <ac:chgData name="Zonghua Gu" userId="9a7e1853e1951ef5" providerId="LiveId" clId="{CF1FAA12-072C-4ED5-BA76-0FFFAEFDB88A}" dt="2025-09-23T03:01:30.907" v="2379" actId="20577"/>
+          <ac:spMkLst>
+            <pc:docMk/>
+            <pc:sldMk cId="3161200706" sldId="359"/>
+            <ac:spMk id="4" creationId="{9BE65C1E-4BED-C61A-C779-DB76D6C26A22}"/>
+          </ac:spMkLst>
+        </pc:spChg>
+        <pc:graphicFrameChg chg="mod modGraphic">
+          <ac:chgData name="Zonghua Gu" userId="9a7e1853e1951ef5" providerId="LiveId" clId="{CF1FAA12-072C-4ED5-BA76-0FFFAEFDB88A}" dt="2025-09-23T03:03:37.708" v="2436" actId="6549"/>
+          <ac:graphicFrameMkLst>
+            <pc:docMk/>
+            <pc:sldMk cId="3161200706" sldId="359"/>
+            <ac:graphicFrameMk id="6" creationId="{0A52D138-72F3-E1D6-16A6-0C5877E20770}"/>
+          </ac:graphicFrameMkLst>
+        </pc:graphicFrameChg>
+        <pc:graphicFrameChg chg="del">
+          <ac:chgData name="Zonghua Gu" userId="9a7e1853e1951ef5" providerId="LiveId" clId="{CF1FAA12-072C-4ED5-BA76-0FFFAEFDB88A}" dt="2025-09-23T03:00:41.435" v="2297" actId="478"/>
+          <ac:graphicFrameMkLst>
+            <pc:docMk/>
+            <pc:sldMk cId="3161200706" sldId="359"/>
+            <ac:graphicFrameMk id="7" creationId="{6E04CCD2-FFD9-71FE-7913-1B83D6E41A2C}"/>
+          </ac:graphicFrameMkLst>
+        </pc:graphicFrameChg>
+        <pc:graphicFrameChg chg="del">
+          <ac:chgData name="Zonghua Gu" userId="9a7e1853e1951ef5" providerId="LiveId" clId="{CF1FAA12-072C-4ED5-BA76-0FFFAEFDB88A}" dt="2025-09-23T03:00:41.435" v="2297" actId="478"/>
+          <ac:graphicFrameMkLst>
+            <pc:docMk/>
+            <pc:sldMk cId="3161200706" sldId="359"/>
+            <ac:graphicFrameMk id="8" creationId="{A257A2D8-F735-7AC2-3F52-1336F09069B7}"/>
+          </ac:graphicFrameMkLst>
+        </pc:graphicFrameChg>
+      </pc:sldChg>
+      <pc:sldChg chg="add">
+        <pc:chgData name="Zonghua Gu" userId="9a7e1853e1951ef5" providerId="LiveId" clId="{CF1FAA12-072C-4ED5-BA76-0FFFAEFDB88A}" dt="2025-09-23T03:03:29.705" v="2432"/>
+        <pc:sldMkLst>
+          <pc:docMk/>
+          <pc:sldMk cId="1632579407" sldId="360"/>
+        </pc:sldMkLst>
       </pc:sldChg>
       <pc:sldMasterChg chg="delSldLayout">
         <pc:chgData name="Zonghua Gu" userId="9a7e1853e1951ef5" providerId="LiveId" clId="{CF1FAA12-072C-4ED5-BA76-0FFFAEFDB88A}" dt="2025-09-18T01:38:44.397" v="1241" actId="47"/>
@@ -1154,7 +880,7 @@
             <a:fld id="{2AEAFE1F-9E52-45C8-9793-E819F0044A1C}" type="datetimeFigureOut">
               <a:rPr lang="en-US" smtClean="0"/>
               <a:pPr/>
-              <a:t>9/17/2025</a:t>
+              <a:t>9/22/2025</a:t>
             </a:fld>
             <a:endParaRPr lang="en-US"/>
           </a:p>
@@ -1915,7 +1641,7 @@
             <a:fld id="{2E26774B-6488-4259-9342-6CBDB2BFD4E4}" type="datetime1">
               <a:rPr lang="en-US" smtClean="0"/>
               <a:pPr eaLnBrk="1" latinLnBrk="0" hangingPunct="1"/>
-              <a:t>9/17/2025</a:t>
+              <a:t>9/22/2025</a:t>
             </a:fld>
             <a:endParaRPr lang="en-US" sz="1600" dirty="0"/>
           </a:p>
@@ -2276,7 +2002,7 @@
             <a:fld id="{9B2E7711-0BE3-4AFC-959B-CB5C31A7AE48}" type="datetime1">
               <a:rPr lang="en-US" smtClean="0"/>
               <a:pPr eaLnBrk="1" latinLnBrk="0" hangingPunct="1"/>
-              <a:t>9/17/2025</a:t>
+              <a:t>9/22/2025</a:t>
             </a:fld>
             <a:endParaRPr lang="en-US"/>
           </a:p>
@@ -2453,7 +2179,7 @@
             <a:fld id="{825AAB62-A572-4E37-B772-B4A75ADE0B18}" type="datetime1">
               <a:rPr lang="en-US" smtClean="0"/>
               <a:pPr eaLnBrk="1" latinLnBrk="0" hangingPunct="1"/>
-              <a:t>9/17/2025</a:t>
+              <a:t>9/22/2025</a:t>
             </a:fld>
             <a:endParaRPr lang="en-US"/>
           </a:p>
@@ -2690,7 +2416,7 @@
             <a:fld id="{B0F52420-10F8-488E-969A-A9BE388BE9C4}" type="datetime1">
               <a:rPr lang="en-US" smtClean="0"/>
               <a:pPr eaLnBrk="1" latinLnBrk="0" hangingPunct="1"/>
-              <a:t>9/17/2025</a:t>
+              <a:t>9/22/2025</a:t>
             </a:fld>
             <a:endParaRPr lang="en-US" dirty="0"/>
           </a:p>
@@ -2961,7 +2687,7 @@
             <a:fld id="{96E96F24-58CF-47DA-907C-A9CD6353E425}" type="datetime1">
               <a:rPr lang="en-US" smtClean="0"/>
               <a:pPr eaLnBrk="1" latinLnBrk="0" hangingPunct="1"/>
-              <a:t>9/17/2025</a:t>
+              <a:t>9/22/2025</a:t>
             </a:fld>
             <a:endParaRPr lang="en-US" dirty="0"/>
           </a:p>
@@ -3183,7 +2909,7 @@
             <a:fld id="{53AE4463-726A-4A35-9F46-98893432A3F9}" type="datetime1">
               <a:rPr lang="en-US" smtClean="0"/>
               <a:pPr eaLnBrk="1" latinLnBrk="0" hangingPunct="1"/>
-              <a:t>9/17/2025</a:t>
+              <a:t>9/22/2025</a:t>
             </a:fld>
             <a:endParaRPr lang="en-US"/>
           </a:p>
@@ -3537,7 +3263,7 @@
             <a:fld id="{FDF404D0-E306-4E90-90E3-E44D26246FFC}" type="datetime1">
               <a:rPr lang="en-US" smtClean="0"/>
               <a:pPr eaLnBrk="1" latinLnBrk="0" hangingPunct="1"/>
-              <a:t>9/17/2025</a:t>
+              <a:t>9/22/2025</a:t>
             </a:fld>
             <a:endParaRPr lang="en-US"/>
           </a:p>
@@ -3771,7 +3497,7 @@
             <a:fld id="{1485DA14-76F0-4D93-83FB-7878C79A1986}" type="datetime1">
               <a:rPr lang="en-US" smtClean="0"/>
               <a:pPr eaLnBrk="1" latinLnBrk="0" hangingPunct="1"/>
-              <a:t>9/17/2025</a:t>
+              <a:t>9/22/2025</a:t>
             </a:fld>
             <a:endParaRPr lang="en-US"/>
           </a:p>
@@ -3914,7 +3640,7 @@
             <a:fld id="{A15E552D-49E1-496B-B79C-E100986B8B5F}" type="datetime1">
               <a:rPr lang="en-US" smtClean="0"/>
               <a:pPr eaLnBrk="1" latinLnBrk="0" hangingPunct="1"/>
-              <a:t>9/17/2025</a:t>
+              <a:t>9/22/2025</a:t>
             </a:fld>
             <a:endParaRPr lang="en-US"/>
           </a:p>
@@ -4193,7 +3919,7 @@
             <a:fld id="{CEC72505-1551-4A98-97CD-F520B07184AD}" type="datetime1">
               <a:rPr lang="en-US" smtClean="0"/>
               <a:pPr eaLnBrk="1" latinLnBrk="0" hangingPunct="1"/>
-              <a:t>9/17/2025</a:t>
+              <a:t>9/22/2025</a:t>
             </a:fld>
             <a:endParaRPr lang="en-US"/>
           </a:p>
@@ -4601,7 +4327,7 @@
             <a:fld id="{7218F47B-BA16-4F20-B5BA-73F598D94B51}" type="datetime1">
               <a:rPr lang="en-US" smtClean="0"/>
               <a:pPr eaLnBrk="1" latinLnBrk="0" hangingPunct="1"/>
-              <a:t>9/17/2025</a:t>
+              <a:t>9/22/2025</a:t>
             </a:fld>
             <a:endParaRPr lang="en-US"/>
           </a:p>
@@ -4940,7 +4666,7 @@
             <a:fld id="{4F3CB514-9CA6-4E48-9463-A430D31CFDE3}" type="datetime1">
               <a:rPr lang="en-US" smtClean="0"/>
               <a:pPr eaLnBrk="1" latinLnBrk="0" hangingPunct="1"/>
-              <a:t>9/17/2025</a:t>
+              <a:t>9/22/2025</a:t>
             </a:fld>
             <a:endParaRPr lang="en-US" sz="1400" dirty="0">
               <a:solidFill>
@@ -5738,6 +5464,958 @@
 </p:sld>
 </file>
 
+<file path=ppt/slides/slide10.xml><?xml version="1.0" encoding="utf-8"?>
+<p:sld xmlns:a="http://schemas.openxmlformats.org/drawingml/2006/main" xmlns:r="http://schemas.openxmlformats.org/officeDocument/2006/relationships" xmlns:p="http://schemas.openxmlformats.org/presentationml/2006/main">
+  <p:cSld>
+    <p:spTree>
+      <p:nvGrpSpPr>
+        <p:cNvPr id="1" name="">
+          <a:extLst>
+            <a:ext uri="{FF2B5EF4-FFF2-40B4-BE49-F238E27FC236}">
+              <a16:creationId xmlns:a16="http://schemas.microsoft.com/office/drawing/2014/main" id="{B2F4EAC2-9F15-2B24-C0B1-B9A988733D49}"/>
+            </a:ext>
+          </a:extLst>
+        </p:cNvPr>
+        <p:cNvGrpSpPr/>
+        <p:nvPr/>
+      </p:nvGrpSpPr>
+      <p:grpSpPr>
+        <a:xfrm>
+          <a:off x="0" y="0"/>
+          <a:ext cx="0" cy="0"/>
+          <a:chOff x="0" y="0"/>
+          <a:chExt cx="0" cy="0"/>
+        </a:xfrm>
+      </p:grpSpPr>
+      <p:sp>
+        <p:nvSpPr>
+          <p:cNvPr id="2" name="Title 1">
+            <a:extLst>
+              <a:ext uri="{FF2B5EF4-FFF2-40B4-BE49-F238E27FC236}">
+                <a16:creationId xmlns:a16="http://schemas.microsoft.com/office/drawing/2014/main" id="{8FE88944-D39C-3332-EB2A-C74E13CF2ACC}"/>
+              </a:ext>
+            </a:extLst>
+          </p:cNvPr>
+          <p:cNvSpPr>
+            <a:spLocks noGrp="1"/>
+          </p:cNvSpPr>
+          <p:nvPr>
+            <p:ph type="title"/>
+          </p:nvPr>
+        </p:nvSpPr>
+        <p:spPr/>
+        <p:txBody>
+          <a:bodyPr/>
+          <a:lstStyle/>
+          <a:p>
+            <a:r>
+              <a:rPr lang="en-US" dirty="0"/>
+              <a:t>Conditional Execution</a:t>
+            </a:r>
+          </a:p>
+        </p:txBody>
+      </p:sp>
+      <p:sp>
+        <p:nvSpPr>
+          <p:cNvPr id="3" name="Slide Number Placeholder 2">
+            <a:extLst>
+              <a:ext uri="{FF2B5EF4-FFF2-40B4-BE49-F238E27FC236}">
+                <a16:creationId xmlns:a16="http://schemas.microsoft.com/office/drawing/2014/main" id="{3B379C2D-2D7D-1339-2969-6C4DC024534E}"/>
+              </a:ext>
+            </a:extLst>
+          </p:cNvPr>
+          <p:cNvSpPr>
+            <a:spLocks noGrp="1"/>
+          </p:cNvSpPr>
+          <p:nvPr>
+            <p:ph type="sldNum" sz="quarter" idx="12"/>
+          </p:nvPr>
+        </p:nvSpPr>
+        <p:spPr/>
+        <p:txBody>
+          <a:bodyPr/>
+          <a:lstStyle/>
+          <a:p>
+            <a:fld id="{EA7C8D44-3667-46F6-9772-CC52308E2A7F}" type="slidenum">
+              <a:rPr kumimoji="0" lang="en-US" smtClean="0"/>
+              <a:pPr/>
+              <a:t>10</a:t>
+            </a:fld>
+            <a:endParaRPr kumimoji="0" lang="en-US" dirty="0"/>
+          </a:p>
+        </p:txBody>
+      </p:sp>
+      <p:sp>
+        <p:nvSpPr>
+          <p:cNvPr id="4" name="Content Placeholder 3">
+            <a:extLst>
+              <a:ext uri="{FF2B5EF4-FFF2-40B4-BE49-F238E27FC236}">
+                <a16:creationId xmlns:a16="http://schemas.microsoft.com/office/drawing/2014/main" id="{9BE65C1E-4BED-C61A-C779-DB76D6C26A22}"/>
+              </a:ext>
+            </a:extLst>
+          </p:cNvPr>
+          <p:cNvSpPr>
+            <a:spLocks noGrp="1"/>
+          </p:cNvSpPr>
+          <p:nvPr>
+            <p:ph sz="quarter" idx="1"/>
+          </p:nvPr>
+        </p:nvSpPr>
+        <p:spPr>
+          <a:xfrm>
+            <a:off x="457200" y="1219200"/>
+            <a:ext cx="8229600" cy="1066800"/>
+          </a:xfrm>
+        </p:spPr>
+        <p:txBody>
+          <a:bodyPr>
+            <a:normAutofit/>
+          </a:bodyPr>
+          <a:lstStyle/>
+          <a:p>
+            <a:r>
+              <a:rPr lang="en-US" dirty="0"/>
+              <a:t>Rewrite the assembly program to use conditional execution statements.</a:t>
+            </a:r>
+          </a:p>
+        </p:txBody>
+      </p:sp>
+      <p:graphicFrame>
+        <p:nvGraphicFramePr>
+          <p:cNvPr id="6" name="Table 5">
+            <a:extLst>
+              <a:ext uri="{FF2B5EF4-FFF2-40B4-BE49-F238E27FC236}">
+                <a16:creationId xmlns:a16="http://schemas.microsoft.com/office/drawing/2014/main" id="{0A52D138-72F3-E1D6-16A6-0C5877E20770}"/>
+              </a:ext>
+            </a:extLst>
+          </p:cNvPr>
+          <p:cNvGraphicFramePr>
+            <a:graphicFrameLocks noGrp="1"/>
+          </p:cNvGraphicFramePr>
+          <p:nvPr>
+            <p:extLst>
+              <p:ext uri="{D42A27DB-BD31-4B8C-83A1-F6EECF244321}">
+                <p14:modId xmlns:p14="http://schemas.microsoft.com/office/powerpoint/2010/main" val="3541447500"/>
+              </p:ext>
+            </p:extLst>
+          </p:nvPr>
+        </p:nvGraphicFramePr>
+        <p:xfrm>
+          <a:off x="751114" y="2296886"/>
+          <a:ext cx="7391400" cy="1706880"/>
+        </p:xfrm>
+        <a:graphic>
+          <a:graphicData uri="http://schemas.openxmlformats.org/drawingml/2006/table">
+            <a:tbl>
+              <a:tblPr firstRow="1" firstCol="1" bandRow="1">
+                <a:tableStyleId>{5940675A-B579-460E-94D1-54222C63F5DA}</a:tableStyleId>
+              </a:tblPr>
+              <a:tblGrid>
+                <a:gridCol w="3363686">
+                  <a:extLst>
+                    <a:ext uri="{9D8B030D-6E8A-4147-A177-3AD203B41FA5}">
+                      <a16:colId xmlns:a16="http://schemas.microsoft.com/office/drawing/2014/main" val="20000"/>
+                    </a:ext>
+                  </a:extLst>
+                </a:gridCol>
+                <a:gridCol w="4027714">
+                  <a:extLst>
+                    <a:ext uri="{9D8B030D-6E8A-4147-A177-3AD203B41FA5}">
+                      <a16:colId xmlns:a16="http://schemas.microsoft.com/office/drawing/2014/main" val="20001"/>
+                    </a:ext>
+                  </a:extLst>
+                </a:gridCol>
+              </a:tblGrid>
+              <a:tr h="217369">
+                <a:tc>
+                  <a:txBody>
+                    <a:bodyPr/>
+                    <a:lstStyle/>
+                    <a:p>
+                      <a:pPr marL="0" marR="0" algn="just">
+                        <a:spcBef>
+                          <a:spcPts val="0"/>
+                        </a:spcBef>
+                        <a:spcAft>
+                          <a:spcPts val="0"/>
+                        </a:spcAft>
+                      </a:pPr>
+                      <a:r>
+                        <a:rPr lang="en-US" sz="1600" dirty="0">
+                          <a:solidFill>
+                            <a:schemeClr val="bg1"/>
+                          </a:solidFill>
+                          <a:effectLst/>
+                          <a:latin typeface="Consolas" panose="020B0609020204030204" pitchFamily="49" charset="0"/>
+                          <a:cs typeface="Consolas" panose="020B0609020204030204" pitchFamily="49" charset="0"/>
+                        </a:rPr>
+                        <a:t>Assembly Program</a:t>
+                      </a:r>
+                      <a:endParaRPr lang="en-US" sz="1600" dirty="0">
+                        <a:solidFill>
+                          <a:schemeClr val="bg1"/>
+                        </a:solidFill>
+                        <a:effectLst/>
+                        <a:latin typeface="Consolas" panose="020B0609020204030204" pitchFamily="49" charset="0"/>
+                        <a:ea typeface="宋体"/>
+                        <a:cs typeface="Consolas" panose="020B0609020204030204" pitchFamily="49" charset="0"/>
+                      </a:endParaRPr>
+                    </a:p>
+                  </a:txBody>
+                  <a:tcPr marL="68580" marR="68580" marT="0" marB="0">
+                    <a:solidFill>
+                      <a:schemeClr val="accent1"/>
+                    </a:solidFill>
+                  </a:tcPr>
+                </a:tc>
+                <a:tc>
+                  <a:txBody>
+                    <a:bodyPr/>
+                    <a:lstStyle/>
+                    <a:p>
+                      <a:pPr marL="0" marR="0" algn="just">
+                        <a:spcBef>
+                          <a:spcPts val="0"/>
+                        </a:spcBef>
+                        <a:spcAft>
+                          <a:spcPts val="0"/>
+                        </a:spcAft>
+                      </a:pPr>
+                      <a:r>
+                        <a:rPr lang="en-US" sz="1600" dirty="0">
+                          <a:solidFill>
+                            <a:schemeClr val="bg1"/>
+                          </a:solidFill>
+                          <a:effectLst/>
+                          <a:latin typeface="Consolas" panose="020B0609020204030204" pitchFamily="49" charset="0"/>
+                          <a:cs typeface="Consolas" panose="020B0609020204030204" pitchFamily="49" charset="0"/>
+                        </a:rPr>
+                        <a:t>Assembly Program with Cond. Exec</a:t>
+                      </a:r>
+                      <a:endParaRPr lang="en-US" sz="1600" dirty="0">
+                        <a:solidFill>
+                          <a:schemeClr val="bg1"/>
+                        </a:solidFill>
+                        <a:effectLst/>
+                        <a:latin typeface="Consolas" panose="020B0609020204030204" pitchFamily="49" charset="0"/>
+                        <a:ea typeface="宋体"/>
+                        <a:cs typeface="Consolas" panose="020B0609020204030204" pitchFamily="49" charset="0"/>
+                      </a:endParaRPr>
+                    </a:p>
+                  </a:txBody>
+                  <a:tcPr marL="68580" marR="68580" marT="0" marB="0">
+                    <a:solidFill>
+                      <a:schemeClr val="accent1"/>
+                    </a:solidFill>
+                  </a:tcPr>
+                </a:tc>
+                <a:extLst>
+                  <a:ext uri="{0D108BD9-81ED-4DB2-BD59-A6C34878D82A}">
+                    <a16:rowId xmlns:a16="http://schemas.microsoft.com/office/drawing/2014/main" val="10000"/>
+                  </a:ext>
+                </a:extLst>
+              </a:tr>
+              <a:tr h="773230">
+                <a:tc>
+                  <a:txBody>
+                    <a:bodyPr/>
+                    <a:lstStyle/>
+                    <a:p>
+                      <a:r>
+                        <a:rPr kumimoji="0" lang="pt-BR" sz="1600" b="1" i="0" kern="1200" dirty="0">
+                          <a:solidFill>
+                            <a:schemeClr val="tx1"/>
+                          </a:solidFill>
+                          <a:effectLst/>
+                          <a:latin typeface="Consolas" panose="020B0609020204030204" pitchFamily="49" charset="0"/>
+                          <a:ea typeface="+mn-ea"/>
+                          <a:cs typeface="+mn-cs"/>
+                        </a:rPr>
+                        <a:t>CMP</a:t>
+                      </a:r>
+                      <a:r>
+                        <a:rPr kumimoji="0" lang="pt-BR" sz="1600" b="0" i="0" kern="1200" dirty="0">
+                          <a:solidFill>
+                            <a:schemeClr val="tx1"/>
+                          </a:solidFill>
+                          <a:effectLst/>
+                          <a:latin typeface="Consolas" panose="020B0609020204030204" pitchFamily="49" charset="0"/>
+                          <a:ea typeface="+mn-ea"/>
+                          <a:cs typeface="+mn-cs"/>
+                        </a:rPr>
+                        <a:t>   r3, #0</a:t>
+                      </a:r>
+                    </a:p>
+                    <a:p>
+                      <a:r>
+                        <a:rPr kumimoji="0" lang="pt-BR" sz="1600" b="1" i="0" kern="1200" dirty="0">
+                          <a:solidFill>
+                            <a:schemeClr val="tx1"/>
+                          </a:solidFill>
+                          <a:effectLst/>
+                          <a:latin typeface="Consolas" panose="020B0609020204030204" pitchFamily="49" charset="0"/>
+                          <a:ea typeface="+mn-ea"/>
+                          <a:cs typeface="+mn-cs"/>
+                        </a:rPr>
+                        <a:t>BEQ</a:t>
+                      </a:r>
+                      <a:r>
+                        <a:rPr kumimoji="0" lang="pt-BR" sz="1600" b="0" i="0" kern="1200" dirty="0">
+                          <a:solidFill>
+                            <a:schemeClr val="tx1"/>
+                          </a:solidFill>
+                          <a:effectLst/>
+                          <a:latin typeface="Consolas" panose="020B0609020204030204" pitchFamily="49" charset="0"/>
+                          <a:ea typeface="+mn-ea"/>
+                          <a:cs typeface="+mn-cs"/>
+                        </a:rPr>
+                        <a:t>   next</a:t>
+                      </a:r>
+                    </a:p>
+                    <a:p>
+                      <a:r>
+                        <a:rPr kumimoji="0" lang="pt-BR" sz="1600" b="1" i="0" kern="1200" dirty="0">
+                          <a:solidFill>
+                            <a:schemeClr val="tx1"/>
+                          </a:solidFill>
+                          <a:effectLst/>
+                          <a:latin typeface="Consolas" panose="020B0609020204030204" pitchFamily="49" charset="0"/>
+                          <a:ea typeface="+mn-ea"/>
+                          <a:cs typeface="+mn-cs"/>
+                        </a:rPr>
+                        <a:t>ADD</a:t>
+                      </a:r>
+                      <a:r>
+                        <a:rPr kumimoji="0" lang="pt-BR" sz="1600" b="0" i="0" kern="1200" dirty="0">
+                          <a:solidFill>
+                            <a:schemeClr val="tx1"/>
+                          </a:solidFill>
+                          <a:effectLst/>
+                          <a:latin typeface="Consolas" panose="020B0609020204030204" pitchFamily="49" charset="0"/>
+                          <a:ea typeface="+mn-ea"/>
+                          <a:cs typeface="+mn-cs"/>
+                        </a:rPr>
+                        <a:t>   r0, r0, r1</a:t>
+                      </a:r>
+                    </a:p>
+                    <a:p>
+                      <a:r>
+                        <a:rPr kumimoji="0" lang="pt-BR" sz="1600" b="1" i="0" kern="1200" dirty="0">
+                          <a:solidFill>
+                            <a:schemeClr val="tx1"/>
+                          </a:solidFill>
+                          <a:effectLst/>
+                          <a:latin typeface="Consolas" panose="020B0609020204030204" pitchFamily="49" charset="0"/>
+                          <a:ea typeface="+mn-ea"/>
+                          <a:cs typeface="+mn-cs"/>
+                        </a:rPr>
+                        <a:t>SUB</a:t>
+                      </a:r>
+                      <a:r>
+                        <a:rPr kumimoji="0" lang="pt-BR" sz="1600" b="0" i="0" kern="1200" dirty="0">
+                          <a:solidFill>
+                            <a:schemeClr val="tx1"/>
+                          </a:solidFill>
+                          <a:effectLst/>
+                          <a:latin typeface="Consolas" panose="020B0609020204030204" pitchFamily="49" charset="0"/>
+                          <a:ea typeface="+mn-ea"/>
+                          <a:cs typeface="+mn-cs"/>
+                        </a:rPr>
+                        <a:t>   r0, r0, r2</a:t>
+                      </a:r>
+                    </a:p>
+                    <a:p>
+                      <a:r>
+                        <a:rPr kumimoji="0" lang="pt-BR" sz="1600" b="0" i="0" kern="1200" dirty="0">
+                          <a:solidFill>
+                            <a:schemeClr val="tx1"/>
+                          </a:solidFill>
+                          <a:effectLst/>
+                          <a:latin typeface="Consolas" panose="020B0609020204030204" pitchFamily="49" charset="0"/>
+                          <a:ea typeface="+mn-ea"/>
+                          <a:cs typeface="+mn-cs"/>
+                        </a:rPr>
+                        <a:t>next</a:t>
+                      </a:r>
+                    </a:p>
+                    <a:p>
+                      <a:r>
+                        <a:rPr kumimoji="0" lang="pt-BR" sz="1600" b="0" i="0" kern="1200" dirty="0">
+                          <a:solidFill>
+                            <a:schemeClr val="tx1"/>
+                          </a:solidFill>
+                          <a:effectLst/>
+                          <a:latin typeface="+mn-lt"/>
+                          <a:ea typeface="+mn-ea"/>
+                          <a:cs typeface="+mn-cs"/>
+                        </a:rPr>
+                        <a:t>...</a:t>
+                      </a:r>
+                      <a:endParaRPr lang="en-US" sz="1600" dirty="0">
+                        <a:effectLst/>
+                        <a:latin typeface="Consolas" panose="020B0609020204030204" pitchFamily="49" charset="0"/>
+                        <a:ea typeface="宋体"/>
+                        <a:cs typeface="Consolas" panose="020B0609020204030204" pitchFamily="49" charset="0"/>
+                      </a:endParaRPr>
+                    </a:p>
+                  </a:txBody>
+                  <a:tcPr marL="68580" marR="68580" marT="0" marB="0"/>
+                </a:tc>
+                <a:tc>
+                  <a:txBody>
+                    <a:bodyPr/>
+                    <a:lstStyle/>
+                    <a:p>
+                      <a:endParaRPr lang="en-US" sz="1600" i="0" dirty="0">
+                        <a:effectLst/>
+                        <a:latin typeface="Consolas" panose="020B0609020204030204" pitchFamily="49" charset="0"/>
+                        <a:cs typeface="Consolas" panose="020B0609020204030204" pitchFamily="49" charset="0"/>
+                      </a:endParaRPr>
+                    </a:p>
+                  </a:txBody>
+                  <a:tcPr marL="68580" marR="68580" marT="0" marB="0"/>
+                </a:tc>
+                <a:extLst>
+                  <a:ext uri="{0D108BD9-81ED-4DB2-BD59-A6C34878D82A}">
+                    <a16:rowId xmlns:a16="http://schemas.microsoft.com/office/drawing/2014/main" val="10001"/>
+                  </a:ext>
+                </a:extLst>
+              </a:tr>
+            </a:tbl>
+          </a:graphicData>
+        </a:graphic>
+      </p:graphicFrame>
+    </p:spTree>
+    <p:extLst>
+      <p:ext uri="{BB962C8B-B14F-4D97-AF65-F5344CB8AC3E}">
+        <p14:creationId xmlns:p14="http://schemas.microsoft.com/office/powerpoint/2010/main" val="3161200706"/>
+      </p:ext>
+    </p:extLst>
+  </p:cSld>
+  <p:clrMapOvr>
+    <a:masterClrMapping/>
+  </p:clrMapOvr>
+</p:sld>
+</file>
+
+<file path=ppt/slides/slide11.xml><?xml version="1.0" encoding="utf-8"?>
+<p:sld xmlns:a="http://schemas.openxmlformats.org/drawingml/2006/main" xmlns:r="http://schemas.openxmlformats.org/officeDocument/2006/relationships" xmlns:p="http://schemas.openxmlformats.org/presentationml/2006/main">
+  <p:cSld>
+    <p:spTree>
+      <p:nvGrpSpPr>
+        <p:cNvPr id="1" name="">
+          <a:extLst>
+            <a:ext uri="{FF2B5EF4-FFF2-40B4-BE49-F238E27FC236}">
+              <a16:creationId xmlns:a16="http://schemas.microsoft.com/office/drawing/2014/main" id="{3A3BE3F5-48A1-1259-2939-01C7361628A7}"/>
+            </a:ext>
+          </a:extLst>
+        </p:cNvPr>
+        <p:cNvGrpSpPr/>
+        <p:nvPr/>
+      </p:nvGrpSpPr>
+      <p:grpSpPr>
+        <a:xfrm>
+          <a:off x="0" y="0"/>
+          <a:ext cx="0" cy="0"/>
+          <a:chOff x="0" y="0"/>
+          <a:chExt cx="0" cy="0"/>
+        </a:xfrm>
+      </p:grpSpPr>
+      <p:sp>
+        <p:nvSpPr>
+          <p:cNvPr id="2" name="Title 1">
+            <a:extLst>
+              <a:ext uri="{FF2B5EF4-FFF2-40B4-BE49-F238E27FC236}">
+                <a16:creationId xmlns:a16="http://schemas.microsoft.com/office/drawing/2014/main" id="{BBEB2DFE-415C-E925-2881-4415892CD180}"/>
+              </a:ext>
+            </a:extLst>
+          </p:cNvPr>
+          <p:cNvSpPr>
+            <a:spLocks noGrp="1"/>
+          </p:cNvSpPr>
+          <p:nvPr>
+            <p:ph type="title"/>
+          </p:nvPr>
+        </p:nvSpPr>
+        <p:spPr/>
+        <p:txBody>
+          <a:bodyPr/>
+          <a:lstStyle/>
+          <a:p>
+            <a:r>
+              <a:rPr lang="en-US" dirty="0"/>
+              <a:t>Conditional Execution ANS</a:t>
+            </a:r>
+          </a:p>
+        </p:txBody>
+      </p:sp>
+      <p:sp>
+        <p:nvSpPr>
+          <p:cNvPr id="3" name="Slide Number Placeholder 2">
+            <a:extLst>
+              <a:ext uri="{FF2B5EF4-FFF2-40B4-BE49-F238E27FC236}">
+                <a16:creationId xmlns:a16="http://schemas.microsoft.com/office/drawing/2014/main" id="{2A2D6F19-7B0D-5790-77C2-AB5681AB3A11}"/>
+              </a:ext>
+            </a:extLst>
+          </p:cNvPr>
+          <p:cNvSpPr>
+            <a:spLocks noGrp="1"/>
+          </p:cNvSpPr>
+          <p:nvPr>
+            <p:ph type="sldNum" sz="quarter" idx="12"/>
+          </p:nvPr>
+        </p:nvSpPr>
+        <p:spPr/>
+        <p:txBody>
+          <a:bodyPr/>
+          <a:lstStyle/>
+          <a:p>
+            <a:fld id="{EA7C8D44-3667-46F6-9772-CC52308E2A7F}" type="slidenum">
+              <a:rPr kumimoji="0" lang="en-US" smtClean="0"/>
+              <a:pPr/>
+              <a:t>11</a:t>
+            </a:fld>
+            <a:endParaRPr kumimoji="0" lang="en-US" dirty="0"/>
+          </a:p>
+        </p:txBody>
+      </p:sp>
+      <p:sp>
+        <p:nvSpPr>
+          <p:cNvPr id="4" name="Content Placeholder 3">
+            <a:extLst>
+              <a:ext uri="{FF2B5EF4-FFF2-40B4-BE49-F238E27FC236}">
+                <a16:creationId xmlns:a16="http://schemas.microsoft.com/office/drawing/2014/main" id="{043C577B-1FF5-F77F-BF4E-5BAE6A56A14F}"/>
+              </a:ext>
+            </a:extLst>
+          </p:cNvPr>
+          <p:cNvSpPr>
+            <a:spLocks noGrp="1"/>
+          </p:cNvSpPr>
+          <p:nvPr>
+            <p:ph sz="quarter" idx="1"/>
+          </p:nvPr>
+        </p:nvSpPr>
+        <p:spPr>
+          <a:xfrm>
+            <a:off x="457200" y="1219200"/>
+            <a:ext cx="8229600" cy="1066800"/>
+          </a:xfrm>
+        </p:spPr>
+        <p:txBody>
+          <a:bodyPr>
+            <a:normAutofit/>
+          </a:bodyPr>
+          <a:lstStyle/>
+          <a:p>
+            <a:r>
+              <a:rPr lang="en-US" dirty="0"/>
+              <a:t>Rewrite the assembly program to use conditional execution statements.</a:t>
+            </a:r>
+          </a:p>
+        </p:txBody>
+      </p:sp>
+      <p:graphicFrame>
+        <p:nvGraphicFramePr>
+          <p:cNvPr id="6" name="Table 5">
+            <a:extLst>
+              <a:ext uri="{FF2B5EF4-FFF2-40B4-BE49-F238E27FC236}">
+                <a16:creationId xmlns:a16="http://schemas.microsoft.com/office/drawing/2014/main" id="{03832AA0-E233-FF6A-1E2F-808AF36F42FB}"/>
+              </a:ext>
+            </a:extLst>
+          </p:cNvPr>
+          <p:cNvGraphicFramePr>
+            <a:graphicFrameLocks noGrp="1"/>
+          </p:cNvGraphicFramePr>
+          <p:nvPr/>
+        </p:nvGraphicFramePr>
+        <p:xfrm>
+          <a:off x="751114" y="2296886"/>
+          <a:ext cx="7391400" cy="1706880"/>
+        </p:xfrm>
+        <a:graphic>
+          <a:graphicData uri="http://schemas.openxmlformats.org/drawingml/2006/table">
+            <a:tbl>
+              <a:tblPr firstRow="1" firstCol="1" bandRow="1">
+                <a:tableStyleId>{5940675A-B579-460E-94D1-54222C63F5DA}</a:tableStyleId>
+              </a:tblPr>
+              <a:tblGrid>
+                <a:gridCol w="3363686">
+                  <a:extLst>
+                    <a:ext uri="{9D8B030D-6E8A-4147-A177-3AD203B41FA5}">
+                      <a16:colId xmlns:a16="http://schemas.microsoft.com/office/drawing/2014/main" val="20000"/>
+                    </a:ext>
+                  </a:extLst>
+                </a:gridCol>
+                <a:gridCol w="4027714">
+                  <a:extLst>
+                    <a:ext uri="{9D8B030D-6E8A-4147-A177-3AD203B41FA5}">
+                      <a16:colId xmlns:a16="http://schemas.microsoft.com/office/drawing/2014/main" val="20001"/>
+                    </a:ext>
+                  </a:extLst>
+                </a:gridCol>
+              </a:tblGrid>
+              <a:tr h="217369">
+                <a:tc>
+                  <a:txBody>
+                    <a:bodyPr/>
+                    <a:lstStyle/>
+                    <a:p>
+                      <a:pPr marL="0" marR="0" algn="just">
+                        <a:spcBef>
+                          <a:spcPts val="0"/>
+                        </a:spcBef>
+                        <a:spcAft>
+                          <a:spcPts val="0"/>
+                        </a:spcAft>
+                      </a:pPr>
+                      <a:r>
+                        <a:rPr lang="en-US" sz="1600" dirty="0">
+                          <a:solidFill>
+                            <a:schemeClr val="bg1"/>
+                          </a:solidFill>
+                          <a:effectLst/>
+                          <a:latin typeface="Consolas" panose="020B0609020204030204" pitchFamily="49" charset="0"/>
+                          <a:cs typeface="Consolas" panose="020B0609020204030204" pitchFamily="49" charset="0"/>
+                        </a:rPr>
+                        <a:t>Assembly Program</a:t>
+                      </a:r>
+                      <a:endParaRPr lang="en-US" sz="1600" dirty="0">
+                        <a:solidFill>
+                          <a:schemeClr val="bg1"/>
+                        </a:solidFill>
+                        <a:effectLst/>
+                        <a:latin typeface="Consolas" panose="020B0609020204030204" pitchFamily="49" charset="0"/>
+                        <a:ea typeface="宋体"/>
+                        <a:cs typeface="Consolas" panose="020B0609020204030204" pitchFamily="49" charset="0"/>
+                      </a:endParaRPr>
+                    </a:p>
+                  </a:txBody>
+                  <a:tcPr marL="68580" marR="68580" marT="0" marB="0">
+                    <a:solidFill>
+                      <a:schemeClr val="accent1"/>
+                    </a:solidFill>
+                  </a:tcPr>
+                </a:tc>
+                <a:tc>
+                  <a:txBody>
+                    <a:bodyPr/>
+                    <a:lstStyle/>
+                    <a:p>
+                      <a:pPr marL="0" marR="0" algn="just">
+                        <a:spcBef>
+                          <a:spcPts val="0"/>
+                        </a:spcBef>
+                        <a:spcAft>
+                          <a:spcPts val="0"/>
+                        </a:spcAft>
+                      </a:pPr>
+                      <a:r>
+                        <a:rPr lang="en-US" sz="1600" dirty="0">
+                          <a:solidFill>
+                            <a:schemeClr val="bg1"/>
+                          </a:solidFill>
+                          <a:effectLst/>
+                          <a:latin typeface="Consolas" panose="020B0609020204030204" pitchFamily="49" charset="0"/>
+                          <a:cs typeface="Consolas" panose="020B0609020204030204" pitchFamily="49" charset="0"/>
+                        </a:rPr>
+                        <a:t>Assembly Program with Cond. Exec</a:t>
+                      </a:r>
+                      <a:endParaRPr lang="en-US" sz="1600" dirty="0">
+                        <a:solidFill>
+                          <a:schemeClr val="bg1"/>
+                        </a:solidFill>
+                        <a:effectLst/>
+                        <a:latin typeface="Consolas" panose="020B0609020204030204" pitchFamily="49" charset="0"/>
+                        <a:ea typeface="宋体"/>
+                        <a:cs typeface="Consolas" panose="020B0609020204030204" pitchFamily="49" charset="0"/>
+                      </a:endParaRPr>
+                    </a:p>
+                  </a:txBody>
+                  <a:tcPr marL="68580" marR="68580" marT="0" marB="0">
+                    <a:solidFill>
+                      <a:schemeClr val="accent1"/>
+                    </a:solidFill>
+                  </a:tcPr>
+                </a:tc>
+                <a:extLst>
+                  <a:ext uri="{0D108BD9-81ED-4DB2-BD59-A6C34878D82A}">
+                    <a16:rowId xmlns:a16="http://schemas.microsoft.com/office/drawing/2014/main" val="10000"/>
+                  </a:ext>
+                </a:extLst>
+              </a:tr>
+              <a:tr h="773230">
+                <a:tc>
+                  <a:txBody>
+                    <a:bodyPr/>
+                    <a:lstStyle/>
+                    <a:p>
+                      <a:r>
+                        <a:rPr kumimoji="0" lang="pt-BR" sz="1600" b="1" i="0" kern="1200" dirty="0">
+                          <a:solidFill>
+                            <a:schemeClr val="tx1"/>
+                          </a:solidFill>
+                          <a:effectLst/>
+                          <a:latin typeface="Consolas" panose="020B0609020204030204" pitchFamily="49" charset="0"/>
+                          <a:ea typeface="+mn-ea"/>
+                          <a:cs typeface="+mn-cs"/>
+                        </a:rPr>
+                        <a:t>CMP</a:t>
+                      </a:r>
+                      <a:r>
+                        <a:rPr kumimoji="0" lang="pt-BR" sz="1600" b="0" i="0" kern="1200" dirty="0">
+                          <a:solidFill>
+                            <a:schemeClr val="tx1"/>
+                          </a:solidFill>
+                          <a:effectLst/>
+                          <a:latin typeface="Consolas" panose="020B0609020204030204" pitchFamily="49" charset="0"/>
+                          <a:ea typeface="+mn-ea"/>
+                          <a:cs typeface="+mn-cs"/>
+                        </a:rPr>
+                        <a:t>   r3, #0</a:t>
+                      </a:r>
+                    </a:p>
+                    <a:p>
+                      <a:r>
+                        <a:rPr kumimoji="0" lang="pt-BR" sz="1600" b="1" i="0" kern="1200" dirty="0">
+                          <a:solidFill>
+                            <a:schemeClr val="tx1"/>
+                          </a:solidFill>
+                          <a:effectLst/>
+                          <a:latin typeface="Consolas" panose="020B0609020204030204" pitchFamily="49" charset="0"/>
+                          <a:ea typeface="+mn-ea"/>
+                          <a:cs typeface="+mn-cs"/>
+                        </a:rPr>
+                        <a:t>BEQ</a:t>
+                      </a:r>
+                      <a:r>
+                        <a:rPr kumimoji="0" lang="pt-BR" sz="1600" b="0" i="0" kern="1200" dirty="0">
+                          <a:solidFill>
+                            <a:schemeClr val="tx1"/>
+                          </a:solidFill>
+                          <a:effectLst/>
+                          <a:latin typeface="Consolas" panose="020B0609020204030204" pitchFamily="49" charset="0"/>
+                          <a:ea typeface="+mn-ea"/>
+                          <a:cs typeface="+mn-cs"/>
+                        </a:rPr>
+                        <a:t>   next</a:t>
+                      </a:r>
+                    </a:p>
+                    <a:p>
+                      <a:r>
+                        <a:rPr kumimoji="0" lang="pt-BR" sz="1600" b="1" i="0" kern="1200" dirty="0">
+                          <a:solidFill>
+                            <a:schemeClr val="tx1"/>
+                          </a:solidFill>
+                          <a:effectLst/>
+                          <a:latin typeface="Consolas" panose="020B0609020204030204" pitchFamily="49" charset="0"/>
+                          <a:ea typeface="+mn-ea"/>
+                          <a:cs typeface="+mn-cs"/>
+                        </a:rPr>
+                        <a:t>ADD</a:t>
+                      </a:r>
+                      <a:r>
+                        <a:rPr kumimoji="0" lang="pt-BR" sz="1600" b="0" i="0" kern="1200" dirty="0">
+                          <a:solidFill>
+                            <a:schemeClr val="tx1"/>
+                          </a:solidFill>
+                          <a:effectLst/>
+                          <a:latin typeface="Consolas" panose="020B0609020204030204" pitchFamily="49" charset="0"/>
+                          <a:ea typeface="+mn-ea"/>
+                          <a:cs typeface="+mn-cs"/>
+                        </a:rPr>
+                        <a:t>   r0, r0, r1</a:t>
+                      </a:r>
+                    </a:p>
+                    <a:p>
+                      <a:r>
+                        <a:rPr kumimoji="0" lang="pt-BR" sz="1600" b="1" i="0" kern="1200" dirty="0">
+                          <a:solidFill>
+                            <a:schemeClr val="tx1"/>
+                          </a:solidFill>
+                          <a:effectLst/>
+                          <a:latin typeface="Consolas" panose="020B0609020204030204" pitchFamily="49" charset="0"/>
+                          <a:ea typeface="+mn-ea"/>
+                          <a:cs typeface="+mn-cs"/>
+                        </a:rPr>
+                        <a:t>SUB</a:t>
+                      </a:r>
+                      <a:r>
+                        <a:rPr kumimoji="0" lang="pt-BR" sz="1600" b="0" i="0" kern="1200" dirty="0">
+                          <a:solidFill>
+                            <a:schemeClr val="tx1"/>
+                          </a:solidFill>
+                          <a:effectLst/>
+                          <a:latin typeface="Consolas" panose="020B0609020204030204" pitchFamily="49" charset="0"/>
+                          <a:ea typeface="+mn-ea"/>
+                          <a:cs typeface="+mn-cs"/>
+                        </a:rPr>
+                        <a:t>   r0, r0, r2</a:t>
+                      </a:r>
+                    </a:p>
+                    <a:p>
+                      <a:r>
+                        <a:rPr kumimoji="0" lang="pt-BR" sz="1600" b="0" i="0" kern="1200" dirty="0">
+                          <a:solidFill>
+                            <a:schemeClr val="tx1"/>
+                          </a:solidFill>
+                          <a:effectLst/>
+                          <a:latin typeface="Consolas" panose="020B0609020204030204" pitchFamily="49" charset="0"/>
+                          <a:ea typeface="+mn-ea"/>
+                          <a:cs typeface="+mn-cs"/>
+                        </a:rPr>
+                        <a:t>next</a:t>
+                      </a:r>
+                    </a:p>
+                    <a:p>
+                      <a:r>
+                        <a:rPr kumimoji="0" lang="pt-BR" sz="1600" b="0" i="0" kern="1200" dirty="0">
+                          <a:solidFill>
+                            <a:schemeClr val="tx1"/>
+                          </a:solidFill>
+                          <a:effectLst/>
+                          <a:latin typeface="+mn-lt"/>
+                          <a:ea typeface="+mn-ea"/>
+                          <a:cs typeface="+mn-cs"/>
+                        </a:rPr>
+                        <a:t>...</a:t>
+                      </a:r>
+                      <a:endParaRPr lang="en-US" sz="1600" dirty="0">
+                        <a:effectLst/>
+                        <a:latin typeface="Consolas" panose="020B0609020204030204" pitchFamily="49" charset="0"/>
+                        <a:ea typeface="宋体"/>
+                        <a:cs typeface="Consolas" panose="020B0609020204030204" pitchFamily="49" charset="0"/>
+                      </a:endParaRPr>
+                    </a:p>
+                  </a:txBody>
+                  <a:tcPr marL="68580" marR="68580" marT="0" marB="0"/>
+                </a:tc>
+                <a:tc>
+                  <a:txBody>
+                    <a:bodyPr/>
+                    <a:lstStyle/>
+                    <a:p>
+                      <a:r>
+                        <a:rPr kumimoji="0" lang="pt-BR" sz="1600" b="1" i="0" kern="1200" dirty="0">
+                          <a:solidFill>
+                            <a:schemeClr val="tx1"/>
+                          </a:solidFill>
+                          <a:effectLst/>
+                          <a:latin typeface="Consolas" panose="020B0609020204030204" pitchFamily="49" charset="0"/>
+                          <a:ea typeface="+mn-ea"/>
+                          <a:cs typeface="+mn-cs"/>
+                        </a:rPr>
+                        <a:t>CMP</a:t>
+                      </a:r>
+                      <a:r>
+                        <a:rPr kumimoji="0" lang="pt-BR" sz="1600" b="0" i="0" kern="1200" dirty="0">
+                          <a:solidFill>
+                            <a:schemeClr val="tx1"/>
+                          </a:solidFill>
+                          <a:effectLst/>
+                          <a:latin typeface="Consolas" panose="020B0609020204030204" pitchFamily="49" charset="0"/>
+                          <a:ea typeface="+mn-ea"/>
+                          <a:cs typeface="+mn-cs"/>
+                        </a:rPr>
+                        <a:t>   r3, #0</a:t>
+                      </a:r>
+                    </a:p>
+                    <a:p>
+                      <a:r>
+                        <a:rPr kumimoji="0" lang="pt-BR" sz="1600" b="1" i="0" kern="1200" dirty="0">
+                          <a:solidFill>
+                            <a:schemeClr val="tx1"/>
+                          </a:solidFill>
+                          <a:effectLst/>
+                          <a:latin typeface="Consolas" panose="020B0609020204030204" pitchFamily="49" charset="0"/>
+                          <a:ea typeface="+mn-ea"/>
+                          <a:cs typeface="+mn-cs"/>
+                        </a:rPr>
+                        <a:t>ADDNE</a:t>
+                      </a:r>
+                      <a:r>
+                        <a:rPr kumimoji="0" lang="pt-BR" sz="1600" b="0" i="0" kern="1200" dirty="0">
+                          <a:solidFill>
+                            <a:schemeClr val="tx1"/>
+                          </a:solidFill>
+                          <a:effectLst/>
+                          <a:latin typeface="Consolas" panose="020B0609020204030204" pitchFamily="49" charset="0"/>
+                          <a:ea typeface="+mn-ea"/>
+                          <a:cs typeface="+mn-cs"/>
+                        </a:rPr>
+                        <a:t> r0, r0, r1</a:t>
+                      </a:r>
+                    </a:p>
+                    <a:p>
+                      <a:r>
+                        <a:rPr kumimoji="0" lang="pt-BR" sz="1600" b="1" i="0" kern="1200" dirty="0">
+                          <a:solidFill>
+                            <a:schemeClr val="tx1"/>
+                          </a:solidFill>
+                          <a:effectLst/>
+                          <a:latin typeface="Consolas" panose="020B0609020204030204" pitchFamily="49" charset="0"/>
+                          <a:ea typeface="+mn-ea"/>
+                          <a:cs typeface="+mn-cs"/>
+                        </a:rPr>
+                        <a:t>SUBNE</a:t>
+                      </a:r>
+                      <a:r>
+                        <a:rPr kumimoji="0" lang="pt-BR" sz="1600" b="0" i="0" kern="1200" dirty="0">
+                          <a:solidFill>
+                            <a:schemeClr val="tx1"/>
+                          </a:solidFill>
+                          <a:effectLst/>
+                          <a:latin typeface="Consolas" panose="020B0609020204030204" pitchFamily="49" charset="0"/>
+                          <a:ea typeface="+mn-ea"/>
+                          <a:cs typeface="+mn-cs"/>
+                        </a:rPr>
+                        <a:t> r0, r0, r2</a:t>
+                      </a:r>
+                    </a:p>
+                    <a:p>
+                      <a:r>
+                        <a:rPr kumimoji="0" lang="pt-BR" sz="1600" b="0" i="0" kern="1200" dirty="0">
+                          <a:solidFill>
+                            <a:schemeClr val="tx1"/>
+                          </a:solidFill>
+                          <a:effectLst/>
+                          <a:latin typeface="Consolas" panose="020B0609020204030204" pitchFamily="49" charset="0"/>
+                          <a:ea typeface="+mn-ea"/>
+                          <a:cs typeface="+mn-cs"/>
+                        </a:rPr>
+                        <a:t>...</a:t>
+                      </a:r>
+                      <a:endParaRPr lang="en-US" sz="1600" i="0" dirty="0">
+                        <a:effectLst/>
+                        <a:latin typeface="Consolas" panose="020B0609020204030204" pitchFamily="49" charset="0"/>
+                        <a:cs typeface="Consolas" panose="020B0609020204030204" pitchFamily="49" charset="0"/>
+                      </a:endParaRPr>
+                    </a:p>
+                  </a:txBody>
+                  <a:tcPr marL="68580" marR="68580" marT="0" marB="0"/>
+                </a:tc>
+                <a:extLst>
+                  <a:ext uri="{0D108BD9-81ED-4DB2-BD59-A6C34878D82A}">
+                    <a16:rowId xmlns:a16="http://schemas.microsoft.com/office/drawing/2014/main" val="10001"/>
+                  </a:ext>
+                </a:extLst>
+              </a:tr>
+            </a:tbl>
+          </a:graphicData>
+        </a:graphic>
+      </p:graphicFrame>
+    </p:spTree>
+    <p:extLst>
+      <p:ext uri="{BB962C8B-B14F-4D97-AF65-F5344CB8AC3E}">
+        <p14:creationId xmlns:p14="http://schemas.microsoft.com/office/powerpoint/2010/main" val="1632579407"/>
+      </p:ext>
+    </p:extLst>
+  </p:cSld>
+  <p:clrMapOvr>
+    <a:masterClrMapping/>
+  </p:clrMapOvr>
+</p:sld>
+</file>
+
 <file path=ppt/slides/slide2.xml><?xml version="1.0" encoding="utf-8"?>
 <p:sld xmlns:a="http://schemas.openxmlformats.org/drawingml/2006/main" xmlns:r="http://schemas.openxmlformats.org/officeDocument/2006/relationships" xmlns:p="http://schemas.openxmlformats.org/presentationml/2006/main">
   <p:cSld>
@@ -6812,6 +7490,2265 @@
     <p:extLst>
       <p:ext uri="{BB962C8B-B14F-4D97-AF65-F5344CB8AC3E}">
         <p14:creationId xmlns:p14="http://schemas.microsoft.com/office/powerpoint/2010/main" val="2876358127"/>
+      </p:ext>
+    </p:extLst>
+  </p:cSld>
+  <p:clrMapOvr>
+    <a:masterClrMapping/>
+  </p:clrMapOvr>
+</p:sld>
+</file>
+
+<file path=ppt/slides/slide8.xml><?xml version="1.0" encoding="utf-8"?>
+<p:sld xmlns:a="http://schemas.openxmlformats.org/drawingml/2006/main" xmlns:r="http://schemas.openxmlformats.org/officeDocument/2006/relationships" xmlns:p="http://schemas.openxmlformats.org/presentationml/2006/main">
+  <p:cSld>
+    <p:spTree>
+      <p:nvGrpSpPr>
+        <p:cNvPr id="1" name=""/>
+        <p:cNvGrpSpPr/>
+        <p:nvPr/>
+      </p:nvGrpSpPr>
+      <p:grpSpPr>
+        <a:xfrm>
+          <a:off x="0" y="0"/>
+          <a:ext cx="0" cy="0"/>
+          <a:chOff x="0" y="0"/>
+          <a:chExt cx="0" cy="0"/>
+        </a:xfrm>
+      </p:grpSpPr>
+      <p:sp>
+        <p:nvSpPr>
+          <p:cNvPr id="2" name="Title 1">
+            <a:extLst>
+              <a:ext uri="{FF2B5EF4-FFF2-40B4-BE49-F238E27FC236}">
+                <a16:creationId xmlns:a16="http://schemas.microsoft.com/office/drawing/2014/main" id="{B366A44A-55C3-B775-BDF5-DBBAFA487769}"/>
+              </a:ext>
+            </a:extLst>
+          </p:cNvPr>
+          <p:cNvSpPr>
+            <a:spLocks noGrp="1"/>
+          </p:cNvSpPr>
+          <p:nvPr>
+            <p:ph type="title"/>
+          </p:nvPr>
+        </p:nvSpPr>
+        <p:spPr/>
+        <p:txBody>
+          <a:bodyPr/>
+          <a:lstStyle/>
+          <a:p>
+            <a:r>
+              <a:rPr lang="en-US" dirty="0"/>
+              <a:t>Assembly to C</a:t>
+            </a:r>
+          </a:p>
+        </p:txBody>
+      </p:sp>
+      <p:sp>
+        <p:nvSpPr>
+          <p:cNvPr id="3" name="Slide Number Placeholder 2">
+            <a:extLst>
+              <a:ext uri="{FF2B5EF4-FFF2-40B4-BE49-F238E27FC236}">
+                <a16:creationId xmlns:a16="http://schemas.microsoft.com/office/drawing/2014/main" id="{A5536686-7909-EFFD-2EA4-080CB4F107A6}"/>
+              </a:ext>
+            </a:extLst>
+          </p:cNvPr>
+          <p:cNvSpPr>
+            <a:spLocks noGrp="1"/>
+          </p:cNvSpPr>
+          <p:nvPr>
+            <p:ph type="sldNum" sz="quarter" idx="12"/>
+          </p:nvPr>
+        </p:nvSpPr>
+        <p:spPr/>
+        <p:txBody>
+          <a:bodyPr/>
+          <a:lstStyle/>
+          <a:p>
+            <a:fld id="{EA7C8D44-3667-46F6-9772-CC52308E2A7F}" type="slidenum">
+              <a:rPr kumimoji="0" lang="en-US" smtClean="0"/>
+              <a:pPr/>
+              <a:t>8</a:t>
+            </a:fld>
+            <a:endParaRPr kumimoji="0" lang="en-US" dirty="0"/>
+          </a:p>
+        </p:txBody>
+      </p:sp>
+      <p:sp>
+        <p:nvSpPr>
+          <p:cNvPr id="4" name="Content Placeholder 3">
+            <a:extLst>
+              <a:ext uri="{FF2B5EF4-FFF2-40B4-BE49-F238E27FC236}">
+                <a16:creationId xmlns:a16="http://schemas.microsoft.com/office/drawing/2014/main" id="{C93B1293-ADB9-BD5E-3F28-CA9A983DB1CF}"/>
+              </a:ext>
+            </a:extLst>
+          </p:cNvPr>
+          <p:cNvSpPr>
+            <a:spLocks noGrp="1"/>
+          </p:cNvSpPr>
+          <p:nvPr>
+            <p:ph sz="quarter" idx="1"/>
+          </p:nvPr>
+        </p:nvSpPr>
+        <p:spPr>
+          <a:xfrm>
+            <a:off x="457200" y="1219200"/>
+            <a:ext cx="8229600" cy="1066800"/>
+          </a:xfrm>
+        </p:spPr>
+        <p:txBody>
+          <a:bodyPr>
+            <a:normAutofit fontScale="77500" lnSpcReduction="20000"/>
+          </a:bodyPr>
+          <a:lstStyle/>
+          <a:p>
+            <a:r>
+              <a:rPr lang="en-US" dirty="0"/>
+              <a:t>Write the equivalent C program for the following assembly code, where you treat registers as C variables (r0 as x, r1 as y, …).  Variables in C are in memory and load/store assembly instructions are needed in assembly, which are omitted here for brevity. For example:</a:t>
+            </a:r>
+          </a:p>
+        </p:txBody>
+      </p:sp>
+      <p:graphicFrame>
+        <p:nvGraphicFramePr>
+          <p:cNvPr id="6" name="Table 5">
+            <a:extLst>
+              <a:ext uri="{FF2B5EF4-FFF2-40B4-BE49-F238E27FC236}">
+                <a16:creationId xmlns:a16="http://schemas.microsoft.com/office/drawing/2014/main" id="{91E2EF3A-0CFB-A04C-C777-25F838793CFD}"/>
+              </a:ext>
+            </a:extLst>
+          </p:cNvPr>
+          <p:cNvGraphicFramePr>
+            <a:graphicFrameLocks noGrp="1"/>
+          </p:cNvGraphicFramePr>
+          <p:nvPr>
+            <p:extLst>
+              <p:ext uri="{D42A27DB-BD31-4B8C-83A1-F6EECF244321}">
+                <p14:modId xmlns:p14="http://schemas.microsoft.com/office/powerpoint/2010/main" val="1746088270"/>
+              </p:ext>
+            </p:extLst>
+          </p:nvPr>
+        </p:nvGraphicFramePr>
+        <p:xfrm>
+          <a:off x="751114" y="2296886"/>
+          <a:ext cx="7391400" cy="1219200"/>
+        </p:xfrm>
+        <a:graphic>
+          <a:graphicData uri="http://schemas.openxmlformats.org/drawingml/2006/table">
+            <a:tbl>
+              <a:tblPr firstRow="1" firstCol="1" bandRow="1">
+                <a:tableStyleId>{5940675A-B579-460E-94D1-54222C63F5DA}</a:tableStyleId>
+              </a:tblPr>
+              <a:tblGrid>
+                <a:gridCol w="3951973">
+                  <a:extLst>
+                    <a:ext uri="{9D8B030D-6E8A-4147-A177-3AD203B41FA5}">
+                      <a16:colId xmlns:a16="http://schemas.microsoft.com/office/drawing/2014/main" val="20000"/>
+                    </a:ext>
+                  </a:extLst>
+                </a:gridCol>
+                <a:gridCol w="3439427">
+                  <a:extLst>
+                    <a:ext uri="{9D8B030D-6E8A-4147-A177-3AD203B41FA5}">
+                      <a16:colId xmlns:a16="http://schemas.microsoft.com/office/drawing/2014/main" val="20001"/>
+                    </a:ext>
+                  </a:extLst>
+                </a:gridCol>
+              </a:tblGrid>
+              <a:tr h="217369">
+                <a:tc>
+                  <a:txBody>
+                    <a:bodyPr/>
+                    <a:lstStyle/>
+                    <a:p>
+                      <a:pPr marL="0" marR="0" algn="just">
+                        <a:spcBef>
+                          <a:spcPts val="0"/>
+                        </a:spcBef>
+                        <a:spcAft>
+                          <a:spcPts val="0"/>
+                        </a:spcAft>
+                      </a:pPr>
+                      <a:r>
+                        <a:rPr lang="en-US" sz="1600" dirty="0">
+                          <a:solidFill>
+                            <a:schemeClr val="bg1"/>
+                          </a:solidFill>
+                          <a:effectLst/>
+                          <a:latin typeface="Consolas" panose="020B0609020204030204" pitchFamily="49" charset="0"/>
+                          <a:cs typeface="Consolas" panose="020B0609020204030204" pitchFamily="49" charset="0"/>
+                        </a:rPr>
+                        <a:t>Assembly Program</a:t>
+                      </a:r>
+                      <a:endParaRPr lang="en-US" sz="1600" dirty="0">
+                        <a:solidFill>
+                          <a:schemeClr val="bg1"/>
+                        </a:solidFill>
+                        <a:effectLst/>
+                        <a:latin typeface="Consolas" panose="020B0609020204030204" pitchFamily="49" charset="0"/>
+                        <a:ea typeface="宋体"/>
+                        <a:cs typeface="Consolas" panose="020B0609020204030204" pitchFamily="49" charset="0"/>
+                      </a:endParaRPr>
+                    </a:p>
+                  </a:txBody>
+                  <a:tcPr marL="68580" marR="68580" marT="0" marB="0">
+                    <a:solidFill>
+                      <a:schemeClr val="accent1"/>
+                    </a:solidFill>
+                  </a:tcPr>
+                </a:tc>
+                <a:tc>
+                  <a:txBody>
+                    <a:bodyPr/>
+                    <a:lstStyle/>
+                    <a:p>
+                      <a:pPr marL="0" marR="0" algn="just">
+                        <a:spcBef>
+                          <a:spcPts val="0"/>
+                        </a:spcBef>
+                        <a:spcAft>
+                          <a:spcPts val="0"/>
+                        </a:spcAft>
+                      </a:pPr>
+                      <a:r>
+                        <a:rPr lang="en-US" sz="1600" dirty="0">
+                          <a:solidFill>
+                            <a:schemeClr val="bg1"/>
+                          </a:solidFill>
+                          <a:effectLst/>
+                          <a:latin typeface="Consolas" panose="020B0609020204030204" pitchFamily="49" charset="0"/>
+                          <a:cs typeface="Consolas" panose="020B0609020204030204" pitchFamily="49" charset="0"/>
+                        </a:rPr>
+                        <a:t>C Program</a:t>
+                      </a:r>
+                      <a:endParaRPr lang="en-US" sz="1600" dirty="0">
+                        <a:solidFill>
+                          <a:schemeClr val="bg1"/>
+                        </a:solidFill>
+                        <a:effectLst/>
+                        <a:latin typeface="Consolas" panose="020B0609020204030204" pitchFamily="49" charset="0"/>
+                        <a:ea typeface="宋体"/>
+                        <a:cs typeface="Consolas" panose="020B0609020204030204" pitchFamily="49" charset="0"/>
+                      </a:endParaRPr>
+                    </a:p>
+                  </a:txBody>
+                  <a:tcPr marL="68580" marR="68580" marT="0" marB="0">
+                    <a:solidFill>
+                      <a:schemeClr val="accent1"/>
+                    </a:solidFill>
+                  </a:tcPr>
+                </a:tc>
+                <a:extLst>
+                  <a:ext uri="{0D108BD9-81ED-4DB2-BD59-A6C34878D82A}">
+                    <a16:rowId xmlns:a16="http://schemas.microsoft.com/office/drawing/2014/main" val="10000"/>
+                  </a:ext>
+                </a:extLst>
+              </a:tr>
+              <a:tr h="773230">
+                <a:tc>
+                  <a:txBody>
+                    <a:bodyPr/>
+                    <a:lstStyle/>
+                    <a:p>
+                      <a:r>
+                        <a:rPr kumimoji="0" lang="en-US" sz="1600" b="1" i="0" kern="1200" dirty="0">
+                          <a:solidFill>
+                            <a:schemeClr val="tx1"/>
+                          </a:solidFill>
+                          <a:effectLst/>
+                          <a:latin typeface="Consolas" panose="020B0609020204030204" pitchFamily="49" charset="0"/>
+                          <a:ea typeface="+mn-ea"/>
+                          <a:cs typeface="+mn-cs"/>
+                        </a:rPr>
+                        <a:t>CMP</a:t>
+                      </a:r>
+                      <a:r>
+                        <a:rPr kumimoji="0" lang="en-US" sz="1600" b="0" i="0" kern="1200" dirty="0">
+                          <a:solidFill>
+                            <a:schemeClr val="tx1"/>
+                          </a:solidFill>
+                          <a:effectLst/>
+                          <a:latin typeface="Consolas" panose="020B0609020204030204" pitchFamily="49" charset="0"/>
+                          <a:ea typeface="+mn-ea"/>
+                          <a:cs typeface="+mn-cs"/>
+                        </a:rPr>
+                        <a:t>   r0, #5</a:t>
+                      </a:r>
+                    </a:p>
+                    <a:p>
+                      <a:r>
+                        <a:rPr kumimoji="0" lang="en-US" sz="1600" b="1" i="0" kern="1200" dirty="0">
+                          <a:solidFill>
+                            <a:schemeClr val="tx1"/>
+                          </a:solidFill>
+                          <a:effectLst/>
+                          <a:latin typeface="Consolas" panose="020B0609020204030204" pitchFamily="49" charset="0"/>
+                          <a:ea typeface="+mn-ea"/>
+                          <a:cs typeface="+mn-cs"/>
+                        </a:rPr>
+                        <a:t>MOVEQ</a:t>
+                      </a:r>
+                      <a:r>
+                        <a:rPr kumimoji="0" lang="en-US" sz="1600" b="0" i="0" kern="1200" dirty="0">
+                          <a:solidFill>
+                            <a:schemeClr val="tx1"/>
+                          </a:solidFill>
+                          <a:effectLst/>
+                          <a:latin typeface="Consolas" panose="020B0609020204030204" pitchFamily="49" charset="0"/>
+                          <a:ea typeface="+mn-ea"/>
+                          <a:cs typeface="+mn-cs"/>
+                        </a:rPr>
+                        <a:t> r0, #10  </a:t>
+                      </a:r>
+                    </a:p>
+                    <a:p>
+                      <a:r>
+                        <a:rPr kumimoji="0" lang="en-US" sz="1600" b="1" i="0" kern="1200" dirty="0">
+                          <a:solidFill>
+                            <a:schemeClr val="tx1"/>
+                          </a:solidFill>
+                          <a:effectLst/>
+                          <a:latin typeface="Consolas" panose="020B0609020204030204" pitchFamily="49" charset="0"/>
+                          <a:ea typeface="+mn-ea"/>
+                          <a:cs typeface="+mn-cs"/>
+                        </a:rPr>
+                        <a:t>BLEQ</a:t>
+                      </a:r>
+                      <a:r>
+                        <a:rPr kumimoji="0" lang="en-US" sz="1600" b="0" i="0" kern="1200" dirty="0">
+                          <a:solidFill>
+                            <a:schemeClr val="tx1"/>
+                          </a:solidFill>
+                          <a:effectLst/>
+                          <a:latin typeface="Consolas" panose="020B0609020204030204" pitchFamily="49" charset="0"/>
+                          <a:ea typeface="+mn-ea"/>
+                          <a:cs typeface="+mn-cs"/>
+                        </a:rPr>
+                        <a:t>  </a:t>
+                      </a:r>
+                      <a:r>
+                        <a:rPr kumimoji="0" lang="en-US" sz="1600" b="0" i="0" kern="1200" dirty="0" err="1">
+                          <a:solidFill>
+                            <a:schemeClr val="tx1"/>
+                          </a:solidFill>
+                          <a:effectLst/>
+                          <a:latin typeface="Consolas" panose="020B0609020204030204" pitchFamily="49" charset="0"/>
+                          <a:ea typeface="+mn-ea"/>
+                          <a:cs typeface="+mn-cs"/>
+                        </a:rPr>
+                        <a:t>fn</a:t>
+                      </a:r>
+                      <a:endParaRPr lang="en-US" sz="1600" dirty="0">
+                        <a:effectLst/>
+                        <a:latin typeface="Consolas" panose="020B0609020204030204" pitchFamily="49" charset="0"/>
+                        <a:ea typeface="宋体"/>
+                        <a:cs typeface="Consolas" panose="020B0609020204030204" pitchFamily="49" charset="0"/>
+                      </a:endParaRPr>
+                    </a:p>
+                  </a:txBody>
+                  <a:tcPr marL="68580" marR="68580" marT="0" marB="0"/>
+                </a:tc>
+                <a:tc>
+                  <a:txBody>
+                    <a:bodyPr/>
+                    <a:lstStyle/>
+                    <a:p>
+                      <a:pPr marL="0" marR="0" algn="just">
+                        <a:spcBef>
+                          <a:spcPts val="0"/>
+                        </a:spcBef>
+                        <a:spcAft>
+                          <a:spcPts val="0"/>
+                        </a:spcAft>
+                      </a:pPr>
+                      <a:r>
+                        <a:rPr kumimoji="0" lang="en-US" sz="1600" b="0" i="0" kern="1200" dirty="0">
+                          <a:solidFill>
+                            <a:schemeClr val="tx1"/>
+                          </a:solidFill>
+                          <a:effectLst/>
+                          <a:latin typeface="Consolas" panose="020B0609020204030204" pitchFamily="49" charset="0"/>
+                          <a:ea typeface="+mn-ea"/>
+                          <a:cs typeface="+mn-cs"/>
+                        </a:rPr>
+                        <a:t>if (x == 5) {</a:t>
+                      </a:r>
+                    </a:p>
+                    <a:p>
+                      <a:pPr marL="0" marR="0" algn="just">
+                        <a:spcBef>
+                          <a:spcPts val="0"/>
+                        </a:spcBef>
+                        <a:spcAft>
+                          <a:spcPts val="0"/>
+                        </a:spcAft>
+                      </a:pPr>
+                      <a:r>
+                        <a:rPr kumimoji="0" lang="en-US" sz="1600" b="0" i="0" kern="1200" dirty="0">
+                          <a:solidFill>
+                            <a:schemeClr val="tx1"/>
+                          </a:solidFill>
+                          <a:effectLst/>
+                          <a:latin typeface="Consolas" panose="020B0609020204030204" pitchFamily="49" charset="0"/>
+                          <a:ea typeface="+mn-ea"/>
+                          <a:cs typeface="+mn-cs"/>
+                        </a:rPr>
+                        <a:t>  x = 10;</a:t>
+                      </a:r>
+                    </a:p>
+                    <a:p>
+                      <a:pPr marL="0" marR="0" algn="just">
+                        <a:spcBef>
+                          <a:spcPts val="0"/>
+                        </a:spcBef>
+                        <a:spcAft>
+                          <a:spcPts val="0"/>
+                        </a:spcAft>
+                      </a:pPr>
+                      <a:r>
+                        <a:rPr kumimoji="0" lang="en-US" sz="1600" b="0" i="0" kern="1200" dirty="0">
+                          <a:solidFill>
+                            <a:schemeClr val="tx1"/>
+                          </a:solidFill>
+                          <a:effectLst/>
+                          <a:latin typeface="Consolas" panose="020B0609020204030204" pitchFamily="49" charset="0"/>
+                          <a:ea typeface="+mn-ea"/>
+                          <a:cs typeface="+mn-cs"/>
+                        </a:rPr>
+                        <a:t>  </a:t>
+                      </a:r>
+                      <a:r>
+                        <a:rPr kumimoji="0" lang="en-US" sz="1600" b="0" i="0" kern="1200" dirty="0" err="1">
+                          <a:solidFill>
+                            <a:schemeClr val="tx1"/>
+                          </a:solidFill>
+                          <a:effectLst/>
+                          <a:latin typeface="Consolas" panose="020B0609020204030204" pitchFamily="49" charset="0"/>
+                          <a:ea typeface="+mn-ea"/>
+                          <a:cs typeface="+mn-cs"/>
+                        </a:rPr>
+                        <a:t>fn</a:t>
+                      </a:r>
+                      <a:r>
+                        <a:rPr kumimoji="0" lang="en-US" sz="1600" b="0" i="0" kern="1200" dirty="0">
+                          <a:solidFill>
+                            <a:schemeClr val="tx1"/>
+                          </a:solidFill>
+                          <a:effectLst/>
+                          <a:latin typeface="Consolas" panose="020B0609020204030204" pitchFamily="49" charset="0"/>
+                          <a:ea typeface="+mn-ea"/>
+                          <a:cs typeface="+mn-cs"/>
+                        </a:rPr>
+                        <a:t>(x);</a:t>
+                      </a:r>
+                    </a:p>
+                    <a:p>
+                      <a:pPr marL="0" marR="0" algn="just">
+                        <a:spcBef>
+                          <a:spcPts val="0"/>
+                        </a:spcBef>
+                        <a:spcAft>
+                          <a:spcPts val="0"/>
+                        </a:spcAft>
+                      </a:pPr>
+                      <a:r>
+                        <a:rPr kumimoji="0" lang="en-US" sz="1600" b="0" i="0" kern="1200" dirty="0">
+                          <a:solidFill>
+                            <a:schemeClr val="tx1"/>
+                          </a:solidFill>
+                          <a:effectLst/>
+                          <a:latin typeface="Consolas" panose="020B0609020204030204" pitchFamily="49" charset="0"/>
+                          <a:ea typeface="+mn-ea"/>
+                          <a:cs typeface="+mn-cs"/>
+                        </a:rPr>
+                        <a:t>}</a:t>
+                      </a:r>
+                      <a:endParaRPr lang="en-US" sz="1600" i="0" dirty="0">
+                        <a:effectLst/>
+                        <a:latin typeface="Consolas" panose="020B0609020204030204" pitchFamily="49" charset="0"/>
+                        <a:cs typeface="Consolas" panose="020B0609020204030204" pitchFamily="49" charset="0"/>
+                      </a:endParaRPr>
+                    </a:p>
+                  </a:txBody>
+                  <a:tcPr marL="68580" marR="68580" marT="0" marB="0"/>
+                </a:tc>
+                <a:extLst>
+                  <a:ext uri="{0D108BD9-81ED-4DB2-BD59-A6C34878D82A}">
+                    <a16:rowId xmlns:a16="http://schemas.microsoft.com/office/drawing/2014/main" val="10001"/>
+                  </a:ext>
+                </a:extLst>
+              </a:tr>
+            </a:tbl>
+          </a:graphicData>
+        </a:graphic>
+      </p:graphicFrame>
+      <p:graphicFrame>
+        <p:nvGraphicFramePr>
+          <p:cNvPr id="7" name="Table 6">
+            <a:extLst>
+              <a:ext uri="{FF2B5EF4-FFF2-40B4-BE49-F238E27FC236}">
+                <a16:creationId xmlns:a16="http://schemas.microsoft.com/office/drawing/2014/main" id="{A4459CE1-F656-C404-376E-E4D220603EDA}"/>
+              </a:ext>
+            </a:extLst>
+          </p:cNvPr>
+          <p:cNvGraphicFramePr>
+            <a:graphicFrameLocks noGrp="1"/>
+          </p:cNvGraphicFramePr>
+          <p:nvPr>
+            <p:extLst>
+              <p:ext uri="{D42A27DB-BD31-4B8C-83A1-F6EECF244321}">
+                <p14:modId xmlns:p14="http://schemas.microsoft.com/office/powerpoint/2010/main" val="499205237"/>
+              </p:ext>
+            </p:extLst>
+          </p:nvPr>
+        </p:nvGraphicFramePr>
+        <p:xfrm>
+          <a:off x="751114" y="3559629"/>
+          <a:ext cx="7391400" cy="1219200"/>
+        </p:xfrm>
+        <a:graphic>
+          <a:graphicData uri="http://schemas.openxmlformats.org/drawingml/2006/table">
+            <a:tbl>
+              <a:tblPr firstRow="1" firstCol="1" bandRow="1">
+                <a:tableStyleId>{5940675A-B579-460E-94D1-54222C63F5DA}</a:tableStyleId>
+              </a:tblPr>
+              <a:tblGrid>
+                <a:gridCol w="3951973">
+                  <a:extLst>
+                    <a:ext uri="{9D8B030D-6E8A-4147-A177-3AD203B41FA5}">
+                      <a16:colId xmlns:a16="http://schemas.microsoft.com/office/drawing/2014/main" val="20000"/>
+                    </a:ext>
+                  </a:extLst>
+                </a:gridCol>
+                <a:gridCol w="3439427">
+                  <a:extLst>
+                    <a:ext uri="{9D8B030D-6E8A-4147-A177-3AD203B41FA5}">
+                      <a16:colId xmlns:a16="http://schemas.microsoft.com/office/drawing/2014/main" val="20001"/>
+                    </a:ext>
+                  </a:extLst>
+                </a:gridCol>
+              </a:tblGrid>
+              <a:tr h="217369">
+                <a:tc>
+                  <a:txBody>
+                    <a:bodyPr/>
+                    <a:lstStyle/>
+                    <a:p>
+                      <a:pPr marL="0" marR="0" algn="just">
+                        <a:spcBef>
+                          <a:spcPts val="0"/>
+                        </a:spcBef>
+                        <a:spcAft>
+                          <a:spcPts val="0"/>
+                        </a:spcAft>
+                      </a:pPr>
+                      <a:r>
+                        <a:rPr lang="en-US" sz="1600" dirty="0">
+                          <a:solidFill>
+                            <a:schemeClr val="bg1"/>
+                          </a:solidFill>
+                          <a:effectLst/>
+                          <a:latin typeface="Consolas" panose="020B0609020204030204" pitchFamily="49" charset="0"/>
+                          <a:cs typeface="Consolas" panose="020B0609020204030204" pitchFamily="49" charset="0"/>
+                        </a:rPr>
+                        <a:t>Assembly Program</a:t>
+                      </a:r>
+                      <a:endParaRPr lang="en-US" sz="1600" dirty="0">
+                        <a:solidFill>
+                          <a:schemeClr val="bg1"/>
+                        </a:solidFill>
+                        <a:effectLst/>
+                        <a:latin typeface="Consolas" panose="020B0609020204030204" pitchFamily="49" charset="0"/>
+                        <a:ea typeface="宋体"/>
+                        <a:cs typeface="Consolas" panose="020B0609020204030204" pitchFamily="49" charset="0"/>
+                      </a:endParaRPr>
+                    </a:p>
+                  </a:txBody>
+                  <a:tcPr marL="68580" marR="68580" marT="0" marB="0">
+                    <a:solidFill>
+                      <a:schemeClr val="accent1"/>
+                    </a:solidFill>
+                  </a:tcPr>
+                </a:tc>
+                <a:tc>
+                  <a:txBody>
+                    <a:bodyPr/>
+                    <a:lstStyle/>
+                    <a:p>
+                      <a:pPr marL="0" marR="0" algn="just">
+                        <a:spcBef>
+                          <a:spcPts val="0"/>
+                        </a:spcBef>
+                        <a:spcAft>
+                          <a:spcPts val="0"/>
+                        </a:spcAft>
+                      </a:pPr>
+                      <a:r>
+                        <a:rPr lang="en-US" sz="1600" dirty="0">
+                          <a:solidFill>
+                            <a:schemeClr val="bg1"/>
+                          </a:solidFill>
+                          <a:effectLst/>
+                          <a:latin typeface="Consolas" panose="020B0609020204030204" pitchFamily="49" charset="0"/>
+                          <a:cs typeface="Consolas" panose="020B0609020204030204" pitchFamily="49" charset="0"/>
+                        </a:rPr>
+                        <a:t>C Program</a:t>
+                      </a:r>
+                      <a:endParaRPr lang="en-US" sz="1600" dirty="0">
+                        <a:solidFill>
+                          <a:schemeClr val="bg1"/>
+                        </a:solidFill>
+                        <a:effectLst/>
+                        <a:latin typeface="Consolas" panose="020B0609020204030204" pitchFamily="49" charset="0"/>
+                        <a:ea typeface="宋体"/>
+                        <a:cs typeface="Consolas" panose="020B0609020204030204" pitchFamily="49" charset="0"/>
+                      </a:endParaRPr>
+                    </a:p>
+                  </a:txBody>
+                  <a:tcPr marL="68580" marR="68580" marT="0" marB="0">
+                    <a:solidFill>
+                      <a:schemeClr val="accent1"/>
+                    </a:solidFill>
+                  </a:tcPr>
+                </a:tc>
+                <a:extLst>
+                  <a:ext uri="{0D108BD9-81ED-4DB2-BD59-A6C34878D82A}">
+                    <a16:rowId xmlns:a16="http://schemas.microsoft.com/office/drawing/2014/main" val="10000"/>
+                  </a:ext>
+                </a:extLst>
+              </a:tr>
+              <a:tr h="773230">
+                <a:tc>
+                  <a:txBody>
+                    <a:bodyPr/>
+                    <a:lstStyle/>
+                    <a:p>
+                      <a:r>
+                        <a:rPr kumimoji="0" lang="pt-BR" sz="1600" b="1" i="0" kern="1200" dirty="0">
+                          <a:solidFill>
+                            <a:schemeClr val="tx1"/>
+                          </a:solidFill>
+                          <a:effectLst/>
+                          <a:latin typeface="Consolas" panose="020B0609020204030204" pitchFamily="49" charset="0"/>
+                          <a:ea typeface="+mn-ea"/>
+                          <a:cs typeface="+mn-cs"/>
+                        </a:rPr>
+                        <a:t>CMP</a:t>
+                      </a:r>
+                      <a:r>
+                        <a:rPr kumimoji="0" lang="pt-BR" sz="1600" b="0" i="0" kern="1200" dirty="0">
+                          <a:solidFill>
+                            <a:schemeClr val="tx1"/>
+                          </a:solidFill>
+                          <a:effectLst/>
+                          <a:latin typeface="Consolas" panose="020B0609020204030204" pitchFamily="49" charset="0"/>
+                          <a:ea typeface="+mn-ea"/>
+                          <a:cs typeface="+mn-cs"/>
+                        </a:rPr>
+                        <a:t>   r0, #0   </a:t>
+                      </a:r>
+                    </a:p>
+                    <a:p>
+                      <a:r>
+                        <a:rPr kumimoji="0" lang="pt-BR" sz="1600" b="1" i="0" kern="1200" dirty="0">
+                          <a:solidFill>
+                            <a:schemeClr val="tx1"/>
+                          </a:solidFill>
+                          <a:effectLst/>
+                          <a:latin typeface="Consolas" panose="020B0609020204030204" pitchFamily="49" charset="0"/>
+                          <a:ea typeface="+mn-ea"/>
+                          <a:cs typeface="+mn-cs"/>
+                        </a:rPr>
+                        <a:t>MOVLE</a:t>
+                      </a:r>
+                      <a:r>
+                        <a:rPr kumimoji="0" lang="pt-BR" sz="1600" b="0" i="0" kern="1200" dirty="0">
+                          <a:solidFill>
+                            <a:schemeClr val="tx1"/>
+                          </a:solidFill>
+                          <a:effectLst/>
+                          <a:latin typeface="Consolas" panose="020B0609020204030204" pitchFamily="49" charset="0"/>
+                          <a:ea typeface="+mn-ea"/>
+                          <a:cs typeface="+mn-cs"/>
+                        </a:rPr>
+                        <a:t> r0, #0   </a:t>
+                      </a:r>
+                    </a:p>
+                    <a:p>
+                      <a:r>
+                        <a:rPr kumimoji="0" lang="pt-BR" sz="1600" b="1" i="0" kern="1200" dirty="0">
+                          <a:solidFill>
+                            <a:schemeClr val="tx1"/>
+                          </a:solidFill>
+                          <a:effectLst/>
+                          <a:latin typeface="Consolas" panose="020B0609020204030204" pitchFamily="49" charset="0"/>
+                          <a:ea typeface="+mn-ea"/>
+                          <a:cs typeface="+mn-cs"/>
+                        </a:rPr>
+                        <a:t>MOVGT</a:t>
+                      </a:r>
+                      <a:r>
+                        <a:rPr kumimoji="0" lang="pt-BR" sz="1600" b="0" i="0" kern="1200" dirty="0">
+                          <a:solidFill>
+                            <a:schemeClr val="tx1"/>
+                          </a:solidFill>
+                          <a:effectLst/>
+                          <a:latin typeface="Consolas" panose="020B0609020204030204" pitchFamily="49" charset="0"/>
+                          <a:ea typeface="+mn-ea"/>
+                          <a:cs typeface="+mn-cs"/>
+                        </a:rPr>
+                        <a:t> r0, #1</a:t>
+                      </a:r>
+                      <a:endParaRPr lang="en-US" sz="1600" dirty="0">
+                        <a:effectLst/>
+                        <a:latin typeface="Consolas" panose="020B0609020204030204" pitchFamily="49" charset="0"/>
+                        <a:ea typeface="宋体"/>
+                        <a:cs typeface="Consolas" panose="020B0609020204030204" pitchFamily="49" charset="0"/>
+                      </a:endParaRPr>
+                    </a:p>
+                  </a:txBody>
+                  <a:tcPr marL="68580" marR="68580" marT="0" marB="0"/>
+                </a:tc>
+                <a:tc>
+                  <a:txBody>
+                    <a:bodyPr/>
+                    <a:lstStyle/>
+                    <a:p>
+                      <a:endParaRPr lang="en-US" sz="1600" i="0" dirty="0">
+                        <a:effectLst/>
+                        <a:latin typeface="Consolas" panose="020B0609020204030204" pitchFamily="49" charset="0"/>
+                        <a:cs typeface="Consolas" panose="020B0609020204030204" pitchFamily="49" charset="0"/>
+                      </a:endParaRPr>
+                    </a:p>
+                    <a:p>
+                      <a:endParaRPr lang="en-US" sz="1600" i="0" dirty="0">
+                        <a:effectLst/>
+                        <a:latin typeface="Consolas" panose="020B0609020204030204" pitchFamily="49" charset="0"/>
+                        <a:cs typeface="Consolas" panose="020B0609020204030204" pitchFamily="49" charset="0"/>
+                      </a:endParaRPr>
+                    </a:p>
+                    <a:p>
+                      <a:endParaRPr lang="en-US" sz="1600" i="0" dirty="0">
+                        <a:effectLst/>
+                        <a:latin typeface="Consolas" panose="020B0609020204030204" pitchFamily="49" charset="0"/>
+                        <a:cs typeface="Consolas" panose="020B0609020204030204" pitchFamily="49" charset="0"/>
+                      </a:endParaRPr>
+                    </a:p>
+                    <a:p>
+                      <a:endParaRPr lang="en-US" sz="1600" i="0" dirty="0">
+                        <a:effectLst/>
+                        <a:latin typeface="Consolas" panose="020B0609020204030204" pitchFamily="49" charset="0"/>
+                        <a:cs typeface="Consolas" panose="020B0609020204030204" pitchFamily="49" charset="0"/>
+                      </a:endParaRPr>
+                    </a:p>
+                  </a:txBody>
+                  <a:tcPr marL="68580" marR="68580" marT="0" marB="0"/>
+                </a:tc>
+                <a:extLst>
+                  <a:ext uri="{0D108BD9-81ED-4DB2-BD59-A6C34878D82A}">
+                    <a16:rowId xmlns:a16="http://schemas.microsoft.com/office/drawing/2014/main" val="10001"/>
+                  </a:ext>
+                </a:extLst>
+              </a:tr>
+            </a:tbl>
+          </a:graphicData>
+        </a:graphic>
+      </p:graphicFrame>
+      <p:graphicFrame>
+        <p:nvGraphicFramePr>
+          <p:cNvPr id="8" name="Table 7">
+            <a:extLst>
+              <a:ext uri="{FF2B5EF4-FFF2-40B4-BE49-F238E27FC236}">
+                <a16:creationId xmlns:a16="http://schemas.microsoft.com/office/drawing/2014/main" id="{E406CADB-4F7C-3316-85F7-F1FBB67120E7}"/>
+              </a:ext>
+            </a:extLst>
+          </p:cNvPr>
+          <p:cNvGraphicFramePr>
+            <a:graphicFrameLocks noGrp="1"/>
+          </p:cNvGraphicFramePr>
+          <p:nvPr>
+            <p:extLst>
+              <p:ext uri="{D42A27DB-BD31-4B8C-83A1-F6EECF244321}">
+                <p14:modId xmlns:p14="http://schemas.microsoft.com/office/powerpoint/2010/main" val="3269139821"/>
+              </p:ext>
+            </p:extLst>
+          </p:nvPr>
+        </p:nvGraphicFramePr>
+        <p:xfrm>
+          <a:off x="751114" y="4822372"/>
+          <a:ext cx="7391400" cy="1017070"/>
+        </p:xfrm>
+        <a:graphic>
+          <a:graphicData uri="http://schemas.openxmlformats.org/drawingml/2006/table">
+            <a:tbl>
+              <a:tblPr firstRow="1" firstCol="1" bandRow="1">
+                <a:tableStyleId>{5940675A-B579-460E-94D1-54222C63F5DA}</a:tableStyleId>
+              </a:tblPr>
+              <a:tblGrid>
+                <a:gridCol w="3951973">
+                  <a:extLst>
+                    <a:ext uri="{9D8B030D-6E8A-4147-A177-3AD203B41FA5}">
+                      <a16:colId xmlns:a16="http://schemas.microsoft.com/office/drawing/2014/main" val="20000"/>
+                    </a:ext>
+                  </a:extLst>
+                </a:gridCol>
+                <a:gridCol w="3439427">
+                  <a:extLst>
+                    <a:ext uri="{9D8B030D-6E8A-4147-A177-3AD203B41FA5}">
+                      <a16:colId xmlns:a16="http://schemas.microsoft.com/office/drawing/2014/main" val="20001"/>
+                    </a:ext>
+                  </a:extLst>
+                </a:gridCol>
+              </a:tblGrid>
+              <a:tr h="217369">
+                <a:tc>
+                  <a:txBody>
+                    <a:bodyPr/>
+                    <a:lstStyle/>
+                    <a:p>
+                      <a:pPr marL="0" marR="0" algn="just">
+                        <a:spcBef>
+                          <a:spcPts val="0"/>
+                        </a:spcBef>
+                        <a:spcAft>
+                          <a:spcPts val="0"/>
+                        </a:spcAft>
+                      </a:pPr>
+                      <a:r>
+                        <a:rPr lang="en-US" sz="1600" dirty="0">
+                          <a:solidFill>
+                            <a:schemeClr val="bg1"/>
+                          </a:solidFill>
+                          <a:effectLst/>
+                          <a:latin typeface="Consolas" panose="020B0609020204030204" pitchFamily="49" charset="0"/>
+                          <a:cs typeface="Consolas" panose="020B0609020204030204" pitchFamily="49" charset="0"/>
+                        </a:rPr>
+                        <a:t>Assembly Program</a:t>
+                      </a:r>
+                      <a:endParaRPr lang="en-US" sz="1600" dirty="0">
+                        <a:solidFill>
+                          <a:schemeClr val="bg1"/>
+                        </a:solidFill>
+                        <a:effectLst/>
+                        <a:latin typeface="Consolas" panose="020B0609020204030204" pitchFamily="49" charset="0"/>
+                        <a:ea typeface="宋体"/>
+                        <a:cs typeface="Consolas" panose="020B0609020204030204" pitchFamily="49" charset="0"/>
+                      </a:endParaRPr>
+                    </a:p>
+                  </a:txBody>
+                  <a:tcPr marL="68580" marR="68580" marT="0" marB="0">
+                    <a:solidFill>
+                      <a:schemeClr val="accent1"/>
+                    </a:solidFill>
+                  </a:tcPr>
+                </a:tc>
+                <a:tc>
+                  <a:txBody>
+                    <a:bodyPr/>
+                    <a:lstStyle/>
+                    <a:p>
+                      <a:pPr marL="0" marR="0" algn="just">
+                        <a:spcBef>
+                          <a:spcPts val="0"/>
+                        </a:spcBef>
+                        <a:spcAft>
+                          <a:spcPts val="0"/>
+                        </a:spcAft>
+                      </a:pPr>
+                      <a:r>
+                        <a:rPr lang="en-US" sz="1600" dirty="0">
+                          <a:solidFill>
+                            <a:schemeClr val="bg1"/>
+                          </a:solidFill>
+                          <a:effectLst/>
+                          <a:latin typeface="Consolas" panose="020B0609020204030204" pitchFamily="49" charset="0"/>
+                          <a:cs typeface="Consolas" panose="020B0609020204030204" pitchFamily="49" charset="0"/>
+                        </a:rPr>
+                        <a:t>C </a:t>
+                      </a:r>
+                      <a:r>
+                        <a:rPr lang="en-US" sz="1600" dirty="0" err="1">
+                          <a:solidFill>
+                            <a:schemeClr val="bg1"/>
+                          </a:solidFill>
+                          <a:effectLst/>
+                          <a:latin typeface="Consolas" panose="020B0609020204030204" pitchFamily="49" charset="0"/>
+                          <a:cs typeface="Consolas" panose="020B0609020204030204" pitchFamily="49" charset="0"/>
+                        </a:rPr>
+                        <a:t>rogram</a:t>
+                      </a:r>
+                      <a:endParaRPr lang="en-US" sz="1600" dirty="0">
+                        <a:solidFill>
+                          <a:schemeClr val="bg1"/>
+                        </a:solidFill>
+                        <a:effectLst/>
+                        <a:latin typeface="Consolas" panose="020B0609020204030204" pitchFamily="49" charset="0"/>
+                        <a:ea typeface="宋体"/>
+                        <a:cs typeface="Consolas" panose="020B0609020204030204" pitchFamily="49" charset="0"/>
+                      </a:endParaRPr>
+                    </a:p>
+                  </a:txBody>
+                  <a:tcPr marL="68580" marR="68580" marT="0" marB="0">
+                    <a:solidFill>
+                      <a:schemeClr val="accent1"/>
+                    </a:solidFill>
+                  </a:tcPr>
+                </a:tc>
+                <a:extLst>
+                  <a:ext uri="{0D108BD9-81ED-4DB2-BD59-A6C34878D82A}">
+                    <a16:rowId xmlns:a16="http://schemas.microsoft.com/office/drawing/2014/main" val="10000"/>
+                  </a:ext>
+                </a:extLst>
+              </a:tr>
+              <a:tr h="773230">
+                <a:tc>
+                  <a:txBody>
+                    <a:bodyPr/>
+                    <a:lstStyle/>
+                    <a:p>
+                      <a:r>
+                        <a:rPr kumimoji="0" lang="pt-BR" sz="1600" b="1" i="0" kern="1200" dirty="0">
+                          <a:solidFill>
+                            <a:schemeClr val="tx1"/>
+                          </a:solidFill>
+                          <a:effectLst/>
+                          <a:latin typeface="Consolas" panose="020B0609020204030204" pitchFamily="49" charset="0"/>
+                          <a:ea typeface="+mn-ea"/>
+                          <a:cs typeface="+mn-cs"/>
+                        </a:rPr>
+                        <a:t>CMP</a:t>
+                      </a:r>
+                      <a:r>
+                        <a:rPr kumimoji="0" lang="pt-BR" sz="1600" b="0" i="0" kern="1200" dirty="0">
+                          <a:solidFill>
+                            <a:schemeClr val="tx1"/>
+                          </a:solidFill>
+                          <a:effectLst/>
+                          <a:latin typeface="Consolas" panose="020B0609020204030204" pitchFamily="49" charset="0"/>
+                          <a:ea typeface="+mn-ea"/>
+                          <a:cs typeface="+mn-cs"/>
+                        </a:rPr>
+                        <a:t>   r0, #'A’</a:t>
+                      </a:r>
+                      <a:r>
+                        <a:rPr kumimoji="0" lang="pt-BR" sz="1600" b="0" i="1" kern="1200" dirty="0">
+                          <a:solidFill>
+                            <a:schemeClr val="tx1"/>
+                          </a:solidFill>
+                          <a:effectLst/>
+                          <a:latin typeface="Consolas" panose="020B0609020204030204" pitchFamily="49" charset="0"/>
+                          <a:ea typeface="+mn-ea"/>
+                          <a:cs typeface="+mn-cs"/>
+                        </a:rPr>
+                        <a:t> </a:t>
+                      </a:r>
+                    </a:p>
+                    <a:p>
+                      <a:r>
+                        <a:rPr kumimoji="0" lang="pt-BR" sz="1600" b="1" i="0" kern="1200" dirty="0">
+                          <a:solidFill>
+                            <a:schemeClr val="tx1"/>
+                          </a:solidFill>
+                          <a:effectLst/>
+                          <a:latin typeface="Consolas" panose="020B0609020204030204" pitchFamily="49" charset="0"/>
+                          <a:ea typeface="+mn-ea"/>
+                          <a:cs typeface="+mn-cs"/>
+                        </a:rPr>
+                        <a:t>CMPNE</a:t>
+                      </a:r>
+                      <a:r>
+                        <a:rPr kumimoji="0" lang="pt-BR" sz="1600" b="0" i="0" kern="1200" dirty="0">
+                          <a:solidFill>
+                            <a:schemeClr val="tx1"/>
+                          </a:solidFill>
+                          <a:effectLst/>
+                          <a:latin typeface="Consolas" panose="020B0609020204030204" pitchFamily="49" charset="0"/>
+                          <a:ea typeface="+mn-ea"/>
+                          <a:cs typeface="+mn-cs"/>
+                        </a:rPr>
+                        <a:t> r0, #'</a:t>
+                      </a:r>
+                      <a:r>
+                        <a:rPr kumimoji="0" lang="pt-BR" sz="1600" b="1" i="0" kern="1200" dirty="0">
+                          <a:solidFill>
+                            <a:schemeClr val="tx1"/>
+                          </a:solidFill>
+                          <a:effectLst/>
+                          <a:latin typeface="Consolas" panose="020B0609020204030204" pitchFamily="49" charset="0"/>
+                          <a:ea typeface="+mn-ea"/>
+                          <a:cs typeface="+mn-cs"/>
+                        </a:rPr>
+                        <a:t>B</a:t>
+                      </a:r>
+                      <a:r>
+                        <a:rPr kumimoji="0" lang="pt-BR" sz="1600" b="0" i="0" kern="1200" dirty="0">
+                          <a:solidFill>
+                            <a:schemeClr val="tx1"/>
+                          </a:solidFill>
+                          <a:effectLst/>
+                          <a:latin typeface="Consolas" panose="020B0609020204030204" pitchFamily="49" charset="0"/>
+                          <a:ea typeface="+mn-ea"/>
+                          <a:cs typeface="+mn-cs"/>
+                        </a:rPr>
+                        <a:t>'</a:t>
+                      </a:r>
+                    </a:p>
+                    <a:p>
+                      <a:r>
+                        <a:rPr kumimoji="0" lang="pt-BR" sz="1600" b="1" i="0" kern="1200" dirty="0">
+                          <a:solidFill>
+                            <a:schemeClr val="tx1"/>
+                          </a:solidFill>
+                          <a:effectLst/>
+                          <a:latin typeface="Consolas" panose="020B0609020204030204" pitchFamily="49" charset="0"/>
+                          <a:ea typeface="+mn-ea"/>
+                          <a:cs typeface="+mn-cs"/>
+                        </a:rPr>
+                        <a:t>MOVEQ</a:t>
+                      </a:r>
+                      <a:r>
+                        <a:rPr kumimoji="0" lang="pt-BR" sz="1600" b="0" i="0" kern="1200" dirty="0">
+                          <a:solidFill>
+                            <a:schemeClr val="tx1"/>
+                          </a:solidFill>
+                          <a:effectLst/>
+                          <a:latin typeface="Consolas" panose="020B0609020204030204" pitchFamily="49" charset="0"/>
+                          <a:ea typeface="+mn-ea"/>
+                          <a:cs typeface="+mn-cs"/>
+                        </a:rPr>
+                        <a:t> r1, #1 </a:t>
+                      </a:r>
+                    </a:p>
+                  </a:txBody>
+                  <a:tcPr marL="68580" marR="68580" marT="0" marB="0"/>
+                </a:tc>
+                <a:tc>
+                  <a:txBody>
+                    <a:bodyPr/>
+                    <a:lstStyle/>
+                    <a:p>
+                      <a:endParaRPr lang="en-US" sz="1600" i="0" dirty="0">
+                        <a:effectLst/>
+                        <a:latin typeface="Consolas" panose="020B0609020204030204" pitchFamily="49" charset="0"/>
+                        <a:cs typeface="Consolas" panose="020B0609020204030204" pitchFamily="49" charset="0"/>
+                      </a:endParaRPr>
+                    </a:p>
+                  </a:txBody>
+                  <a:tcPr marL="68580" marR="68580" marT="0" marB="0"/>
+                </a:tc>
+                <a:extLst>
+                  <a:ext uri="{0D108BD9-81ED-4DB2-BD59-A6C34878D82A}">
+                    <a16:rowId xmlns:a16="http://schemas.microsoft.com/office/drawing/2014/main" val="10001"/>
+                  </a:ext>
+                </a:extLst>
+              </a:tr>
+            </a:tbl>
+          </a:graphicData>
+        </a:graphic>
+      </p:graphicFrame>
+    </p:spTree>
+    <p:extLst>
+      <p:ext uri="{BB962C8B-B14F-4D97-AF65-F5344CB8AC3E}">
+        <p14:creationId xmlns:p14="http://schemas.microsoft.com/office/powerpoint/2010/main" val="2809835501"/>
+      </p:ext>
+    </p:extLst>
+  </p:cSld>
+  <p:clrMapOvr>
+    <a:masterClrMapping/>
+  </p:clrMapOvr>
+</p:sld>
+</file>
+
+<file path=ppt/slides/slide9.xml><?xml version="1.0" encoding="utf-8"?>
+<p:sld xmlns:a="http://schemas.openxmlformats.org/drawingml/2006/main" xmlns:r="http://schemas.openxmlformats.org/officeDocument/2006/relationships" xmlns:p="http://schemas.openxmlformats.org/presentationml/2006/main">
+  <p:cSld>
+    <p:spTree>
+      <p:nvGrpSpPr>
+        <p:cNvPr id="1" name="">
+          <a:extLst>
+            <a:ext uri="{FF2B5EF4-FFF2-40B4-BE49-F238E27FC236}">
+              <a16:creationId xmlns:a16="http://schemas.microsoft.com/office/drawing/2014/main" id="{6B23D518-09E9-3CD6-D9C0-ABABDD47C3AF}"/>
+            </a:ext>
+          </a:extLst>
+        </p:cNvPr>
+        <p:cNvGrpSpPr/>
+        <p:nvPr/>
+      </p:nvGrpSpPr>
+      <p:grpSpPr>
+        <a:xfrm>
+          <a:off x="0" y="0"/>
+          <a:ext cx="0" cy="0"/>
+          <a:chOff x="0" y="0"/>
+          <a:chExt cx="0" cy="0"/>
+        </a:xfrm>
+      </p:grpSpPr>
+      <p:sp>
+        <p:nvSpPr>
+          <p:cNvPr id="2" name="Title 1">
+            <a:extLst>
+              <a:ext uri="{FF2B5EF4-FFF2-40B4-BE49-F238E27FC236}">
+                <a16:creationId xmlns:a16="http://schemas.microsoft.com/office/drawing/2014/main" id="{87FC979E-7DDE-ACAB-E9A4-40598C650E0D}"/>
+              </a:ext>
+            </a:extLst>
+          </p:cNvPr>
+          <p:cNvSpPr>
+            <a:spLocks noGrp="1"/>
+          </p:cNvSpPr>
+          <p:nvPr>
+            <p:ph type="title"/>
+          </p:nvPr>
+        </p:nvSpPr>
+        <p:spPr/>
+        <p:txBody>
+          <a:bodyPr/>
+          <a:lstStyle/>
+          <a:p>
+            <a:r>
+              <a:rPr lang="en-US" dirty="0"/>
+              <a:t>Assembly to C ANS</a:t>
+            </a:r>
+          </a:p>
+        </p:txBody>
+      </p:sp>
+      <p:sp>
+        <p:nvSpPr>
+          <p:cNvPr id="3" name="Slide Number Placeholder 2">
+            <a:extLst>
+              <a:ext uri="{FF2B5EF4-FFF2-40B4-BE49-F238E27FC236}">
+                <a16:creationId xmlns:a16="http://schemas.microsoft.com/office/drawing/2014/main" id="{BF12B89A-7B68-155D-7061-BE05A8DA0365}"/>
+              </a:ext>
+            </a:extLst>
+          </p:cNvPr>
+          <p:cNvSpPr>
+            <a:spLocks noGrp="1"/>
+          </p:cNvSpPr>
+          <p:nvPr>
+            <p:ph type="sldNum" sz="quarter" idx="12"/>
+          </p:nvPr>
+        </p:nvSpPr>
+        <p:spPr/>
+        <p:txBody>
+          <a:bodyPr/>
+          <a:lstStyle/>
+          <a:p>
+            <a:fld id="{EA7C8D44-3667-46F6-9772-CC52308E2A7F}" type="slidenum">
+              <a:rPr kumimoji="0" lang="en-US" smtClean="0"/>
+              <a:pPr/>
+              <a:t>9</a:t>
+            </a:fld>
+            <a:endParaRPr kumimoji="0" lang="en-US" dirty="0"/>
+          </a:p>
+        </p:txBody>
+      </p:sp>
+      <p:sp>
+        <p:nvSpPr>
+          <p:cNvPr id="4" name="Content Placeholder 3">
+            <a:extLst>
+              <a:ext uri="{FF2B5EF4-FFF2-40B4-BE49-F238E27FC236}">
+                <a16:creationId xmlns:a16="http://schemas.microsoft.com/office/drawing/2014/main" id="{DAB1A9E9-5521-A49F-71D6-A319ADEF622C}"/>
+              </a:ext>
+            </a:extLst>
+          </p:cNvPr>
+          <p:cNvSpPr>
+            <a:spLocks noGrp="1"/>
+          </p:cNvSpPr>
+          <p:nvPr>
+            <p:ph sz="quarter" idx="1"/>
+          </p:nvPr>
+        </p:nvSpPr>
+        <p:spPr>
+          <a:xfrm>
+            <a:off x="457200" y="1219200"/>
+            <a:ext cx="8229600" cy="1066800"/>
+          </a:xfrm>
+        </p:spPr>
+        <p:txBody>
+          <a:bodyPr>
+            <a:normAutofit fontScale="77500" lnSpcReduction="20000"/>
+          </a:bodyPr>
+          <a:lstStyle/>
+          <a:p>
+            <a:r>
+              <a:rPr lang="en-US" dirty="0"/>
+              <a:t>Write the equivalent C program for the following assembly code, where you treat registers as C variables.  Variables in C are in memory and load/store assembly instructions are needed in assembly, which are omitted here for brevity. For example:</a:t>
+            </a:r>
+          </a:p>
+        </p:txBody>
+      </p:sp>
+      <p:graphicFrame>
+        <p:nvGraphicFramePr>
+          <p:cNvPr id="6" name="Table 5">
+            <a:extLst>
+              <a:ext uri="{FF2B5EF4-FFF2-40B4-BE49-F238E27FC236}">
+                <a16:creationId xmlns:a16="http://schemas.microsoft.com/office/drawing/2014/main" id="{E28C4A95-33F3-BABE-565A-E12BD4DBAF93}"/>
+              </a:ext>
+            </a:extLst>
+          </p:cNvPr>
+          <p:cNvGraphicFramePr>
+            <a:graphicFrameLocks noGrp="1"/>
+          </p:cNvGraphicFramePr>
+          <p:nvPr>
+            <p:extLst>
+              <p:ext uri="{D42A27DB-BD31-4B8C-83A1-F6EECF244321}">
+                <p14:modId xmlns:p14="http://schemas.microsoft.com/office/powerpoint/2010/main" val="3023053302"/>
+              </p:ext>
+            </p:extLst>
+          </p:nvPr>
+        </p:nvGraphicFramePr>
+        <p:xfrm>
+          <a:off x="751114" y="2296886"/>
+          <a:ext cx="7391400" cy="1219200"/>
+        </p:xfrm>
+        <a:graphic>
+          <a:graphicData uri="http://schemas.openxmlformats.org/drawingml/2006/table">
+            <a:tbl>
+              <a:tblPr firstRow="1" firstCol="1" bandRow="1">
+                <a:tableStyleId>{5940675A-B579-460E-94D1-54222C63F5DA}</a:tableStyleId>
+              </a:tblPr>
+              <a:tblGrid>
+                <a:gridCol w="3951973">
+                  <a:extLst>
+                    <a:ext uri="{9D8B030D-6E8A-4147-A177-3AD203B41FA5}">
+                      <a16:colId xmlns:a16="http://schemas.microsoft.com/office/drawing/2014/main" val="20000"/>
+                    </a:ext>
+                  </a:extLst>
+                </a:gridCol>
+                <a:gridCol w="3439427">
+                  <a:extLst>
+                    <a:ext uri="{9D8B030D-6E8A-4147-A177-3AD203B41FA5}">
+                      <a16:colId xmlns:a16="http://schemas.microsoft.com/office/drawing/2014/main" val="20001"/>
+                    </a:ext>
+                  </a:extLst>
+                </a:gridCol>
+              </a:tblGrid>
+              <a:tr h="217369">
+                <a:tc>
+                  <a:txBody>
+                    <a:bodyPr/>
+                    <a:lstStyle/>
+                    <a:p>
+                      <a:pPr marL="0" marR="0" algn="just">
+                        <a:spcBef>
+                          <a:spcPts val="0"/>
+                        </a:spcBef>
+                        <a:spcAft>
+                          <a:spcPts val="0"/>
+                        </a:spcAft>
+                      </a:pPr>
+                      <a:r>
+                        <a:rPr lang="en-US" sz="1600" dirty="0">
+                          <a:solidFill>
+                            <a:schemeClr val="bg1"/>
+                          </a:solidFill>
+                          <a:effectLst/>
+                          <a:latin typeface="Consolas" panose="020B0609020204030204" pitchFamily="49" charset="0"/>
+                          <a:cs typeface="Consolas" panose="020B0609020204030204" pitchFamily="49" charset="0"/>
+                        </a:rPr>
+                        <a:t>Assembly Program</a:t>
+                      </a:r>
+                      <a:endParaRPr lang="en-US" sz="1600" dirty="0">
+                        <a:solidFill>
+                          <a:schemeClr val="bg1"/>
+                        </a:solidFill>
+                        <a:effectLst/>
+                        <a:latin typeface="Consolas" panose="020B0609020204030204" pitchFamily="49" charset="0"/>
+                        <a:ea typeface="宋体"/>
+                        <a:cs typeface="Consolas" panose="020B0609020204030204" pitchFamily="49" charset="0"/>
+                      </a:endParaRPr>
+                    </a:p>
+                  </a:txBody>
+                  <a:tcPr marL="68580" marR="68580" marT="0" marB="0">
+                    <a:solidFill>
+                      <a:schemeClr val="accent1"/>
+                    </a:solidFill>
+                  </a:tcPr>
+                </a:tc>
+                <a:tc>
+                  <a:txBody>
+                    <a:bodyPr/>
+                    <a:lstStyle/>
+                    <a:p>
+                      <a:pPr marL="0" marR="0" algn="just">
+                        <a:spcBef>
+                          <a:spcPts val="0"/>
+                        </a:spcBef>
+                        <a:spcAft>
+                          <a:spcPts val="0"/>
+                        </a:spcAft>
+                      </a:pPr>
+                      <a:r>
+                        <a:rPr lang="en-US" sz="1600" dirty="0">
+                          <a:solidFill>
+                            <a:schemeClr val="bg1"/>
+                          </a:solidFill>
+                          <a:effectLst/>
+                          <a:latin typeface="Consolas" panose="020B0609020204030204" pitchFamily="49" charset="0"/>
+                          <a:cs typeface="Consolas" panose="020B0609020204030204" pitchFamily="49" charset="0"/>
+                        </a:rPr>
+                        <a:t>C Program</a:t>
+                      </a:r>
+                      <a:endParaRPr lang="en-US" sz="1600" dirty="0">
+                        <a:solidFill>
+                          <a:schemeClr val="bg1"/>
+                        </a:solidFill>
+                        <a:effectLst/>
+                        <a:latin typeface="Consolas" panose="020B0609020204030204" pitchFamily="49" charset="0"/>
+                        <a:ea typeface="宋体"/>
+                        <a:cs typeface="Consolas" panose="020B0609020204030204" pitchFamily="49" charset="0"/>
+                      </a:endParaRPr>
+                    </a:p>
+                  </a:txBody>
+                  <a:tcPr marL="68580" marR="68580" marT="0" marB="0">
+                    <a:solidFill>
+                      <a:schemeClr val="accent1"/>
+                    </a:solidFill>
+                  </a:tcPr>
+                </a:tc>
+                <a:extLst>
+                  <a:ext uri="{0D108BD9-81ED-4DB2-BD59-A6C34878D82A}">
+                    <a16:rowId xmlns:a16="http://schemas.microsoft.com/office/drawing/2014/main" val="10000"/>
+                  </a:ext>
+                </a:extLst>
+              </a:tr>
+              <a:tr h="773230">
+                <a:tc>
+                  <a:txBody>
+                    <a:bodyPr/>
+                    <a:lstStyle/>
+                    <a:p>
+                      <a:r>
+                        <a:rPr kumimoji="0" lang="en-US" sz="1600" b="1" i="0" kern="1200" dirty="0">
+                          <a:solidFill>
+                            <a:schemeClr val="tx1"/>
+                          </a:solidFill>
+                          <a:effectLst/>
+                          <a:latin typeface="Consolas" panose="020B0609020204030204" pitchFamily="49" charset="0"/>
+                          <a:ea typeface="+mn-ea"/>
+                          <a:cs typeface="+mn-cs"/>
+                        </a:rPr>
+                        <a:t>CMP</a:t>
+                      </a:r>
+                      <a:r>
+                        <a:rPr kumimoji="0" lang="en-US" sz="1600" b="0" i="0" kern="1200" dirty="0">
+                          <a:solidFill>
+                            <a:schemeClr val="tx1"/>
+                          </a:solidFill>
+                          <a:effectLst/>
+                          <a:latin typeface="Consolas" panose="020B0609020204030204" pitchFamily="49" charset="0"/>
+                          <a:ea typeface="+mn-ea"/>
+                          <a:cs typeface="+mn-cs"/>
+                        </a:rPr>
+                        <a:t>   r0, #5</a:t>
+                      </a:r>
+                    </a:p>
+                    <a:p>
+                      <a:r>
+                        <a:rPr kumimoji="0" lang="en-US" sz="1600" b="1" i="0" kern="1200" dirty="0">
+                          <a:solidFill>
+                            <a:schemeClr val="tx1"/>
+                          </a:solidFill>
+                          <a:effectLst/>
+                          <a:latin typeface="Consolas" panose="020B0609020204030204" pitchFamily="49" charset="0"/>
+                          <a:ea typeface="+mn-ea"/>
+                          <a:cs typeface="+mn-cs"/>
+                        </a:rPr>
+                        <a:t>MOVEQ</a:t>
+                      </a:r>
+                      <a:r>
+                        <a:rPr kumimoji="0" lang="en-US" sz="1600" b="0" i="0" kern="1200" dirty="0">
+                          <a:solidFill>
+                            <a:schemeClr val="tx1"/>
+                          </a:solidFill>
+                          <a:effectLst/>
+                          <a:latin typeface="Consolas" panose="020B0609020204030204" pitchFamily="49" charset="0"/>
+                          <a:ea typeface="+mn-ea"/>
+                          <a:cs typeface="+mn-cs"/>
+                        </a:rPr>
+                        <a:t> r0, #10  </a:t>
+                      </a:r>
+                    </a:p>
+                    <a:p>
+                      <a:r>
+                        <a:rPr kumimoji="0" lang="en-US" sz="1600" b="1" i="0" kern="1200" dirty="0">
+                          <a:solidFill>
+                            <a:schemeClr val="tx1"/>
+                          </a:solidFill>
+                          <a:effectLst/>
+                          <a:latin typeface="Consolas" panose="020B0609020204030204" pitchFamily="49" charset="0"/>
+                          <a:ea typeface="+mn-ea"/>
+                          <a:cs typeface="+mn-cs"/>
+                        </a:rPr>
+                        <a:t>BLEQ</a:t>
+                      </a:r>
+                      <a:r>
+                        <a:rPr kumimoji="0" lang="en-US" sz="1600" b="0" i="0" kern="1200" dirty="0">
+                          <a:solidFill>
+                            <a:schemeClr val="tx1"/>
+                          </a:solidFill>
+                          <a:effectLst/>
+                          <a:latin typeface="Consolas" panose="020B0609020204030204" pitchFamily="49" charset="0"/>
+                          <a:ea typeface="+mn-ea"/>
+                          <a:cs typeface="+mn-cs"/>
+                        </a:rPr>
+                        <a:t>  </a:t>
+                      </a:r>
+                      <a:r>
+                        <a:rPr kumimoji="0" lang="en-US" sz="1600" b="0" i="0" kern="1200" dirty="0" err="1">
+                          <a:solidFill>
+                            <a:schemeClr val="tx1"/>
+                          </a:solidFill>
+                          <a:effectLst/>
+                          <a:latin typeface="Consolas" panose="020B0609020204030204" pitchFamily="49" charset="0"/>
+                          <a:ea typeface="+mn-ea"/>
+                          <a:cs typeface="+mn-cs"/>
+                        </a:rPr>
+                        <a:t>fn</a:t>
+                      </a:r>
+                      <a:endParaRPr lang="en-US" sz="1600" dirty="0">
+                        <a:effectLst/>
+                        <a:latin typeface="Consolas" panose="020B0609020204030204" pitchFamily="49" charset="0"/>
+                        <a:ea typeface="宋体"/>
+                        <a:cs typeface="Consolas" panose="020B0609020204030204" pitchFamily="49" charset="0"/>
+                      </a:endParaRPr>
+                    </a:p>
+                  </a:txBody>
+                  <a:tcPr marL="68580" marR="68580" marT="0" marB="0"/>
+                </a:tc>
+                <a:tc>
+                  <a:txBody>
+                    <a:bodyPr/>
+                    <a:lstStyle/>
+                    <a:p>
+                      <a:pPr marL="0" marR="0" algn="just">
+                        <a:spcBef>
+                          <a:spcPts val="0"/>
+                        </a:spcBef>
+                        <a:spcAft>
+                          <a:spcPts val="0"/>
+                        </a:spcAft>
+                      </a:pPr>
+                      <a:r>
+                        <a:rPr kumimoji="0" lang="en-US" sz="1600" b="0" i="0" kern="1200" dirty="0">
+                          <a:solidFill>
+                            <a:schemeClr val="tx1"/>
+                          </a:solidFill>
+                          <a:effectLst/>
+                          <a:latin typeface="Consolas" panose="020B0609020204030204" pitchFamily="49" charset="0"/>
+                          <a:ea typeface="+mn-ea"/>
+                          <a:cs typeface="+mn-cs"/>
+                        </a:rPr>
+                        <a:t>if (x == 5) {</a:t>
+                      </a:r>
+                    </a:p>
+                    <a:p>
+                      <a:pPr marL="0" marR="0" algn="just">
+                        <a:spcBef>
+                          <a:spcPts val="0"/>
+                        </a:spcBef>
+                        <a:spcAft>
+                          <a:spcPts val="0"/>
+                        </a:spcAft>
+                      </a:pPr>
+                      <a:r>
+                        <a:rPr kumimoji="0" lang="en-US" sz="1600" b="0" i="0" kern="1200" dirty="0">
+                          <a:solidFill>
+                            <a:schemeClr val="tx1"/>
+                          </a:solidFill>
+                          <a:effectLst/>
+                          <a:latin typeface="Consolas" panose="020B0609020204030204" pitchFamily="49" charset="0"/>
+                          <a:ea typeface="+mn-ea"/>
+                          <a:cs typeface="+mn-cs"/>
+                        </a:rPr>
+                        <a:t>  x = 10;</a:t>
+                      </a:r>
+                    </a:p>
+                    <a:p>
+                      <a:pPr marL="0" marR="0" algn="just">
+                        <a:spcBef>
+                          <a:spcPts val="0"/>
+                        </a:spcBef>
+                        <a:spcAft>
+                          <a:spcPts val="0"/>
+                        </a:spcAft>
+                      </a:pPr>
+                      <a:r>
+                        <a:rPr kumimoji="0" lang="en-US" sz="1600" b="0" i="0" kern="1200" dirty="0">
+                          <a:solidFill>
+                            <a:schemeClr val="tx1"/>
+                          </a:solidFill>
+                          <a:effectLst/>
+                          <a:latin typeface="Consolas" panose="020B0609020204030204" pitchFamily="49" charset="0"/>
+                          <a:ea typeface="+mn-ea"/>
+                          <a:cs typeface="+mn-cs"/>
+                        </a:rPr>
+                        <a:t>  </a:t>
+                      </a:r>
+                      <a:r>
+                        <a:rPr kumimoji="0" lang="en-US" sz="1600" b="0" i="0" kern="1200" dirty="0" err="1">
+                          <a:solidFill>
+                            <a:schemeClr val="tx1"/>
+                          </a:solidFill>
+                          <a:effectLst/>
+                          <a:latin typeface="Consolas" panose="020B0609020204030204" pitchFamily="49" charset="0"/>
+                          <a:ea typeface="+mn-ea"/>
+                          <a:cs typeface="+mn-cs"/>
+                        </a:rPr>
+                        <a:t>fn</a:t>
+                      </a:r>
+                      <a:r>
+                        <a:rPr kumimoji="0" lang="en-US" sz="1600" b="0" i="0" kern="1200" dirty="0">
+                          <a:solidFill>
+                            <a:schemeClr val="tx1"/>
+                          </a:solidFill>
+                          <a:effectLst/>
+                          <a:latin typeface="Consolas" panose="020B0609020204030204" pitchFamily="49" charset="0"/>
+                          <a:ea typeface="+mn-ea"/>
+                          <a:cs typeface="+mn-cs"/>
+                        </a:rPr>
+                        <a:t>(x);</a:t>
+                      </a:r>
+                    </a:p>
+                    <a:p>
+                      <a:pPr marL="0" marR="0" algn="just">
+                        <a:spcBef>
+                          <a:spcPts val="0"/>
+                        </a:spcBef>
+                        <a:spcAft>
+                          <a:spcPts val="0"/>
+                        </a:spcAft>
+                      </a:pPr>
+                      <a:r>
+                        <a:rPr kumimoji="0" lang="en-US" sz="1600" b="0" i="0" kern="1200" dirty="0">
+                          <a:solidFill>
+                            <a:schemeClr val="tx1"/>
+                          </a:solidFill>
+                          <a:effectLst/>
+                          <a:latin typeface="Consolas" panose="020B0609020204030204" pitchFamily="49" charset="0"/>
+                          <a:ea typeface="+mn-ea"/>
+                          <a:cs typeface="+mn-cs"/>
+                        </a:rPr>
+                        <a:t>}</a:t>
+                      </a:r>
+                      <a:endParaRPr lang="en-US" sz="1600" i="0" dirty="0">
+                        <a:effectLst/>
+                        <a:latin typeface="Consolas" panose="020B0609020204030204" pitchFamily="49" charset="0"/>
+                        <a:cs typeface="Consolas" panose="020B0609020204030204" pitchFamily="49" charset="0"/>
+                      </a:endParaRPr>
+                    </a:p>
+                  </a:txBody>
+                  <a:tcPr marL="68580" marR="68580" marT="0" marB="0"/>
+                </a:tc>
+                <a:extLst>
+                  <a:ext uri="{0D108BD9-81ED-4DB2-BD59-A6C34878D82A}">
+                    <a16:rowId xmlns:a16="http://schemas.microsoft.com/office/drawing/2014/main" val="10001"/>
+                  </a:ext>
+                </a:extLst>
+              </a:tr>
+            </a:tbl>
+          </a:graphicData>
+        </a:graphic>
+      </p:graphicFrame>
+      <p:graphicFrame>
+        <p:nvGraphicFramePr>
+          <p:cNvPr id="7" name="Table 6">
+            <a:extLst>
+              <a:ext uri="{FF2B5EF4-FFF2-40B4-BE49-F238E27FC236}">
+                <a16:creationId xmlns:a16="http://schemas.microsoft.com/office/drawing/2014/main" id="{61C10A8C-B88B-BA01-723F-3EF7F7464A2A}"/>
+              </a:ext>
+            </a:extLst>
+          </p:cNvPr>
+          <p:cNvGraphicFramePr>
+            <a:graphicFrameLocks noGrp="1"/>
+          </p:cNvGraphicFramePr>
+          <p:nvPr>
+            <p:extLst>
+              <p:ext uri="{D42A27DB-BD31-4B8C-83A1-F6EECF244321}">
+                <p14:modId xmlns:p14="http://schemas.microsoft.com/office/powerpoint/2010/main" val="2056387219"/>
+              </p:ext>
+            </p:extLst>
+          </p:nvPr>
+        </p:nvGraphicFramePr>
+        <p:xfrm>
+          <a:off x="751114" y="3559629"/>
+          <a:ext cx="7391400" cy="1219200"/>
+        </p:xfrm>
+        <a:graphic>
+          <a:graphicData uri="http://schemas.openxmlformats.org/drawingml/2006/table">
+            <a:tbl>
+              <a:tblPr firstRow="1" firstCol="1" bandRow="1">
+                <a:tableStyleId>{5940675A-B579-460E-94D1-54222C63F5DA}</a:tableStyleId>
+              </a:tblPr>
+              <a:tblGrid>
+                <a:gridCol w="3951973">
+                  <a:extLst>
+                    <a:ext uri="{9D8B030D-6E8A-4147-A177-3AD203B41FA5}">
+                      <a16:colId xmlns:a16="http://schemas.microsoft.com/office/drawing/2014/main" val="20000"/>
+                    </a:ext>
+                  </a:extLst>
+                </a:gridCol>
+                <a:gridCol w="3439427">
+                  <a:extLst>
+                    <a:ext uri="{9D8B030D-6E8A-4147-A177-3AD203B41FA5}">
+                      <a16:colId xmlns:a16="http://schemas.microsoft.com/office/drawing/2014/main" val="20001"/>
+                    </a:ext>
+                  </a:extLst>
+                </a:gridCol>
+              </a:tblGrid>
+              <a:tr h="217369">
+                <a:tc>
+                  <a:txBody>
+                    <a:bodyPr/>
+                    <a:lstStyle/>
+                    <a:p>
+                      <a:pPr marL="0" marR="0" algn="just">
+                        <a:spcBef>
+                          <a:spcPts val="0"/>
+                        </a:spcBef>
+                        <a:spcAft>
+                          <a:spcPts val="0"/>
+                        </a:spcAft>
+                      </a:pPr>
+                      <a:r>
+                        <a:rPr lang="en-US" sz="1600">
+                          <a:solidFill>
+                            <a:schemeClr val="bg1"/>
+                          </a:solidFill>
+                          <a:effectLst/>
+                          <a:latin typeface="Consolas" panose="020B0609020204030204" pitchFamily="49" charset="0"/>
+                          <a:cs typeface="Consolas" panose="020B0609020204030204" pitchFamily="49" charset="0"/>
+                        </a:rPr>
+                        <a:t>Assembly Program</a:t>
+                      </a:r>
+                      <a:endParaRPr lang="en-US" sz="1600" dirty="0">
+                        <a:solidFill>
+                          <a:schemeClr val="bg1"/>
+                        </a:solidFill>
+                        <a:effectLst/>
+                        <a:latin typeface="Consolas" panose="020B0609020204030204" pitchFamily="49" charset="0"/>
+                        <a:ea typeface="宋体"/>
+                        <a:cs typeface="Consolas" panose="020B0609020204030204" pitchFamily="49" charset="0"/>
+                      </a:endParaRPr>
+                    </a:p>
+                  </a:txBody>
+                  <a:tcPr marL="68580" marR="68580" marT="0" marB="0">
+                    <a:solidFill>
+                      <a:schemeClr val="accent1"/>
+                    </a:solidFill>
+                  </a:tcPr>
+                </a:tc>
+                <a:tc>
+                  <a:txBody>
+                    <a:bodyPr/>
+                    <a:lstStyle/>
+                    <a:p>
+                      <a:pPr marL="0" marR="0" algn="just">
+                        <a:spcBef>
+                          <a:spcPts val="0"/>
+                        </a:spcBef>
+                        <a:spcAft>
+                          <a:spcPts val="0"/>
+                        </a:spcAft>
+                      </a:pPr>
+                      <a:r>
+                        <a:rPr lang="en-US" sz="1600" dirty="0">
+                          <a:solidFill>
+                            <a:schemeClr val="bg1"/>
+                          </a:solidFill>
+                          <a:effectLst/>
+                          <a:latin typeface="Consolas" panose="020B0609020204030204" pitchFamily="49" charset="0"/>
+                          <a:cs typeface="Consolas" panose="020B0609020204030204" pitchFamily="49" charset="0"/>
+                        </a:rPr>
+                        <a:t>C Program</a:t>
+                      </a:r>
+                      <a:endParaRPr lang="en-US" sz="1600" dirty="0">
+                        <a:solidFill>
+                          <a:schemeClr val="bg1"/>
+                        </a:solidFill>
+                        <a:effectLst/>
+                        <a:latin typeface="Consolas" panose="020B0609020204030204" pitchFamily="49" charset="0"/>
+                        <a:ea typeface="宋体"/>
+                        <a:cs typeface="Consolas" panose="020B0609020204030204" pitchFamily="49" charset="0"/>
+                      </a:endParaRPr>
+                    </a:p>
+                  </a:txBody>
+                  <a:tcPr marL="68580" marR="68580" marT="0" marB="0">
+                    <a:solidFill>
+                      <a:schemeClr val="accent1"/>
+                    </a:solidFill>
+                  </a:tcPr>
+                </a:tc>
+                <a:extLst>
+                  <a:ext uri="{0D108BD9-81ED-4DB2-BD59-A6C34878D82A}">
+                    <a16:rowId xmlns:a16="http://schemas.microsoft.com/office/drawing/2014/main" val="10000"/>
+                  </a:ext>
+                </a:extLst>
+              </a:tr>
+              <a:tr h="773230">
+                <a:tc>
+                  <a:txBody>
+                    <a:bodyPr/>
+                    <a:lstStyle/>
+                    <a:p>
+                      <a:r>
+                        <a:rPr kumimoji="0" lang="pt-BR" sz="1600" b="1" i="0" kern="1200" dirty="0">
+                          <a:solidFill>
+                            <a:schemeClr val="tx1"/>
+                          </a:solidFill>
+                          <a:effectLst/>
+                          <a:latin typeface="Consolas" panose="020B0609020204030204" pitchFamily="49" charset="0"/>
+                          <a:ea typeface="+mn-ea"/>
+                          <a:cs typeface="+mn-cs"/>
+                        </a:rPr>
+                        <a:t>CMP</a:t>
+                      </a:r>
+                      <a:r>
+                        <a:rPr kumimoji="0" lang="pt-BR" sz="1600" b="0" i="0" kern="1200" dirty="0">
+                          <a:solidFill>
+                            <a:schemeClr val="tx1"/>
+                          </a:solidFill>
+                          <a:effectLst/>
+                          <a:latin typeface="Consolas" panose="020B0609020204030204" pitchFamily="49" charset="0"/>
+                          <a:ea typeface="+mn-ea"/>
+                          <a:cs typeface="+mn-cs"/>
+                        </a:rPr>
+                        <a:t>   r0, #0   </a:t>
+                      </a:r>
+                    </a:p>
+                    <a:p>
+                      <a:r>
+                        <a:rPr kumimoji="0" lang="pt-BR" sz="1600" b="1" i="0" kern="1200" dirty="0">
+                          <a:solidFill>
+                            <a:schemeClr val="tx1"/>
+                          </a:solidFill>
+                          <a:effectLst/>
+                          <a:latin typeface="Consolas" panose="020B0609020204030204" pitchFamily="49" charset="0"/>
+                          <a:ea typeface="+mn-ea"/>
+                          <a:cs typeface="+mn-cs"/>
+                        </a:rPr>
+                        <a:t>MOVLE</a:t>
+                      </a:r>
+                      <a:r>
+                        <a:rPr kumimoji="0" lang="pt-BR" sz="1600" b="0" i="0" kern="1200" dirty="0">
+                          <a:solidFill>
+                            <a:schemeClr val="tx1"/>
+                          </a:solidFill>
+                          <a:effectLst/>
+                          <a:latin typeface="Consolas" panose="020B0609020204030204" pitchFamily="49" charset="0"/>
+                          <a:ea typeface="+mn-ea"/>
+                          <a:cs typeface="+mn-cs"/>
+                        </a:rPr>
+                        <a:t> r0, #0   </a:t>
+                      </a:r>
+                    </a:p>
+                    <a:p>
+                      <a:r>
+                        <a:rPr kumimoji="0" lang="pt-BR" sz="1600" b="1" i="0" kern="1200" dirty="0">
+                          <a:solidFill>
+                            <a:schemeClr val="tx1"/>
+                          </a:solidFill>
+                          <a:effectLst/>
+                          <a:latin typeface="Consolas" panose="020B0609020204030204" pitchFamily="49" charset="0"/>
+                          <a:ea typeface="+mn-ea"/>
+                          <a:cs typeface="+mn-cs"/>
+                        </a:rPr>
+                        <a:t>MOVGT</a:t>
+                      </a:r>
+                      <a:r>
+                        <a:rPr kumimoji="0" lang="pt-BR" sz="1600" b="0" i="0" kern="1200" dirty="0">
+                          <a:solidFill>
+                            <a:schemeClr val="tx1"/>
+                          </a:solidFill>
+                          <a:effectLst/>
+                          <a:latin typeface="Consolas" panose="020B0609020204030204" pitchFamily="49" charset="0"/>
+                          <a:ea typeface="+mn-ea"/>
+                          <a:cs typeface="+mn-cs"/>
+                        </a:rPr>
+                        <a:t> r0, #1</a:t>
+                      </a:r>
+                      <a:endParaRPr lang="en-US" sz="1600" dirty="0">
+                        <a:effectLst/>
+                        <a:latin typeface="Consolas" panose="020B0609020204030204" pitchFamily="49" charset="0"/>
+                        <a:ea typeface="宋体"/>
+                        <a:cs typeface="Consolas" panose="020B0609020204030204" pitchFamily="49" charset="0"/>
+                      </a:endParaRPr>
+                    </a:p>
+                  </a:txBody>
+                  <a:tcPr marL="68580" marR="68580" marT="0" marB="0"/>
+                </a:tc>
+                <a:tc>
+                  <a:txBody>
+                    <a:bodyPr/>
+                    <a:lstStyle/>
+                    <a:p>
+                      <a:r>
+                        <a:rPr kumimoji="0" lang="pt-BR" sz="1600" b="0" i="0" kern="1200" dirty="0">
+                          <a:solidFill>
+                            <a:schemeClr val="tx1"/>
+                          </a:solidFill>
+                          <a:effectLst/>
+                          <a:latin typeface="Consolas" panose="020B0609020204030204" pitchFamily="49" charset="0"/>
+                          <a:ea typeface="+mn-ea"/>
+                          <a:cs typeface="+mn-cs"/>
+                        </a:rPr>
+                        <a:t>if (x &lt;= 0)</a:t>
+                      </a:r>
+                    </a:p>
+                    <a:p>
+                      <a:r>
+                        <a:rPr kumimoji="0" lang="en-US" sz="1600" b="0" i="0" kern="1200" dirty="0">
+                          <a:solidFill>
+                            <a:schemeClr val="tx1"/>
+                          </a:solidFill>
+                          <a:effectLst/>
+                          <a:latin typeface="Consolas" panose="020B0609020204030204" pitchFamily="49" charset="0"/>
+                          <a:ea typeface="+mn-ea"/>
+                          <a:cs typeface="+mn-cs"/>
+                        </a:rPr>
+                        <a:t>  </a:t>
+                      </a:r>
+                      <a:r>
+                        <a:rPr kumimoji="0" lang="pt-BR" sz="1600" b="0" i="0" kern="1200" dirty="0">
+                          <a:solidFill>
+                            <a:schemeClr val="tx1"/>
+                          </a:solidFill>
+                          <a:effectLst/>
+                          <a:latin typeface="Consolas" panose="020B0609020204030204" pitchFamily="49" charset="0"/>
+                          <a:ea typeface="+mn-ea"/>
+                          <a:cs typeface="+mn-cs"/>
+                        </a:rPr>
+                        <a:t>x = 0</a:t>
+                      </a:r>
+                      <a:r>
+                        <a:rPr kumimoji="0" lang="en-US" sz="1600" b="0" i="0" kern="1200" dirty="0">
+                          <a:solidFill>
+                            <a:schemeClr val="tx1"/>
+                          </a:solidFill>
+                          <a:effectLst/>
+                          <a:latin typeface="Consolas" panose="020B0609020204030204" pitchFamily="49" charset="0"/>
+                          <a:ea typeface="+mn-ea"/>
+                          <a:cs typeface="+mn-cs"/>
+                        </a:rPr>
+                        <a:t>;</a:t>
+                      </a:r>
+                      <a:endParaRPr kumimoji="0" lang="pt-BR" sz="1600" b="0" i="0" kern="1200" dirty="0">
+                        <a:solidFill>
+                          <a:schemeClr val="tx1"/>
+                        </a:solidFill>
+                        <a:effectLst/>
+                        <a:latin typeface="Consolas" panose="020B0609020204030204" pitchFamily="49" charset="0"/>
+                        <a:ea typeface="+mn-ea"/>
+                        <a:cs typeface="+mn-cs"/>
+                      </a:endParaRPr>
+                    </a:p>
+                    <a:p>
+                      <a:pPr marL="0" marR="0" algn="just">
+                        <a:spcBef>
+                          <a:spcPts val="0"/>
+                        </a:spcBef>
+                        <a:spcAft>
+                          <a:spcPts val="0"/>
+                        </a:spcAft>
+                      </a:pPr>
+                      <a:r>
+                        <a:rPr kumimoji="0" lang="pt-BR" sz="1600" b="0" i="0" kern="1200" dirty="0">
+                          <a:solidFill>
+                            <a:schemeClr val="tx1"/>
+                          </a:solidFill>
+                          <a:effectLst/>
+                          <a:latin typeface="Consolas" panose="020B0609020204030204" pitchFamily="49" charset="0"/>
+                          <a:ea typeface="+mn-ea"/>
+                          <a:cs typeface="+mn-cs"/>
+                        </a:rPr>
+                        <a:t>else </a:t>
+                      </a:r>
+                    </a:p>
+                    <a:p>
+                      <a:pPr marL="0" marR="0" algn="just">
+                        <a:spcBef>
+                          <a:spcPts val="0"/>
+                        </a:spcBef>
+                        <a:spcAft>
+                          <a:spcPts val="0"/>
+                        </a:spcAft>
+                      </a:pPr>
+                      <a:r>
+                        <a:rPr kumimoji="0" lang="pt-BR" sz="1600" b="0" i="0" kern="1200" dirty="0">
+                          <a:solidFill>
+                            <a:schemeClr val="tx1"/>
+                          </a:solidFill>
+                          <a:effectLst/>
+                          <a:latin typeface="Consolas" panose="020B0609020204030204" pitchFamily="49" charset="0"/>
+                          <a:ea typeface="+mn-ea"/>
+                          <a:cs typeface="+mn-cs"/>
+                        </a:rPr>
+                        <a:t>  x = 1</a:t>
+                      </a:r>
+                      <a:r>
+                        <a:rPr kumimoji="0" lang="en-US" sz="1600" b="0" i="0" kern="1200" dirty="0">
+                          <a:solidFill>
+                            <a:schemeClr val="tx1"/>
+                          </a:solidFill>
+                          <a:effectLst/>
+                          <a:latin typeface="Consolas" panose="020B0609020204030204" pitchFamily="49" charset="0"/>
+                          <a:ea typeface="+mn-ea"/>
+                          <a:cs typeface="+mn-cs"/>
+                        </a:rPr>
+                        <a:t>;</a:t>
+                      </a:r>
+                      <a:endParaRPr lang="en-US" sz="1600" i="0" dirty="0">
+                        <a:effectLst/>
+                        <a:latin typeface="Consolas" panose="020B0609020204030204" pitchFamily="49" charset="0"/>
+                        <a:cs typeface="Consolas" panose="020B0609020204030204" pitchFamily="49" charset="0"/>
+                      </a:endParaRPr>
+                    </a:p>
+                  </a:txBody>
+                  <a:tcPr marL="68580" marR="68580" marT="0" marB="0"/>
+                </a:tc>
+                <a:extLst>
+                  <a:ext uri="{0D108BD9-81ED-4DB2-BD59-A6C34878D82A}">
+                    <a16:rowId xmlns:a16="http://schemas.microsoft.com/office/drawing/2014/main" val="10001"/>
+                  </a:ext>
+                </a:extLst>
+              </a:tr>
+            </a:tbl>
+          </a:graphicData>
+        </a:graphic>
+      </p:graphicFrame>
+      <p:graphicFrame>
+        <p:nvGraphicFramePr>
+          <p:cNvPr id="8" name="Table 7">
+            <a:extLst>
+              <a:ext uri="{FF2B5EF4-FFF2-40B4-BE49-F238E27FC236}">
+                <a16:creationId xmlns:a16="http://schemas.microsoft.com/office/drawing/2014/main" id="{D1C02443-040B-0C53-44B2-CAD7E2F6C144}"/>
+              </a:ext>
+            </a:extLst>
+          </p:cNvPr>
+          <p:cNvGraphicFramePr>
+            <a:graphicFrameLocks noGrp="1"/>
+          </p:cNvGraphicFramePr>
+          <p:nvPr>
+            <p:extLst>
+              <p:ext uri="{D42A27DB-BD31-4B8C-83A1-F6EECF244321}">
+                <p14:modId xmlns:p14="http://schemas.microsoft.com/office/powerpoint/2010/main" val="1573416801"/>
+              </p:ext>
+            </p:extLst>
+          </p:nvPr>
+        </p:nvGraphicFramePr>
+        <p:xfrm>
+          <a:off x="751114" y="4822372"/>
+          <a:ext cx="7391400" cy="1017070"/>
+        </p:xfrm>
+        <a:graphic>
+          <a:graphicData uri="http://schemas.openxmlformats.org/drawingml/2006/table">
+            <a:tbl>
+              <a:tblPr firstRow="1" firstCol="1" bandRow="1">
+                <a:tableStyleId>{5940675A-B579-460E-94D1-54222C63F5DA}</a:tableStyleId>
+              </a:tblPr>
+              <a:tblGrid>
+                <a:gridCol w="3951973">
+                  <a:extLst>
+                    <a:ext uri="{9D8B030D-6E8A-4147-A177-3AD203B41FA5}">
+                      <a16:colId xmlns:a16="http://schemas.microsoft.com/office/drawing/2014/main" val="20000"/>
+                    </a:ext>
+                  </a:extLst>
+                </a:gridCol>
+                <a:gridCol w="3439427">
+                  <a:extLst>
+                    <a:ext uri="{9D8B030D-6E8A-4147-A177-3AD203B41FA5}">
+                      <a16:colId xmlns:a16="http://schemas.microsoft.com/office/drawing/2014/main" val="20001"/>
+                    </a:ext>
+                  </a:extLst>
+                </a:gridCol>
+              </a:tblGrid>
+              <a:tr h="217369">
+                <a:tc>
+                  <a:txBody>
+                    <a:bodyPr/>
+                    <a:lstStyle/>
+                    <a:p>
+                      <a:pPr marL="0" marR="0" algn="just">
+                        <a:spcBef>
+                          <a:spcPts val="0"/>
+                        </a:spcBef>
+                        <a:spcAft>
+                          <a:spcPts val="0"/>
+                        </a:spcAft>
+                      </a:pPr>
+                      <a:r>
+                        <a:rPr lang="en-US" sz="1600" dirty="0">
+                          <a:solidFill>
+                            <a:schemeClr val="bg1"/>
+                          </a:solidFill>
+                          <a:effectLst/>
+                          <a:latin typeface="Consolas" panose="020B0609020204030204" pitchFamily="49" charset="0"/>
+                          <a:cs typeface="Consolas" panose="020B0609020204030204" pitchFamily="49" charset="0"/>
+                        </a:rPr>
+                        <a:t>Assembly Program</a:t>
+                      </a:r>
+                      <a:endParaRPr lang="en-US" sz="1600" dirty="0">
+                        <a:solidFill>
+                          <a:schemeClr val="bg1"/>
+                        </a:solidFill>
+                        <a:effectLst/>
+                        <a:latin typeface="Consolas" panose="020B0609020204030204" pitchFamily="49" charset="0"/>
+                        <a:ea typeface="宋体"/>
+                        <a:cs typeface="Consolas" panose="020B0609020204030204" pitchFamily="49" charset="0"/>
+                      </a:endParaRPr>
+                    </a:p>
+                  </a:txBody>
+                  <a:tcPr marL="68580" marR="68580" marT="0" marB="0">
+                    <a:solidFill>
+                      <a:schemeClr val="accent1"/>
+                    </a:solidFill>
+                  </a:tcPr>
+                </a:tc>
+                <a:tc>
+                  <a:txBody>
+                    <a:bodyPr/>
+                    <a:lstStyle/>
+                    <a:p>
+                      <a:pPr marL="0" marR="0" algn="just">
+                        <a:spcBef>
+                          <a:spcPts val="0"/>
+                        </a:spcBef>
+                        <a:spcAft>
+                          <a:spcPts val="0"/>
+                        </a:spcAft>
+                      </a:pPr>
+                      <a:r>
+                        <a:rPr lang="en-US" sz="1600" dirty="0">
+                          <a:solidFill>
+                            <a:schemeClr val="bg1"/>
+                          </a:solidFill>
+                          <a:effectLst/>
+                          <a:latin typeface="Consolas" panose="020B0609020204030204" pitchFamily="49" charset="0"/>
+                          <a:cs typeface="Consolas" panose="020B0609020204030204" pitchFamily="49" charset="0"/>
+                        </a:rPr>
+                        <a:t>C Program</a:t>
+                      </a:r>
+                      <a:endParaRPr lang="en-US" sz="1600" dirty="0">
+                        <a:solidFill>
+                          <a:schemeClr val="bg1"/>
+                        </a:solidFill>
+                        <a:effectLst/>
+                        <a:latin typeface="Consolas" panose="020B0609020204030204" pitchFamily="49" charset="0"/>
+                        <a:ea typeface="宋体"/>
+                        <a:cs typeface="Consolas" panose="020B0609020204030204" pitchFamily="49" charset="0"/>
+                      </a:endParaRPr>
+                    </a:p>
+                  </a:txBody>
+                  <a:tcPr marL="68580" marR="68580" marT="0" marB="0">
+                    <a:solidFill>
+                      <a:schemeClr val="accent1"/>
+                    </a:solidFill>
+                  </a:tcPr>
+                </a:tc>
+                <a:extLst>
+                  <a:ext uri="{0D108BD9-81ED-4DB2-BD59-A6C34878D82A}">
+                    <a16:rowId xmlns:a16="http://schemas.microsoft.com/office/drawing/2014/main" val="10000"/>
+                  </a:ext>
+                </a:extLst>
+              </a:tr>
+              <a:tr h="773230">
+                <a:tc>
+                  <a:txBody>
+                    <a:bodyPr/>
+                    <a:lstStyle/>
+                    <a:p>
+                      <a:r>
+                        <a:rPr kumimoji="0" lang="pt-BR" sz="1600" b="1" i="0" kern="1200" dirty="0">
+                          <a:solidFill>
+                            <a:schemeClr val="tx1"/>
+                          </a:solidFill>
+                          <a:effectLst/>
+                          <a:latin typeface="Consolas" panose="020B0609020204030204" pitchFamily="49" charset="0"/>
+                          <a:ea typeface="+mn-ea"/>
+                          <a:cs typeface="+mn-cs"/>
+                        </a:rPr>
+                        <a:t>CMP</a:t>
+                      </a:r>
+                      <a:r>
+                        <a:rPr kumimoji="0" lang="pt-BR" sz="1600" b="0" i="0" kern="1200" dirty="0">
+                          <a:solidFill>
+                            <a:schemeClr val="tx1"/>
+                          </a:solidFill>
+                          <a:effectLst/>
+                          <a:latin typeface="Consolas" panose="020B0609020204030204" pitchFamily="49" charset="0"/>
+                          <a:ea typeface="+mn-ea"/>
+                          <a:cs typeface="+mn-cs"/>
+                        </a:rPr>
+                        <a:t>   r0, #'A’</a:t>
+                      </a:r>
+                      <a:r>
+                        <a:rPr kumimoji="0" lang="pt-BR" sz="1600" b="0" i="1" kern="1200" dirty="0">
+                          <a:solidFill>
+                            <a:schemeClr val="tx1"/>
+                          </a:solidFill>
+                          <a:effectLst/>
+                          <a:latin typeface="Consolas" panose="020B0609020204030204" pitchFamily="49" charset="0"/>
+                          <a:ea typeface="+mn-ea"/>
+                          <a:cs typeface="+mn-cs"/>
+                        </a:rPr>
+                        <a:t> </a:t>
+                      </a:r>
+                    </a:p>
+                    <a:p>
+                      <a:r>
+                        <a:rPr kumimoji="0" lang="pt-BR" sz="1600" b="1" i="0" kern="1200" dirty="0">
+                          <a:solidFill>
+                            <a:schemeClr val="tx1"/>
+                          </a:solidFill>
+                          <a:effectLst/>
+                          <a:latin typeface="Consolas" panose="020B0609020204030204" pitchFamily="49" charset="0"/>
+                          <a:ea typeface="+mn-ea"/>
+                          <a:cs typeface="+mn-cs"/>
+                        </a:rPr>
+                        <a:t>CMPNE</a:t>
+                      </a:r>
+                      <a:r>
+                        <a:rPr kumimoji="0" lang="pt-BR" sz="1600" b="0" i="0" kern="1200" dirty="0">
+                          <a:solidFill>
+                            <a:schemeClr val="tx1"/>
+                          </a:solidFill>
+                          <a:effectLst/>
+                          <a:latin typeface="Consolas" panose="020B0609020204030204" pitchFamily="49" charset="0"/>
+                          <a:ea typeface="+mn-ea"/>
+                          <a:cs typeface="+mn-cs"/>
+                        </a:rPr>
+                        <a:t> r0, #'</a:t>
+                      </a:r>
+                      <a:r>
+                        <a:rPr kumimoji="0" lang="pt-BR" sz="1600" b="1" i="0" kern="1200" dirty="0">
+                          <a:solidFill>
+                            <a:schemeClr val="tx1"/>
+                          </a:solidFill>
+                          <a:effectLst/>
+                          <a:latin typeface="Consolas" panose="020B0609020204030204" pitchFamily="49" charset="0"/>
+                          <a:ea typeface="+mn-ea"/>
+                          <a:cs typeface="+mn-cs"/>
+                        </a:rPr>
+                        <a:t>B</a:t>
+                      </a:r>
+                      <a:r>
+                        <a:rPr kumimoji="0" lang="pt-BR" sz="1600" b="0" i="0" kern="1200" dirty="0">
+                          <a:solidFill>
+                            <a:schemeClr val="tx1"/>
+                          </a:solidFill>
+                          <a:effectLst/>
+                          <a:latin typeface="Consolas" panose="020B0609020204030204" pitchFamily="49" charset="0"/>
+                          <a:ea typeface="+mn-ea"/>
+                          <a:cs typeface="+mn-cs"/>
+                        </a:rPr>
+                        <a:t>'</a:t>
+                      </a:r>
+                    </a:p>
+                    <a:p>
+                      <a:r>
+                        <a:rPr kumimoji="0" lang="pt-BR" sz="1600" b="1" i="0" kern="1200" dirty="0">
+                          <a:solidFill>
+                            <a:schemeClr val="tx1"/>
+                          </a:solidFill>
+                          <a:effectLst/>
+                          <a:latin typeface="Consolas" panose="020B0609020204030204" pitchFamily="49" charset="0"/>
+                          <a:ea typeface="+mn-ea"/>
+                          <a:cs typeface="+mn-cs"/>
+                        </a:rPr>
+                        <a:t>MOVEQ</a:t>
+                      </a:r>
+                      <a:r>
+                        <a:rPr kumimoji="0" lang="pt-BR" sz="1600" b="0" i="0" kern="1200" dirty="0">
+                          <a:solidFill>
+                            <a:schemeClr val="tx1"/>
+                          </a:solidFill>
+                          <a:effectLst/>
+                          <a:latin typeface="Consolas" panose="020B0609020204030204" pitchFamily="49" charset="0"/>
+                          <a:ea typeface="+mn-ea"/>
+                          <a:cs typeface="+mn-cs"/>
+                        </a:rPr>
+                        <a:t> r1, #1 </a:t>
+                      </a:r>
+                    </a:p>
+                  </a:txBody>
+                  <a:tcPr marL="68580" marR="68580" marT="0" marB="0"/>
+                </a:tc>
+                <a:tc>
+                  <a:txBody>
+                    <a:bodyPr/>
+                    <a:lstStyle/>
+                    <a:p>
+                      <a:r>
+                        <a:rPr kumimoji="0" lang="pt-BR" sz="1600" b="0" i="0" kern="1200" dirty="0">
+                          <a:solidFill>
+                            <a:schemeClr val="tx1"/>
+                          </a:solidFill>
+                          <a:effectLst/>
+                          <a:latin typeface="Consolas" panose="020B0609020204030204" pitchFamily="49" charset="0"/>
+                          <a:ea typeface="+mn-ea"/>
+                          <a:cs typeface="+mn-cs"/>
+                        </a:rPr>
+                        <a:t>if (c == ‘A’ || c == 'B')</a:t>
+                      </a:r>
+                    </a:p>
+                    <a:p>
+                      <a:r>
+                        <a:rPr kumimoji="0" lang="en-US" sz="1600" b="0" i="0" kern="1200" dirty="0">
+                          <a:solidFill>
+                            <a:schemeClr val="tx1"/>
+                          </a:solidFill>
+                          <a:effectLst/>
+                          <a:latin typeface="Consolas" panose="020B0609020204030204" pitchFamily="49" charset="0"/>
+                          <a:ea typeface="+mn-ea"/>
+                          <a:cs typeface="+mn-cs"/>
+                        </a:rPr>
+                        <a:t>  </a:t>
+                      </a:r>
+                      <a:r>
+                        <a:rPr kumimoji="0" lang="pt-BR" sz="1600" b="0" i="0" kern="1200" dirty="0">
+                          <a:solidFill>
+                            <a:schemeClr val="tx1"/>
+                          </a:solidFill>
+                          <a:effectLst/>
+                          <a:latin typeface="Consolas" panose="020B0609020204030204" pitchFamily="49" charset="0"/>
+                          <a:ea typeface="+mn-ea"/>
+                          <a:cs typeface="+mn-cs"/>
+                        </a:rPr>
+                        <a:t>y = 1</a:t>
+                      </a:r>
+                      <a:r>
+                        <a:rPr kumimoji="0" lang="en-US" sz="1600" b="0" i="0" kern="1200" dirty="0">
+                          <a:solidFill>
+                            <a:schemeClr val="tx1"/>
+                          </a:solidFill>
+                          <a:effectLst/>
+                          <a:latin typeface="Consolas" panose="020B0609020204030204" pitchFamily="49" charset="0"/>
+                          <a:ea typeface="+mn-ea"/>
+                          <a:cs typeface="+mn-cs"/>
+                        </a:rPr>
+                        <a:t>;</a:t>
+                      </a:r>
+                      <a:endParaRPr lang="en-US" sz="1600" i="0" dirty="0">
+                        <a:effectLst/>
+                        <a:latin typeface="Consolas" panose="020B0609020204030204" pitchFamily="49" charset="0"/>
+                        <a:cs typeface="Consolas" panose="020B0609020204030204" pitchFamily="49" charset="0"/>
+                      </a:endParaRPr>
+                    </a:p>
+                  </a:txBody>
+                  <a:tcPr marL="68580" marR="68580" marT="0" marB="0"/>
+                </a:tc>
+                <a:extLst>
+                  <a:ext uri="{0D108BD9-81ED-4DB2-BD59-A6C34878D82A}">
+                    <a16:rowId xmlns:a16="http://schemas.microsoft.com/office/drawing/2014/main" val="10001"/>
+                  </a:ext>
+                </a:extLst>
+              </a:tr>
+            </a:tbl>
+          </a:graphicData>
+        </a:graphic>
+      </p:graphicFrame>
+    </p:spTree>
+    <p:extLst>
+      <p:ext uri="{BB962C8B-B14F-4D97-AF65-F5344CB8AC3E}">
+        <p14:creationId xmlns:p14="http://schemas.microsoft.com/office/powerpoint/2010/main" val="152100179"/>
       </p:ext>
     </p:extLst>
   </p:cSld>

--- a/PPTs/Ch6_ARM_Flow_Control_Exercises_ANS.pptx
+++ b/PPTs/Ch6_ARM_Flow_Control_Exercises_ANS.pptx
@@ -5,7 +5,7 @@
     <p:sldMasterId id="2147483660" r:id="rId1"/>
   </p:sldMasterIdLst>
   <p:notesMasterIdLst>
-    <p:notesMasterId r:id="rId13"/>
+    <p:notesMasterId r:id="rId17"/>
   </p:notesMasterIdLst>
   <p:sldIdLst>
     <p:sldId id="256" r:id="rId2"/>
@@ -19,6 +19,10 @@
     <p:sldId id="358" r:id="rId10"/>
     <p:sldId id="359" r:id="rId11"/>
     <p:sldId id="360" r:id="rId12"/>
+    <p:sldId id="361" r:id="rId13"/>
+    <p:sldId id="362" r:id="rId14"/>
+    <p:sldId id="363" r:id="rId15"/>
+    <p:sldId id="364" r:id="rId16"/>
   </p:sldIdLst>
   <p:sldSz cx="9144000" cy="6858000" type="screen4x3"/>
   <p:notesSz cx="6950075" cy="9236075"/>
@@ -139,7 +143,7 @@
 <file path=ppt/revisionInfo.xml><?xml version="1.0" encoding="utf-8"?>
 <p1510:revInfo xmlns:a="http://schemas.openxmlformats.org/drawingml/2006/main" xmlns:r="http://schemas.openxmlformats.org/officeDocument/2006/relationships" xmlns:p1510="http://schemas.microsoft.com/office/powerpoint/2015/10/main">
   <p1510:revLst>
-    <p1510:client id="{C32B227E-31B7-4DEF-A83B-CCC0DBB48D8A}" v="75" dt="2025-09-23T03:03:29.711"/>
+    <p1510:client id="{C32B227E-31B7-4DEF-A83B-CCC0DBB48D8A}" v="89" dt="2025-09-23T17:55:56.207"/>
   </p1510:revLst>
 </p1510:revInfo>
 </file>
@@ -149,7 +153,7 @@
   <pc:docChgLst>
     <pc:chgData name="Zonghua Gu" userId="9a7e1853e1951ef5" providerId="LiveId" clId="{CF1FAA12-072C-4ED5-BA76-0FFFAEFDB88A}"/>
     <pc:docChg chg="undo custSel addSld delSld modSld">
-      <pc:chgData name="Zonghua Gu" userId="9a7e1853e1951ef5" providerId="LiveId" clId="{CF1FAA12-072C-4ED5-BA76-0FFFAEFDB88A}" dt="2025-09-23T03:03:37.708" v="2436" actId="6549"/>
+      <pc:chgData name="Zonghua Gu" userId="9a7e1853e1951ef5" providerId="LiveId" clId="{CF1FAA12-072C-4ED5-BA76-0FFFAEFDB88A}" dt="2025-09-23T17:56:22.992" v="2637" actId="6549"/>
       <pc:docMkLst>
         <pc:docMk/>
       </pc:docMkLst>
@@ -193,7 +197,7 @@
         </pc:spChg>
       </pc:sldChg>
       <pc:sldChg chg="modSp new mod">
-        <pc:chgData name="Zonghua Gu" userId="9a7e1853e1951ef5" providerId="LiveId" clId="{CF1FAA12-072C-4ED5-BA76-0FFFAEFDB88A}" dt="2025-09-18T02:11:12.585" v="1581" actId="20577"/>
+        <pc:chgData name="Zonghua Gu" userId="9a7e1853e1951ef5" providerId="LiveId" clId="{CF1FAA12-072C-4ED5-BA76-0FFFAEFDB88A}" dt="2025-09-23T17:46:43.945" v="2575"/>
         <pc:sldMkLst>
           <pc:docMk/>
           <pc:sldMk cId="407878083" sldId="257"/>
@@ -207,7 +211,7 @@
           </ac:spMkLst>
         </pc:spChg>
         <pc:spChg chg="mod">
-          <ac:chgData name="Zonghua Gu" userId="9a7e1853e1951ef5" providerId="LiveId" clId="{CF1FAA12-072C-4ED5-BA76-0FFFAEFDB88A}" dt="2025-09-18T02:11:12.585" v="1581" actId="20577"/>
+          <ac:chgData name="Zonghua Gu" userId="9a7e1853e1951ef5" providerId="LiveId" clId="{CF1FAA12-072C-4ED5-BA76-0FFFAEFDB88A}" dt="2025-09-23T17:46:43.945" v="2575"/>
           <ac:spMkLst>
             <pc:docMk/>
             <pc:sldMk cId="407878083" sldId="257"/>
@@ -495,8 +499,8 @@
           <pc:sldMk cId="1558414871" sldId="351"/>
         </pc:sldMkLst>
       </pc:sldChg>
-      <pc:sldChg chg="modSp add mod modNotesTx">
-        <pc:chgData name="Zonghua Gu" userId="9a7e1853e1951ef5" providerId="LiveId" clId="{CF1FAA12-072C-4ED5-BA76-0FFFAEFDB88A}" dt="2025-09-18T01:50:23.848" v="1320" actId="20577"/>
+      <pc:sldChg chg="modSp add mod modNotes modNotesTx">
+        <pc:chgData name="Zonghua Gu" userId="9a7e1853e1951ef5" providerId="LiveId" clId="{CF1FAA12-072C-4ED5-BA76-0FFFAEFDB88A}" dt="2025-09-23T17:46:43.945" v="2575"/>
         <pc:sldMkLst>
           <pc:docMk/>
           <pc:sldMk cId="544675658" sldId="352"/>
@@ -510,7 +514,7 @@
           </ac:spMkLst>
         </pc:spChg>
         <pc:spChg chg="mod">
-          <ac:chgData name="Zonghua Gu" userId="9a7e1853e1951ef5" providerId="LiveId" clId="{CF1FAA12-072C-4ED5-BA76-0FFFAEFDB88A}" dt="2025-09-18T01:47:59.120" v="1316" actId="20577"/>
+          <ac:chgData name="Zonghua Gu" userId="9a7e1853e1951ef5" providerId="LiveId" clId="{CF1FAA12-072C-4ED5-BA76-0FFFAEFDB88A}" dt="2025-09-23T17:46:43.945" v="2575"/>
           <ac:spMkLst>
             <pc:docMk/>
             <pc:sldMk cId="544675658" sldId="352"/>
@@ -525,8 +529,8 @@
           <pc:sldMk cId="2171254142" sldId="352"/>
         </pc:sldMkLst>
       </pc:sldChg>
-      <pc:sldChg chg="modSp add mod">
-        <pc:chgData name="Zonghua Gu" userId="9a7e1853e1951ef5" providerId="LiveId" clId="{CF1FAA12-072C-4ED5-BA76-0FFFAEFDB88A}" dt="2025-09-18T01:50:30.160" v="1323" actId="20577"/>
+      <pc:sldChg chg="modSp add mod modNotes">
+        <pc:chgData name="Zonghua Gu" userId="9a7e1853e1951ef5" providerId="LiveId" clId="{CF1FAA12-072C-4ED5-BA76-0FFFAEFDB88A}" dt="2025-09-23T17:46:43.945" v="2575"/>
         <pc:sldMkLst>
           <pc:docMk/>
           <pc:sldMk cId="188395404" sldId="353"/>
@@ -539,6 +543,14 @@
             <ac:spMk id="2" creationId="{8F445031-374F-3949-2E75-E92EE2E13893}"/>
           </ac:spMkLst>
         </pc:spChg>
+        <pc:spChg chg="mod">
+          <ac:chgData name="Zonghua Gu" userId="9a7e1853e1951ef5" providerId="LiveId" clId="{CF1FAA12-072C-4ED5-BA76-0FFFAEFDB88A}" dt="2025-09-23T17:46:43.945" v="2575"/>
+          <ac:spMkLst>
+            <pc:docMk/>
+            <pc:sldMk cId="188395404" sldId="353"/>
+            <ac:spMk id="4" creationId="{B4C3D2E6-2CBC-36E7-D723-501E1827F828}"/>
+          </ac:spMkLst>
+        </pc:spChg>
       </pc:sldChg>
       <pc:sldChg chg="del">
         <pc:chgData name="Zonghua Gu" userId="9a7e1853e1951ef5" providerId="LiveId" clId="{CF1FAA12-072C-4ED5-BA76-0FFFAEFDB88A}" dt="2025-09-18T01:38:44.397" v="1241" actId="47"/>
@@ -548,7 +560,7 @@
         </pc:sldMkLst>
       </pc:sldChg>
       <pc:sldChg chg="modSp new mod">
-        <pc:chgData name="Zonghua Gu" userId="9a7e1853e1951ef5" providerId="LiveId" clId="{CF1FAA12-072C-4ED5-BA76-0FFFAEFDB88A}" dt="2025-09-18T01:53:20.361" v="1425"/>
+        <pc:chgData name="Zonghua Gu" userId="9a7e1853e1951ef5" providerId="LiveId" clId="{CF1FAA12-072C-4ED5-BA76-0FFFAEFDB88A}" dt="2025-09-23T17:46:43.945" v="2575"/>
         <pc:sldMkLst>
           <pc:docMk/>
           <pc:sldMk cId="1116486319" sldId="354"/>
@@ -562,7 +574,7 @@
           </ac:spMkLst>
         </pc:spChg>
         <pc:spChg chg="mod">
-          <ac:chgData name="Zonghua Gu" userId="9a7e1853e1951ef5" providerId="LiveId" clId="{CF1FAA12-072C-4ED5-BA76-0FFFAEFDB88A}" dt="2025-09-18T01:53:20.361" v="1425"/>
+          <ac:chgData name="Zonghua Gu" userId="9a7e1853e1951ef5" providerId="LiveId" clId="{CF1FAA12-072C-4ED5-BA76-0FFFAEFDB88A}" dt="2025-09-23T17:46:43.945" v="2575"/>
           <ac:spMkLst>
             <pc:docMk/>
             <pc:sldMk cId="1116486319" sldId="354"/>
@@ -585,7 +597,7 @@
         </pc:sldMkLst>
       </pc:sldChg>
       <pc:sldChg chg="modSp add mod">
-        <pc:chgData name="Zonghua Gu" userId="9a7e1853e1951ef5" providerId="LiveId" clId="{CF1FAA12-072C-4ED5-BA76-0FFFAEFDB88A}" dt="2025-09-18T01:55:04.685" v="1477" actId="20577"/>
+        <pc:chgData name="Zonghua Gu" userId="9a7e1853e1951ef5" providerId="LiveId" clId="{CF1FAA12-072C-4ED5-BA76-0FFFAEFDB88A}" dt="2025-09-23T17:46:43.945" v="2575"/>
         <pc:sldMkLst>
           <pc:docMk/>
           <pc:sldMk cId="3013293955" sldId="355"/>
@@ -599,7 +611,7 @@
           </ac:spMkLst>
         </pc:spChg>
         <pc:spChg chg="mod">
-          <ac:chgData name="Zonghua Gu" userId="9a7e1853e1951ef5" providerId="LiveId" clId="{CF1FAA12-072C-4ED5-BA76-0FFFAEFDB88A}" dt="2025-09-18T01:55:04.685" v="1477" actId="20577"/>
+          <ac:chgData name="Zonghua Gu" userId="9a7e1853e1951ef5" providerId="LiveId" clId="{CF1FAA12-072C-4ED5-BA76-0FFFAEFDB88A}" dt="2025-09-23T17:46:43.945" v="2575"/>
           <ac:spMkLst>
             <pc:docMk/>
             <pc:sldMk cId="3013293955" sldId="355"/>
@@ -608,7 +620,7 @@
         </pc:spChg>
       </pc:sldChg>
       <pc:sldChg chg="modSp new mod">
-        <pc:chgData name="Zonghua Gu" userId="9a7e1853e1951ef5" providerId="LiveId" clId="{CF1FAA12-072C-4ED5-BA76-0FFFAEFDB88A}" dt="2025-09-18T02:12:26.755" v="1610" actId="14100"/>
+        <pc:chgData name="Zonghua Gu" userId="9a7e1853e1951ef5" providerId="LiveId" clId="{CF1FAA12-072C-4ED5-BA76-0FFFAEFDB88A}" dt="2025-09-23T17:46:43.945" v="2575"/>
         <pc:sldMkLst>
           <pc:docMk/>
           <pc:sldMk cId="2876358127" sldId="356"/>
@@ -622,7 +634,7 @@
           </ac:spMkLst>
         </pc:spChg>
         <pc:spChg chg="mod">
-          <ac:chgData name="Zonghua Gu" userId="9a7e1853e1951ef5" providerId="LiveId" clId="{CF1FAA12-072C-4ED5-BA76-0FFFAEFDB88A}" dt="2025-09-18T02:12:26.755" v="1610" actId="14100"/>
+          <ac:chgData name="Zonghua Gu" userId="9a7e1853e1951ef5" providerId="LiveId" clId="{CF1FAA12-072C-4ED5-BA76-0FFFAEFDB88A}" dt="2025-09-23T17:46:43.945" v="2575"/>
           <ac:spMkLst>
             <pc:docMk/>
             <pc:sldMk cId="2876358127" sldId="356"/>
@@ -638,7 +650,7 @@
         </pc:sldMkLst>
       </pc:sldChg>
       <pc:sldChg chg="addSp modSp new mod">
-        <pc:chgData name="Zonghua Gu" userId="9a7e1853e1951ef5" providerId="LiveId" clId="{CF1FAA12-072C-4ED5-BA76-0FFFAEFDB88A}" dt="2025-09-23T03:03:01.341" v="2423" actId="20577"/>
+        <pc:chgData name="Zonghua Gu" userId="9a7e1853e1951ef5" providerId="LiveId" clId="{CF1FAA12-072C-4ED5-BA76-0FFFAEFDB88A}" dt="2025-09-23T17:46:43.945" v="2575"/>
         <pc:sldMkLst>
           <pc:docMk/>
           <pc:sldMk cId="2809835501" sldId="357"/>
@@ -652,7 +664,7 @@
           </ac:spMkLst>
         </pc:spChg>
         <pc:spChg chg="mod">
-          <ac:chgData name="Zonghua Gu" userId="9a7e1853e1951ef5" providerId="LiveId" clId="{CF1FAA12-072C-4ED5-BA76-0FFFAEFDB88A}" dt="2025-09-23T03:00:08.651" v="2269" actId="5793"/>
+          <ac:chgData name="Zonghua Gu" userId="9a7e1853e1951ef5" providerId="LiveId" clId="{CF1FAA12-072C-4ED5-BA76-0FFFAEFDB88A}" dt="2025-09-23T17:46:43.945" v="2575"/>
           <ac:spMkLst>
             <pc:docMk/>
             <pc:sldMk cId="2809835501" sldId="357"/>
@@ -668,7 +680,7 @@
           </ac:graphicFrameMkLst>
         </pc:graphicFrameChg>
         <pc:graphicFrameChg chg="add mod modGraphic">
-          <ac:chgData name="Zonghua Gu" userId="9a7e1853e1951ef5" providerId="LiveId" clId="{CF1FAA12-072C-4ED5-BA76-0FFFAEFDB88A}" dt="2025-09-23T03:02:37.484" v="2414" actId="20577"/>
+          <ac:chgData name="Zonghua Gu" userId="9a7e1853e1951ef5" providerId="LiveId" clId="{CF1FAA12-072C-4ED5-BA76-0FFFAEFDB88A}" dt="2025-09-23T17:46:43.945" v="2575"/>
           <ac:graphicFrameMkLst>
             <pc:docMk/>
             <pc:sldMk cId="2809835501" sldId="357"/>
@@ -676,7 +688,7 @@
           </ac:graphicFrameMkLst>
         </pc:graphicFrameChg>
         <pc:graphicFrameChg chg="add mod modGraphic">
-          <ac:chgData name="Zonghua Gu" userId="9a7e1853e1951ef5" providerId="LiveId" clId="{CF1FAA12-072C-4ED5-BA76-0FFFAEFDB88A}" dt="2025-09-23T03:02:40.051" v="2416" actId="20577"/>
+          <ac:chgData name="Zonghua Gu" userId="9a7e1853e1951ef5" providerId="LiveId" clId="{CF1FAA12-072C-4ED5-BA76-0FFFAEFDB88A}" dt="2025-09-23T17:46:43.945" v="2575"/>
           <ac:graphicFrameMkLst>
             <pc:docMk/>
             <pc:sldMk cId="2809835501" sldId="357"/>
@@ -684,7 +696,7 @@
           </ac:graphicFrameMkLst>
         </pc:graphicFrameChg>
         <pc:graphicFrameChg chg="add mod modGraphic">
-          <ac:chgData name="Zonghua Gu" userId="9a7e1853e1951ef5" providerId="LiveId" clId="{CF1FAA12-072C-4ED5-BA76-0FFFAEFDB88A}" dt="2025-09-23T03:03:01.341" v="2423" actId="20577"/>
+          <ac:chgData name="Zonghua Gu" userId="9a7e1853e1951ef5" providerId="LiveId" clId="{CF1FAA12-072C-4ED5-BA76-0FFFAEFDB88A}" dt="2025-09-23T17:46:43.945" v="2575"/>
           <ac:graphicFrameMkLst>
             <pc:docMk/>
             <pc:sldMk cId="2809835501" sldId="357"/>
@@ -693,13 +705,21 @@
         </pc:graphicFrameChg>
       </pc:sldChg>
       <pc:sldChg chg="modSp add mod">
-        <pc:chgData name="Zonghua Gu" userId="9a7e1853e1951ef5" providerId="LiveId" clId="{CF1FAA12-072C-4ED5-BA76-0FFFAEFDB88A}" dt="2025-09-23T03:03:21.536" v="2431"/>
+        <pc:chgData name="Zonghua Gu" userId="9a7e1853e1951ef5" providerId="LiveId" clId="{CF1FAA12-072C-4ED5-BA76-0FFFAEFDB88A}" dt="2025-09-23T17:46:43.945" v="2575"/>
         <pc:sldMkLst>
           <pc:docMk/>
           <pc:sldMk cId="152100179" sldId="358"/>
         </pc:sldMkLst>
+        <pc:spChg chg="mod">
+          <ac:chgData name="Zonghua Gu" userId="9a7e1853e1951ef5" providerId="LiveId" clId="{CF1FAA12-072C-4ED5-BA76-0FFFAEFDB88A}" dt="2025-09-23T17:46:43.945" v="2575"/>
+          <ac:spMkLst>
+            <pc:docMk/>
+            <pc:sldMk cId="152100179" sldId="358"/>
+            <ac:spMk id="4" creationId="{DAB1A9E9-5521-A49F-71D6-A319ADEF622C}"/>
+          </ac:spMkLst>
+        </pc:spChg>
         <pc:graphicFrameChg chg="mod">
-          <ac:chgData name="Zonghua Gu" userId="9a7e1853e1951ef5" providerId="LiveId" clId="{CF1FAA12-072C-4ED5-BA76-0FFFAEFDB88A}" dt="2025-09-23T03:03:18.554" v="2429"/>
+          <ac:chgData name="Zonghua Gu" userId="9a7e1853e1951ef5" providerId="LiveId" clId="{CF1FAA12-072C-4ED5-BA76-0FFFAEFDB88A}" dt="2025-09-23T17:46:43.945" v="2575"/>
           <ac:graphicFrameMkLst>
             <pc:docMk/>
             <pc:sldMk cId="152100179" sldId="358"/>
@@ -707,7 +727,7 @@
           </ac:graphicFrameMkLst>
         </pc:graphicFrameChg>
         <pc:graphicFrameChg chg="mod modGraphic">
-          <ac:chgData name="Zonghua Gu" userId="9a7e1853e1951ef5" providerId="LiveId" clId="{CF1FAA12-072C-4ED5-BA76-0FFFAEFDB88A}" dt="2025-09-23T03:03:20.218" v="2430"/>
+          <ac:chgData name="Zonghua Gu" userId="9a7e1853e1951ef5" providerId="LiveId" clId="{CF1FAA12-072C-4ED5-BA76-0FFFAEFDB88A}" dt="2025-09-23T17:46:43.945" v="2575"/>
           <ac:graphicFrameMkLst>
             <pc:docMk/>
             <pc:sldMk cId="152100179" sldId="358"/>
@@ -715,7 +735,7 @@
           </ac:graphicFrameMkLst>
         </pc:graphicFrameChg>
         <pc:graphicFrameChg chg="mod">
-          <ac:chgData name="Zonghua Gu" userId="9a7e1853e1951ef5" providerId="LiveId" clId="{CF1FAA12-072C-4ED5-BA76-0FFFAEFDB88A}" dt="2025-09-23T03:03:21.536" v="2431"/>
+          <ac:chgData name="Zonghua Gu" userId="9a7e1853e1951ef5" providerId="LiveId" clId="{CF1FAA12-072C-4ED5-BA76-0FFFAEFDB88A}" dt="2025-09-23T17:46:43.945" v="2575"/>
           <ac:graphicFrameMkLst>
             <pc:docMk/>
             <pc:sldMk cId="152100179" sldId="358"/>
@@ -724,7 +744,7 @@
         </pc:graphicFrameChg>
       </pc:sldChg>
       <pc:sldChg chg="delSp modSp add mod">
-        <pc:chgData name="Zonghua Gu" userId="9a7e1853e1951ef5" providerId="LiveId" clId="{CF1FAA12-072C-4ED5-BA76-0FFFAEFDB88A}" dt="2025-09-23T03:03:37.708" v="2436" actId="6549"/>
+        <pc:chgData name="Zonghua Gu" userId="9a7e1853e1951ef5" providerId="LiveId" clId="{CF1FAA12-072C-4ED5-BA76-0FFFAEFDB88A}" dt="2025-09-23T17:46:43.945" v="2575"/>
         <pc:sldMkLst>
           <pc:docMk/>
           <pc:sldMk cId="3161200706" sldId="359"/>
@@ -746,7 +766,7 @@
           </ac:spMkLst>
         </pc:spChg>
         <pc:graphicFrameChg chg="mod modGraphic">
-          <ac:chgData name="Zonghua Gu" userId="9a7e1853e1951ef5" providerId="LiveId" clId="{CF1FAA12-072C-4ED5-BA76-0FFFAEFDB88A}" dt="2025-09-23T03:03:37.708" v="2436" actId="6549"/>
+          <ac:chgData name="Zonghua Gu" userId="9a7e1853e1951ef5" providerId="LiveId" clId="{CF1FAA12-072C-4ED5-BA76-0FFFAEFDB88A}" dt="2025-09-23T17:46:43.945" v="2575"/>
           <ac:graphicFrameMkLst>
             <pc:docMk/>
             <pc:sldMk cId="3161200706" sldId="359"/>
@@ -770,11 +790,103 @@
           </ac:graphicFrameMkLst>
         </pc:graphicFrameChg>
       </pc:sldChg>
-      <pc:sldChg chg="add">
-        <pc:chgData name="Zonghua Gu" userId="9a7e1853e1951ef5" providerId="LiveId" clId="{CF1FAA12-072C-4ED5-BA76-0FFFAEFDB88A}" dt="2025-09-23T03:03:29.705" v="2432"/>
+      <pc:sldChg chg="modSp add">
+        <pc:chgData name="Zonghua Gu" userId="9a7e1853e1951ef5" providerId="LiveId" clId="{CF1FAA12-072C-4ED5-BA76-0FFFAEFDB88A}" dt="2025-09-23T17:46:43.945" v="2575"/>
         <pc:sldMkLst>
           <pc:docMk/>
           <pc:sldMk cId="1632579407" sldId="360"/>
+        </pc:sldMkLst>
+        <pc:graphicFrameChg chg="mod">
+          <ac:chgData name="Zonghua Gu" userId="9a7e1853e1951ef5" providerId="LiveId" clId="{CF1FAA12-072C-4ED5-BA76-0FFFAEFDB88A}" dt="2025-09-23T17:46:43.945" v="2575"/>
+          <ac:graphicFrameMkLst>
+            <pc:docMk/>
+            <pc:sldMk cId="1632579407" sldId="360"/>
+            <ac:graphicFrameMk id="6" creationId="{03832AA0-E233-FF6A-1E2F-808AF36F42FB}"/>
+          </ac:graphicFrameMkLst>
+        </pc:graphicFrameChg>
+      </pc:sldChg>
+      <pc:sldChg chg="addSp modSp new mod">
+        <pc:chgData name="Zonghua Gu" userId="9a7e1853e1951ef5" providerId="LiveId" clId="{CF1FAA12-072C-4ED5-BA76-0FFFAEFDB88A}" dt="2025-09-23T17:46:52.788" v="2576"/>
+        <pc:sldMkLst>
+          <pc:docMk/>
+          <pc:sldMk cId="244455839" sldId="361"/>
+        </pc:sldMkLst>
+        <pc:spChg chg="mod">
+          <ac:chgData name="Zonghua Gu" userId="9a7e1853e1951ef5" providerId="LiveId" clId="{CF1FAA12-072C-4ED5-BA76-0FFFAEFDB88A}" dt="2025-09-23T17:45:40.256" v="2568" actId="20577"/>
+          <ac:spMkLst>
+            <pc:docMk/>
+            <pc:sldMk cId="244455839" sldId="361"/>
+            <ac:spMk id="2" creationId="{EF163992-2E9D-0FA5-BCCF-C587DE003427}"/>
+          </ac:spMkLst>
+        </pc:spChg>
+        <pc:spChg chg="mod">
+          <ac:chgData name="Zonghua Gu" userId="9a7e1853e1951ef5" providerId="LiveId" clId="{CF1FAA12-072C-4ED5-BA76-0FFFAEFDB88A}" dt="2025-09-23T17:42:31.992" v="2515" actId="14100"/>
+          <ac:spMkLst>
+            <pc:docMk/>
+            <pc:sldMk cId="244455839" sldId="361"/>
+            <ac:spMk id="4" creationId="{D0B04EC6-DE14-0E80-5C57-8972B043856F}"/>
+          </ac:spMkLst>
+        </pc:spChg>
+        <pc:graphicFrameChg chg="add mod modGraphic">
+          <ac:chgData name="Zonghua Gu" userId="9a7e1853e1951ef5" providerId="LiveId" clId="{CF1FAA12-072C-4ED5-BA76-0FFFAEFDB88A}" dt="2025-09-23T17:46:52.788" v="2576"/>
+          <ac:graphicFrameMkLst>
+            <pc:docMk/>
+            <pc:sldMk cId="244455839" sldId="361"/>
+            <ac:graphicFrameMk id="5" creationId="{E9861495-0CBB-23AF-BD88-8C94E413DCFA}"/>
+          </ac:graphicFrameMkLst>
+        </pc:graphicFrameChg>
+      </pc:sldChg>
+      <pc:sldChg chg="modSp add mod">
+        <pc:chgData name="Zonghua Gu" userId="9a7e1853e1951ef5" providerId="LiveId" clId="{CF1FAA12-072C-4ED5-BA76-0FFFAEFDB88A}" dt="2025-09-23T17:47:05.387" v="2580" actId="20577"/>
+        <pc:sldMkLst>
+          <pc:docMk/>
+          <pc:sldMk cId="1907292877" sldId="362"/>
+        </pc:sldMkLst>
+        <pc:graphicFrameChg chg="mod modGraphic">
+          <ac:chgData name="Zonghua Gu" userId="9a7e1853e1951ef5" providerId="LiveId" clId="{CF1FAA12-072C-4ED5-BA76-0FFFAEFDB88A}" dt="2025-09-23T17:47:05.387" v="2580" actId="20577"/>
+          <ac:graphicFrameMkLst>
+            <pc:docMk/>
+            <pc:sldMk cId="1907292877" sldId="362"/>
+            <ac:graphicFrameMk id="5" creationId="{CE0A734A-5388-0D64-9AF4-4B261562DC3B}"/>
+          </ac:graphicFrameMkLst>
+        </pc:graphicFrameChg>
+      </pc:sldChg>
+      <pc:sldChg chg="modSp add mod">
+        <pc:chgData name="Zonghua Gu" userId="9a7e1853e1951ef5" providerId="LiveId" clId="{CF1FAA12-072C-4ED5-BA76-0FFFAEFDB88A}" dt="2025-09-23T17:56:22.992" v="2637" actId="6549"/>
+        <pc:sldMkLst>
+          <pc:docMk/>
+          <pc:sldMk cId="796807376" sldId="363"/>
+        </pc:sldMkLst>
+        <pc:spChg chg="mod">
+          <ac:chgData name="Zonghua Gu" userId="9a7e1853e1951ef5" providerId="LiveId" clId="{CF1FAA12-072C-4ED5-BA76-0FFFAEFDB88A}" dt="2025-09-23T17:56:00.078" v="2629" actId="20577"/>
+          <ac:spMkLst>
+            <pc:docMk/>
+            <pc:sldMk cId="796807376" sldId="363"/>
+            <ac:spMk id="2" creationId="{34675490-947F-5AFD-6FE0-9CAFDE4D0FA3}"/>
+          </ac:spMkLst>
+        </pc:spChg>
+        <pc:spChg chg="mod">
+          <ac:chgData name="Zonghua Gu" userId="9a7e1853e1951ef5" providerId="LiveId" clId="{CF1FAA12-072C-4ED5-BA76-0FFFAEFDB88A}" dt="2025-09-23T17:54:26.444" v="2627" actId="20577"/>
+          <ac:spMkLst>
+            <pc:docMk/>
+            <pc:sldMk cId="796807376" sldId="363"/>
+            <ac:spMk id="4" creationId="{341D3EA2-DC46-3341-8CF9-CFCEF1A12B97}"/>
+          </ac:spMkLst>
+        </pc:spChg>
+        <pc:graphicFrameChg chg="mod modGraphic">
+          <ac:chgData name="Zonghua Gu" userId="9a7e1853e1951ef5" providerId="LiveId" clId="{CF1FAA12-072C-4ED5-BA76-0FFFAEFDB88A}" dt="2025-09-23T17:56:22.992" v="2637" actId="6549"/>
+          <ac:graphicFrameMkLst>
+            <pc:docMk/>
+            <pc:sldMk cId="796807376" sldId="363"/>
+            <ac:graphicFrameMk id="5" creationId="{F287FE73-3E90-5E25-A781-0E2805872713}"/>
+          </ac:graphicFrameMkLst>
+        </pc:graphicFrameChg>
+      </pc:sldChg>
+      <pc:sldChg chg="add">
+        <pc:chgData name="Zonghua Gu" userId="9a7e1853e1951ef5" providerId="LiveId" clId="{CF1FAA12-072C-4ED5-BA76-0FFFAEFDB88A}" dt="2025-09-23T17:55:56.207" v="2628"/>
+        <pc:sldMkLst>
+          <pc:docMk/>
+          <pc:sldMk cId="2698422353" sldId="364"/>
         </pc:sldMkLst>
       </pc:sldChg>
       <pc:sldMasterChg chg="delSldLayout">
@@ -880,7 +992,7 @@
             <a:fld id="{2AEAFE1F-9E52-45C8-9793-E819F0044A1C}" type="datetimeFigureOut">
               <a:rPr lang="en-US" smtClean="0"/>
               <a:pPr/>
-              <a:t>9/22/2025</a:t>
+              <a:t>9/23/2025</a:t>
             </a:fld>
             <a:endParaRPr lang="en-US"/>
           </a:p>
@@ -1641,7 +1753,7 @@
             <a:fld id="{2E26774B-6488-4259-9342-6CBDB2BFD4E4}" type="datetime1">
               <a:rPr lang="en-US" smtClean="0"/>
               <a:pPr eaLnBrk="1" latinLnBrk="0" hangingPunct="1"/>
-              <a:t>9/22/2025</a:t>
+              <a:t>9/23/2025</a:t>
             </a:fld>
             <a:endParaRPr lang="en-US" sz="1600" dirty="0"/>
           </a:p>
@@ -2002,7 +2114,7 @@
             <a:fld id="{9B2E7711-0BE3-4AFC-959B-CB5C31A7AE48}" type="datetime1">
               <a:rPr lang="en-US" smtClean="0"/>
               <a:pPr eaLnBrk="1" latinLnBrk="0" hangingPunct="1"/>
-              <a:t>9/22/2025</a:t>
+              <a:t>9/23/2025</a:t>
             </a:fld>
             <a:endParaRPr lang="en-US"/>
           </a:p>
@@ -2179,7 +2291,7 @@
             <a:fld id="{825AAB62-A572-4E37-B772-B4A75ADE0B18}" type="datetime1">
               <a:rPr lang="en-US" smtClean="0"/>
               <a:pPr eaLnBrk="1" latinLnBrk="0" hangingPunct="1"/>
-              <a:t>9/22/2025</a:t>
+              <a:t>9/23/2025</a:t>
             </a:fld>
             <a:endParaRPr lang="en-US"/>
           </a:p>
@@ -2416,7 +2528,7 @@
             <a:fld id="{B0F52420-10F8-488E-969A-A9BE388BE9C4}" type="datetime1">
               <a:rPr lang="en-US" smtClean="0"/>
               <a:pPr eaLnBrk="1" latinLnBrk="0" hangingPunct="1"/>
-              <a:t>9/22/2025</a:t>
+              <a:t>9/23/2025</a:t>
             </a:fld>
             <a:endParaRPr lang="en-US" dirty="0"/>
           </a:p>
@@ -2687,7 +2799,7 @@
             <a:fld id="{96E96F24-58CF-47DA-907C-A9CD6353E425}" type="datetime1">
               <a:rPr lang="en-US" smtClean="0"/>
               <a:pPr eaLnBrk="1" latinLnBrk="0" hangingPunct="1"/>
-              <a:t>9/22/2025</a:t>
+              <a:t>9/23/2025</a:t>
             </a:fld>
             <a:endParaRPr lang="en-US" dirty="0"/>
           </a:p>
@@ -2909,7 +3021,7 @@
             <a:fld id="{53AE4463-726A-4A35-9F46-98893432A3F9}" type="datetime1">
               <a:rPr lang="en-US" smtClean="0"/>
               <a:pPr eaLnBrk="1" latinLnBrk="0" hangingPunct="1"/>
-              <a:t>9/22/2025</a:t>
+              <a:t>9/23/2025</a:t>
             </a:fld>
             <a:endParaRPr lang="en-US"/>
           </a:p>
@@ -3263,7 +3375,7 @@
             <a:fld id="{FDF404D0-E306-4E90-90E3-E44D26246FFC}" type="datetime1">
               <a:rPr lang="en-US" smtClean="0"/>
               <a:pPr eaLnBrk="1" latinLnBrk="0" hangingPunct="1"/>
-              <a:t>9/22/2025</a:t>
+              <a:t>9/23/2025</a:t>
             </a:fld>
             <a:endParaRPr lang="en-US"/>
           </a:p>
@@ -3497,7 +3609,7 @@
             <a:fld id="{1485DA14-76F0-4D93-83FB-7878C79A1986}" type="datetime1">
               <a:rPr lang="en-US" smtClean="0"/>
               <a:pPr eaLnBrk="1" latinLnBrk="0" hangingPunct="1"/>
-              <a:t>9/22/2025</a:t>
+              <a:t>9/23/2025</a:t>
             </a:fld>
             <a:endParaRPr lang="en-US"/>
           </a:p>
@@ -3640,7 +3752,7 @@
             <a:fld id="{A15E552D-49E1-496B-B79C-E100986B8B5F}" type="datetime1">
               <a:rPr lang="en-US" smtClean="0"/>
               <a:pPr eaLnBrk="1" latinLnBrk="0" hangingPunct="1"/>
-              <a:t>9/22/2025</a:t>
+              <a:t>9/23/2025</a:t>
             </a:fld>
             <a:endParaRPr lang="en-US"/>
           </a:p>
@@ -3919,7 +4031,7 @@
             <a:fld id="{CEC72505-1551-4A98-97CD-F520B07184AD}" type="datetime1">
               <a:rPr lang="en-US" smtClean="0"/>
               <a:pPr eaLnBrk="1" latinLnBrk="0" hangingPunct="1"/>
-              <a:t>9/22/2025</a:t>
+              <a:t>9/23/2025</a:t>
             </a:fld>
             <a:endParaRPr lang="en-US"/>
           </a:p>
@@ -4327,7 +4439,7 @@
             <a:fld id="{7218F47B-BA16-4F20-B5BA-73F598D94B51}" type="datetime1">
               <a:rPr lang="en-US" smtClean="0"/>
               <a:pPr eaLnBrk="1" latinLnBrk="0" hangingPunct="1"/>
-              <a:t>9/22/2025</a:t>
+              <a:t>9/23/2025</a:t>
             </a:fld>
             <a:endParaRPr lang="en-US"/>
           </a:p>
@@ -4666,7 +4778,7 @@
             <a:fld id="{4F3CB514-9CA6-4E48-9463-A430D31CFDE3}" type="datetime1">
               <a:rPr lang="en-US" smtClean="0"/>
               <a:pPr eaLnBrk="1" latinLnBrk="0" hangingPunct="1"/>
-              <a:t>9/22/2025</a:t>
+              <a:t>9/23/2025</a:t>
             </a:fld>
             <a:endParaRPr lang="en-US" sz="1400" dirty="0">
               <a:solidFill>
@@ -6416,6 +6528,2255 @@
 </p:sld>
 </file>
 
+<file path=ppt/slides/slide12.xml><?xml version="1.0" encoding="utf-8"?>
+<p:sld xmlns:a="http://schemas.openxmlformats.org/drawingml/2006/main" xmlns:r="http://schemas.openxmlformats.org/officeDocument/2006/relationships" xmlns:p="http://schemas.openxmlformats.org/presentationml/2006/main">
+  <p:cSld>
+    <p:spTree>
+      <p:nvGrpSpPr>
+        <p:cNvPr id="1" name=""/>
+        <p:cNvGrpSpPr/>
+        <p:nvPr/>
+      </p:nvGrpSpPr>
+      <p:grpSpPr>
+        <a:xfrm>
+          <a:off x="0" y="0"/>
+          <a:ext cx="0" cy="0"/>
+          <a:chOff x="0" y="0"/>
+          <a:chExt cx="0" cy="0"/>
+        </a:xfrm>
+      </p:grpSpPr>
+      <p:sp>
+        <p:nvSpPr>
+          <p:cNvPr id="2" name="Title 1">
+            <a:extLst>
+              <a:ext uri="{FF2B5EF4-FFF2-40B4-BE49-F238E27FC236}">
+                <a16:creationId xmlns:a16="http://schemas.microsoft.com/office/drawing/2014/main" id="{EF163992-2E9D-0FA5-BCCF-C587DE003427}"/>
+              </a:ext>
+            </a:extLst>
+          </p:cNvPr>
+          <p:cNvSpPr>
+            <a:spLocks noGrp="1"/>
+          </p:cNvSpPr>
+          <p:nvPr>
+            <p:ph type="title"/>
+          </p:nvPr>
+        </p:nvSpPr>
+        <p:spPr/>
+        <p:txBody>
+          <a:bodyPr/>
+          <a:lstStyle/>
+          <a:p>
+            <a:r>
+              <a:rPr lang="en-US" dirty="0"/>
+              <a:t>C to Assembly</a:t>
+            </a:r>
+          </a:p>
+        </p:txBody>
+      </p:sp>
+      <p:sp>
+        <p:nvSpPr>
+          <p:cNvPr id="3" name="Slide Number Placeholder 2">
+            <a:extLst>
+              <a:ext uri="{FF2B5EF4-FFF2-40B4-BE49-F238E27FC236}">
+                <a16:creationId xmlns:a16="http://schemas.microsoft.com/office/drawing/2014/main" id="{75E3977F-CB71-7224-C20F-01E40F2B8085}"/>
+              </a:ext>
+            </a:extLst>
+          </p:cNvPr>
+          <p:cNvSpPr>
+            <a:spLocks noGrp="1"/>
+          </p:cNvSpPr>
+          <p:nvPr>
+            <p:ph type="sldNum" sz="quarter" idx="12"/>
+          </p:nvPr>
+        </p:nvSpPr>
+        <p:spPr/>
+        <p:txBody>
+          <a:bodyPr/>
+          <a:lstStyle/>
+          <a:p>
+            <a:fld id="{EA7C8D44-3667-46F6-9772-CC52308E2A7F}" type="slidenum">
+              <a:rPr kumimoji="0" lang="en-US" smtClean="0"/>
+              <a:pPr/>
+              <a:t>12</a:t>
+            </a:fld>
+            <a:endParaRPr kumimoji="0" lang="en-US" dirty="0"/>
+          </a:p>
+        </p:txBody>
+      </p:sp>
+      <p:sp>
+        <p:nvSpPr>
+          <p:cNvPr id="4" name="Content Placeholder 3">
+            <a:extLst>
+              <a:ext uri="{FF2B5EF4-FFF2-40B4-BE49-F238E27FC236}">
+                <a16:creationId xmlns:a16="http://schemas.microsoft.com/office/drawing/2014/main" id="{D0B04EC6-DE14-0E80-5C57-8972B043856F}"/>
+              </a:ext>
+            </a:extLst>
+          </p:cNvPr>
+          <p:cNvSpPr>
+            <a:spLocks noGrp="1"/>
+          </p:cNvSpPr>
+          <p:nvPr>
+            <p:ph sz="quarter" idx="1"/>
+          </p:nvPr>
+        </p:nvSpPr>
+        <p:spPr>
+          <a:xfrm>
+            <a:off x="457200" y="4114800"/>
+            <a:ext cx="8229600" cy="2042160"/>
+          </a:xfrm>
+        </p:spPr>
+        <p:txBody>
+          <a:bodyPr/>
+          <a:lstStyle/>
+          <a:p>
+            <a:endParaRPr lang="en-US"/>
+          </a:p>
+        </p:txBody>
+      </p:sp>
+      <p:graphicFrame>
+        <p:nvGraphicFramePr>
+          <p:cNvPr id="5" name="Table 4">
+            <a:extLst>
+              <a:ext uri="{FF2B5EF4-FFF2-40B4-BE49-F238E27FC236}">
+                <a16:creationId xmlns:a16="http://schemas.microsoft.com/office/drawing/2014/main" id="{E9861495-0CBB-23AF-BD88-8C94E413DCFA}"/>
+              </a:ext>
+            </a:extLst>
+          </p:cNvPr>
+          <p:cNvGraphicFramePr>
+            <a:graphicFrameLocks noGrp="1"/>
+          </p:cNvGraphicFramePr>
+          <p:nvPr>
+            <p:extLst>
+              <p:ext uri="{D42A27DB-BD31-4B8C-83A1-F6EECF244321}">
+                <p14:modId xmlns:p14="http://schemas.microsoft.com/office/powerpoint/2010/main" val="2034493709"/>
+              </p:ext>
+            </p:extLst>
+          </p:nvPr>
+        </p:nvGraphicFramePr>
+        <p:xfrm>
+          <a:off x="457200" y="1219200"/>
+          <a:ext cx="8153400" cy="2438400"/>
+        </p:xfrm>
+        <a:graphic>
+          <a:graphicData uri="http://schemas.openxmlformats.org/drawingml/2006/table">
+            <a:tbl>
+              <a:tblPr firstRow="1" firstCol="1" bandRow="1">
+                <a:tableStyleId>{5940675A-B579-460E-94D1-54222C63F5DA}</a:tableStyleId>
+              </a:tblPr>
+              <a:tblGrid>
+                <a:gridCol w="3698449">
+                  <a:extLst>
+                    <a:ext uri="{9D8B030D-6E8A-4147-A177-3AD203B41FA5}">
+                      <a16:colId xmlns:a16="http://schemas.microsoft.com/office/drawing/2014/main" val="20000"/>
+                    </a:ext>
+                  </a:extLst>
+                </a:gridCol>
+                <a:gridCol w="4454951">
+                  <a:extLst>
+                    <a:ext uri="{9D8B030D-6E8A-4147-A177-3AD203B41FA5}">
+                      <a16:colId xmlns:a16="http://schemas.microsoft.com/office/drawing/2014/main" val="20001"/>
+                    </a:ext>
+                  </a:extLst>
+                </a:gridCol>
+              </a:tblGrid>
+              <a:tr h="217369">
+                <a:tc>
+                  <a:txBody>
+                    <a:bodyPr/>
+                    <a:lstStyle/>
+                    <a:p>
+                      <a:pPr marL="0" marR="0" algn="just">
+                        <a:spcBef>
+                          <a:spcPts val="0"/>
+                        </a:spcBef>
+                        <a:spcAft>
+                          <a:spcPts val="0"/>
+                        </a:spcAft>
+                      </a:pPr>
+                      <a:r>
+                        <a:rPr lang="en-US" sz="1600" dirty="0">
+                          <a:solidFill>
+                            <a:schemeClr val="bg1"/>
+                          </a:solidFill>
+                          <a:effectLst/>
+                          <a:latin typeface="Consolas" panose="020B0609020204030204" pitchFamily="49" charset="0"/>
+                          <a:cs typeface="Consolas" panose="020B0609020204030204" pitchFamily="49" charset="0"/>
+                        </a:rPr>
+                        <a:t>C Program</a:t>
+                      </a:r>
+                      <a:endParaRPr lang="en-US" sz="1600" dirty="0">
+                        <a:solidFill>
+                          <a:schemeClr val="bg1"/>
+                        </a:solidFill>
+                        <a:effectLst/>
+                        <a:latin typeface="Consolas" panose="020B0609020204030204" pitchFamily="49" charset="0"/>
+                        <a:ea typeface="宋体"/>
+                        <a:cs typeface="Consolas" panose="020B0609020204030204" pitchFamily="49" charset="0"/>
+                      </a:endParaRPr>
+                    </a:p>
+                  </a:txBody>
+                  <a:tcPr marL="68580" marR="68580" marT="0" marB="0">
+                    <a:solidFill>
+                      <a:schemeClr val="accent1"/>
+                    </a:solidFill>
+                  </a:tcPr>
+                </a:tc>
+                <a:tc>
+                  <a:txBody>
+                    <a:bodyPr/>
+                    <a:lstStyle/>
+                    <a:p>
+                      <a:pPr marL="0" marR="0" algn="just">
+                        <a:spcBef>
+                          <a:spcPts val="0"/>
+                        </a:spcBef>
+                        <a:spcAft>
+                          <a:spcPts val="0"/>
+                        </a:spcAft>
+                      </a:pPr>
+                      <a:r>
+                        <a:rPr lang="en-US" sz="1600" dirty="0">
+                          <a:solidFill>
+                            <a:schemeClr val="bg1"/>
+                          </a:solidFill>
+                          <a:effectLst/>
+                          <a:latin typeface="Consolas" panose="020B0609020204030204" pitchFamily="49" charset="0"/>
+                          <a:cs typeface="Consolas" panose="020B0609020204030204" pitchFamily="49" charset="0"/>
+                        </a:rPr>
+                        <a:t>Assembly Program</a:t>
+                      </a:r>
+                      <a:endParaRPr lang="en-US" sz="1600" dirty="0">
+                        <a:solidFill>
+                          <a:schemeClr val="bg1"/>
+                        </a:solidFill>
+                        <a:effectLst/>
+                        <a:latin typeface="Consolas" panose="020B0609020204030204" pitchFamily="49" charset="0"/>
+                        <a:ea typeface="宋体"/>
+                        <a:cs typeface="Consolas" panose="020B0609020204030204" pitchFamily="49" charset="0"/>
+                      </a:endParaRPr>
+                    </a:p>
+                  </a:txBody>
+                  <a:tcPr marL="68580" marR="68580" marT="0" marB="0">
+                    <a:solidFill>
+                      <a:schemeClr val="accent1"/>
+                    </a:solidFill>
+                  </a:tcPr>
+                </a:tc>
+                <a:extLst>
+                  <a:ext uri="{0D108BD9-81ED-4DB2-BD59-A6C34878D82A}">
+                    <a16:rowId xmlns:a16="http://schemas.microsoft.com/office/drawing/2014/main" val="10000"/>
+                  </a:ext>
+                </a:extLst>
+              </a:tr>
+              <a:tr h="773230">
+                <a:tc>
+                  <a:txBody>
+                    <a:bodyPr/>
+                    <a:lstStyle/>
+                    <a:p>
+                      <a:r>
+                        <a:rPr kumimoji="0" lang="en-US" sz="1600" b="0" i="0" kern="1200" dirty="0">
+                          <a:solidFill>
+                            <a:schemeClr val="tx1"/>
+                          </a:solidFill>
+                          <a:effectLst/>
+                          <a:latin typeface="Consolas" panose="020B0609020204030204" pitchFamily="49" charset="0"/>
+                          <a:ea typeface="+mn-ea"/>
+                          <a:cs typeface="+mn-cs"/>
+                        </a:rPr>
+                        <a:t>//Calculate x such that 2^x = 128</a:t>
+                      </a:r>
+                    </a:p>
+                    <a:p>
+                      <a:r>
+                        <a:rPr kumimoji="0" lang="en-US" sz="1600" b="0" i="0" kern="1200" dirty="0">
+                          <a:solidFill>
+                            <a:schemeClr val="tx1"/>
+                          </a:solidFill>
+                          <a:effectLst/>
+                          <a:latin typeface="Consolas" panose="020B0609020204030204" pitchFamily="49" charset="0"/>
+                          <a:ea typeface="+mn-ea"/>
+                          <a:cs typeface="+mn-cs"/>
+                        </a:rPr>
+                        <a:t>int pow = 1;</a:t>
+                      </a:r>
+                    </a:p>
+                    <a:p>
+                      <a:r>
+                        <a:rPr kumimoji="0" lang="en-US" sz="1600" b="0" i="0" kern="1200" dirty="0">
+                          <a:solidFill>
+                            <a:schemeClr val="tx1"/>
+                          </a:solidFill>
+                          <a:effectLst/>
+                          <a:latin typeface="Consolas" panose="020B0609020204030204" pitchFamily="49" charset="0"/>
+                          <a:ea typeface="+mn-ea"/>
+                          <a:cs typeface="+mn-cs"/>
+                        </a:rPr>
+                        <a:t>int x = 0;</a:t>
+                      </a:r>
+                    </a:p>
+                    <a:p>
+                      <a:endParaRPr kumimoji="0" lang="en-US" sz="1600" b="0" i="0" kern="1200" dirty="0">
+                        <a:solidFill>
+                          <a:schemeClr val="tx1"/>
+                        </a:solidFill>
+                        <a:effectLst/>
+                        <a:latin typeface="Consolas" panose="020B0609020204030204" pitchFamily="49" charset="0"/>
+                        <a:ea typeface="+mn-ea"/>
+                        <a:cs typeface="+mn-cs"/>
+                      </a:endParaRPr>
+                    </a:p>
+                    <a:p>
+                      <a:r>
+                        <a:rPr kumimoji="0" lang="en-US" sz="1600" b="0" i="0" kern="1200" dirty="0">
+                          <a:solidFill>
+                            <a:schemeClr val="tx1"/>
+                          </a:solidFill>
+                          <a:effectLst/>
+                          <a:latin typeface="Consolas" panose="020B0609020204030204" pitchFamily="49" charset="0"/>
+                          <a:ea typeface="+mn-ea"/>
+                          <a:cs typeface="+mn-cs"/>
+                        </a:rPr>
+                        <a:t>while (pow != 128) {</a:t>
+                      </a:r>
+                    </a:p>
+                    <a:p>
+                      <a:r>
+                        <a:rPr kumimoji="0" lang="en-US" sz="1600" b="0" i="0" kern="1200" dirty="0">
+                          <a:solidFill>
+                            <a:schemeClr val="tx1"/>
+                          </a:solidFill>
+                          <a:effectLst/>
+                          <a:latin typeface="Consolas" panose="020B0609020204030204" pitchFamily="49" charset="0"/>
+                          <a:ea typeface="+mn-ea"/>
+                          <a:cs typeface="+mn-cs"/>
+                        </a:rPr>
+                        <a:t>pow = pow * 2;</a:t>
+                      </a:r>
+                    </a:p>
+                    <a:p>
+                      <a:r>
+                        <a:rPr kumimoji="0" lang="en-US" sz="1600" b="0" i="0" kern="1200" dirty="0">
+                          <a:solidFill>
+                            <a:schemeClr val="tx1"/>
+                          </a:solidFill>
+                          <a:effectLst/>
+                          <a:latin typeface="Consolas" panose="020B0609020204030204" pitchFamily="49" charset="0"/>
+                          <a:ea typeface="+mn-ea"/>
+                          <a:cs typeface="+mn-cs"/>
+                        </a:rPr>
+                        <a:t>x = x + 1;</a:t>
+                      </a:r>
+                    </a:p>
+                    <a:p>
+                      <a:r>
+                        <a:rPr kumimoji="0" lang="en-US" sz="1600" b="0" i="0" kern="1200" dirty="0">
+                          <a:solidFill>
+                            <a:schemeClr val="tx1"/>
+                          </a:solidFill>
+                          <a:effectLst/>
+                          <a:latin typeface="Consolas" panose="020B0609020204030204" pitchFamily="49" charset="0"/>
+                          <a:ea typeface="+mn-ea"/>
+                          <a:cs typeface="+mn-cs"/>
+                        </a:rPr>
+                        <a:t>}</a:t>
+                      </a:r>
+                      <a:endParaRPr lang="en-US" sz="1600" b="0" dirty="0">
+                        <a:effectLst/>
+                        <a:latin typeface="Consolas" panose="020B0609020204030204" pitchFamily="49" charset="0"/>
+                        <a:ea typeface="宋体"/>
+                        <a:cs typeface="Consolas" panose="020B0609020204030204" pitchFamily="49" charset="0"/>
+                      </a:endParaRPr>
+                    </a:p>
+                  </a:txBody>
+                  <a:tcPr marL="68580" marR="68580" marT="0" marB="0"/>
+                </a:tc>
+                <a:tc>
+                  <a:txBody>
+                    <a:bodyPr/>
+                    <a:lstStyle/>
+                    <a:p>
+                      <a:pPr marL="0" marR="0" algn="just">
+                        <a:spcBef>
+                          <a:spcPts val="0"/>
+                        </a:spcBef>
+                        <a:spcAft>
+                          <a:spcPts val="0"/>
+                        </a:spcAft>
+                      </a:pPr>
+                      <a:r>
+                        <a:rPr lang="en-US" sz="1600" i="0" dirty="0">
+                          <a:effectLst/>
+                          <a:latin typeface="Consolas" panose="020B0609020204030204" pitchFamily="49" charset="0"/>
+                          <a:cs typeface="Consolas" panose="020B0609020204030204" pitchFamily="49" charset="0"/>
+                        </a:rPr>
+                        <a:t>; r0 = pow, r1 = x</a:t>
+                      </a:r>
+                    </a:p>
+                    <a:p>
+                      <a:pPr marL="0" marR="0" algn="just">
+                        <a:spcBef>
+                          <a:spcPts val="0"/>
+                        </a:spcBef>
+                        <a:spcAft>
+                          <a:spcPts val="0"/>
+                        </a:spcAft>
+                      </a:pPr>
+                      <a:r>
+                        <a:rPr lang="en-US" sz="1600" i="0" dirty="0">
+                          <a:effectLst/>
+                          <a:latin typeface="Consolas" panose="020B0609020204030204" pitchFamily="49" charset="0"/>
+                          <a:cs typeface="Consolas" panose="020B0609020204030204" pitchFamily="49" charset="0"/>
+                        </a:rPr>
+                        <a:t>  MOV r0, #1 ; pow = 1</a:t>
+                      </a:r>
+                    </a:p>
+                    <a:p>
+                      <a:pPr marL="0" marR="0" algn="just">
+                        <a:spcBef>
+                          <a:spcPts val="0"/>
+                        </a:spcBef>
+                        <a:spcAft>
+                          <a:spcPts val="0"/>
+                        </a:spcAft>
+                      </a:pPr>
+                      <a:r>
+                        <a:rPr lang="en-US" sz="1600" i="0" dirty="0">
+                          <a:effectLst/>
+                          <a:latin typeface="Consolas" panose="020B0609020204030204" pitchFamily="49" charset="0"/>
+                          <a:cs typeface="Consolas" panose="020B0609020204030204" pitchFamily="49" charset="0"/>
+                        </a:rPr>
+                        <a:t>  MOV r1, #0 ; x = 0</a:t>
+                      </a:r>
+                    </a:p>
+                    <a:p>
+                      <a:pPr marL="0" marR="0" algn="just">
+                        <a:spcBef>
+                          <a:spcPts val="0"/>
+                        </a:spcBef>
+                        <a:spcAft>
+                          <a:spcPts val="0"/>
+                        </a:spcAft>
+                      </a:pPr>
+                      <a:endParaRPr lang="en-US" sz="1600" i="0" dirty="0">
+                        <a:effectLst/>
+                        <a:latin typeface="Consolas" panose="020B0609020204030204" pitchFamily="49" charset="0"/>
+                        <a:cs typeface="Consolas" panose="020B0609020204030204" pitchFamily="49" charset="0"/>
+                      </a:endParaRPr>
+                    </a:p>
+                    <a:p>
+                      <a:pPr marL="0" marR="0" algn="just">
+                        <a:spcBef>
+                          <a:spcPts val="0"/>
+                        </a:spcBef>
+                        <a:spcAft>
+                          <a:spcPts val="0"/>
+                        </a:spcAft>
+                      </a:pPr>
+                      <a:r>
+                        <a:rPr lang="en-US" sz="1600" i="0" dirty="0">
+                          <a:effectLst/>
+                          <a:latin typeface="Consolas" panose="020B0609020204030204" pitchFamily="49" charset="0"/>
+                          <a:cs typeface="Consolas" panose="020B0609020204030204" pitchFamily="49" charset="0"/>
+                        </a:rPr>
+                        <a:t>WHILE</a:t>
+                      </a:r>
+                    </a:p>
+                    <a:p>
+                      <a:pPr marL="0" marR="0" algn="just">
+                        <a:spcBef>
+                          <a:spcPts val="0"/>
+                        </a:spcBef>
+                        <a:spcAft>
+                          <a:spcPts val="0"/>
+                        </a:spcAft>
+                      </a:pPr>
+                      <a:endParaRPr lang="en-US" sz="1600" i="0" dirty="0">
+                        <a:effectLst/>
+                        <a:latin typeface="Consolas" panose="020B0609020204030204" pitchFamily="49" charset="0"/>
+                        <a:cs typeface="Consolas" panose="020B0609020204030204" pitchFamily="49" charset="0"/>
+                      </a:endParaRPr>
+                    </a:p>
+                    <a:p>
+                      <a:pPr marL="0" marR="0" algn="just">
+                        <a:spcBef>
+                          <a:spcPts val="0"/>
+                        </a:spcBef>
+                        <a:spcAft>
+                          <a:spcPts val="0"/>
+                        </a:spcAft>
+                      </a:pPr>
+                      <a:endParaRPr lang="en-US" sz="1600" i="0" dirty="0">
+                        <a:effectLst/>
+                        <a:latin typeface="Consolas" panose="020B0609020204030204" pitchFamily="49" charset="0"/>
+                        <a:cs typeface="Consolas" panose="020B0609020204030204" pitchFamily="49" charset="0"/>
+                      </a:endParaRPr>
+                    </a:p>
+                    <a:p>
+                      <a:pPr marL="0" marR="0" algn="just">
+                        <a:spcBef>
+                          <a:spcPts val="0"/>
+                        </a:spcBef>
+                        <a:spcAft>
+                          <a:spcPts val="0"/>
+                        </a:spcAft>
+                      </a:pPr>
+                      <a:endParaRPr lang="en-US" sz="1600" i="0" dirty="0">
+                        <a:effectLst/>
+                        <a:latin typeface="Consolas" panose="020B0609020204030204" pitchFamily="49" charset="0"/>
+                        <a:cs typeface="Consolas" panose="020B0609020204030204" pitchFamily="49" charset="0"/>
+                      </a:endParaRPr>
+                    </a:p>
+                    <a:p>
+                      <a:pPr marL="0" marR="0" algn="just">
+                        <a:spcBef>
+                          <a:spcPts val="0"/>
+                        </a:spcBef>
+                        <a:spcAft>
+                          <a:spcPts val="0"/>
+                        </a:spcAft>
+                      </a:pPr>
+                      <a:r>
+                        <a:rPr lang="en-US" sz="1600" i="0" dirty="0">
+                          <a:effectLst/>
+                          <a:latin typeface="Consolas" panose="020B0609020204030204" pitchFamily="49" charset="0"/>
+                          <a:cs typeface="Consolas" panose="020B0609020204030204" pitchFamily="49" charset="0"/>
+                        </a:rPr>
+                        <a:t>DONE</a:t>
+                      </a:r>
+                    </a:p>
+                  </a:txBody>
+                  <a:tcPr marL="68580" marR="68580" marT="0" marB="0"/>
+                </a:tc>
+                <a:extLst>
+                  <a:ext uri="{0D108BD9-81ED-4DB2-BD59-A6C34878D82A}">
+                    <a16:rowId xmlns:a16="http://schemas.microsoft.com/office/drawing/2014/main" val="10001"/>
+                  </a:ext>
+                </a:extLst>
+              </a:tr>
+            </a:tbl>
+          </a:graphicData>
+        </a:graphic>
+      </p:graphicFrame>
+    </p:spTree>
+    <p:extLst>
+      <p:ext uri="{BB962C8B-B14F-4D97-AF65-F5344CB8AC3E}">
+        <p14:creationId xmlns:p14="http://schemas.microsoft.com/office/powerpoint/2010/main" val="244455839"/>
+      </p:ext>
+    </p:extLst>
+  </p:cSld>
+  <p:clrMapOvr>
+    <a:masterClrMapping/>
+  </p:clrMapOvr>
+</p:sld>
+</file>
+
+<file path=ppt/slides/slide13.xml><?xml version="1.0" encoding="utf-8"?>
+<p:sld xmlns:a="http://schemas.openxmlformats.org/drawingml/2006/main" xmlns:r="http://schemas.openxmlformats.org/officeDocument/2006/relationships" xmlns:p="http://schemas.openxmlformats.org/presentationml/2006/main">
+  <p:cSld>
+    <p:spTree>
+      <p:nvGrpSpPr>
+        <p:cNvPr id="1" name="">
+          <a:extLst>
+            <a:ext uri="{FF2B5EF4-FFF2-40B4-BE49-F238E27FC236}">
+              <a16:creationId xmlns:a16="http://schemas.microsoft.com/office/drawing/2014/main" id="{7163A810-5A85-6DBF-465F-279D9368C599}"/>
+            </a:ext>
+          </a:extLst>
+        </p:cNvPr>
+        <p:cNvGrpSpPr/>
+        <p:nvPr/>
+      </p:nvGrpSpPr>
+      <p:grpSpPr>
+        <a:xfrm>
+          <a:off x="0" y="0"/>
+          <a:ext cx="0" cy="0"/>
+          <a:chOff x="0" y="0"/>
+          <a:chExt cx="0" cy="0"/>
+        </a:xfrm>
+      </p:grpSpPr>
+      <p:sp>
+        <p:nvSpPr>
+          <p:cNvPr id="2" name="Title 1">
+            <a:extLst>
+              <a:ext uri="{FF2B5EF4-FFF2-40B4-BE49-F238E27FC236}">
+                <a16:creationId xmlns:a16="http://schemas.microsoft.com/office/drawing/2014/main" id="{2B4FFF15-20BD-DD2B-C761-29053EDBFF35}"/>
+              </a:ext>
+            </a:extLst>
+          </p:cNvPr>
+          <p:cNvSpPr>
+            <a:spLocks noGrp="1"/>
+          </p:cNvSpPr>
+          <p:nvPr>
+            <p:ph type="title"/>
+          </p:nvPr>
+        </p:nvSpPr>
+        <p:spPr/>
+        <p:txBody>
+          <a:bodyPr/>
+          <a:lstStyle/>
+          <a:p>
+            <a:r>
+              <a:rPr lang="en-US" dirty="0"/>
+              <a:t>C to Assembly ANS </a:t>
+            </a:r>
+          </a:p>
+        </p:txBody>
+      </p:sp>
+      <p:sp>
+        <p:nvSpPr>
+          <p:cNvPr id="3" name="Slide Number Placeholder 2">
+            <a:extLst>
+              <a:ext uri="{FF2B5EF4-FFF2-40B4-BE49-F238E27FC236}">
+                <a16:creationId xmlns:a16="http://schemas.microsoft.com/office/drawing/2014/main" id="{C1EDA5D2-83BD-3B87-4DC5-348EFA91B5FC}"/>
+              </a:ext>
+            </a:extLst>
+          </p:cNvPr>
+          <p:cNvSpPr>
+            <a:spLocks noGrp="1"/>
+          </p:cNvSpPr>
+          <p:nvPr>
+            <p:ph type="sldNum" sz="quarter" idx="12"/>
+          </p:nvPr>
+        </p:nvSpPr>
+        <p:spPr/>
+        <p:txBody>
+          <a:bodyPr/>
+          <a:lstStyle/>
+          <a:p>
+            <a:fld id="{EA7C8D44-3667-46F6-9772-CC52308E2A7F}" type="slidenum">
+              <a:rPr kumimoji="0" lang="en-US" smtClean="0"/>
+              <a:pPr/>
+              <a:t>13</a:t>
+            </a:fld>
+            <a:endParaRPr kumimoji="0" lang="en-US" dirty="0"/>
+          </a:p>
+        </p:txBody>
+      </p:sp>
+      <p:sp>
+        <p:nvSpPr>
+          <p:cNvPr id="4" name="Content Placeholder 3">
+            <a:extLst>
+              <a:ext uri="{FF2B5EF4-FFF2-40B4-BE49-F238E27FC236}">
+                <a16:creationId xmlns:a16="http://schemas.microsoft.com/office/drawing/2014/main" id="{BEA62B72-8CD3-1C22-B422-E7966ED0294E}"/>
+              </a:ext>
+            </a:extLst>
+          </p:cNvPr>
+          <p:cNvSpPr>
+            <a:spLocks noGrp="1"/>
+          </p:cNvSpPr>
+          <p:nvPr>
+            <p:ph sz="quarter" idx="1"/>
+          </p:nvPr>
+        </p:nvSpPr>
+        <p:spPr>
+          <a:xfrm>
+            <a:off x="457200" y="4114800"/>
+            <a:ext cx="8229600" cy="2042160"/>
+          </a:xfrm>
+        </p:spPr>
+        <p:txBody>
+          <a:bodyPr/>
+          <a:lstStyle/>
+          <a:p>
+            <a:endParaRPr lang="en-US"/>
+          </a:p>
+        </p:txBody>
+      </p:sp>
+      <p:graphicFrame>
+        <p:nvGraphicFramePr>
+          <p:cNvPr id="5" name="Table 4">
+            <a:extLst>
+              <a:ext uri="{FF2B5EF4-FFF2-40B4-BE49-F238E27FC236}">
+                <a16:creationId xmlns:a16="http://schemas.microsoft.com/office/drawing/2014/main" id="{CE0A734A-5388-0D64-9AF4-4B261562DC3B}"/>
+              </a:ext>
+            </a:extLst>
+          </p:cNvPr>
+          <p:cNvGraphicFramePr>
+            <a:graphicFrameLocks noGrp="1"/>
+          </p:cNvGraphicFramePr>
+          <p:nvPr>
+            <p:extLst>
+              <p:ext uri="{D42A27DB-BD31-4B8C-83A1-F6EECF244321}">
+                <p14:modId xmlns:p14="http://schemas.microsoft.com/office/powerpoint/2010/main" val="2621279520"/>
+              </p:ext>
+            </p:extLst>
+          </p:nvPr>
+        </p:nvGraphicFramePr>
+        <p:xfrm>
+          <a:off x="457200" y="1219200"/>
+          <a:ext cx="8153400" cy="2926080"/>
+        </p:xfrm>
+        <a:graphic>
+          <a:graphicData uri="http://schemas.openxmlformats.org/drawingml/2006/table">
+            <a:tbl>
+              <a:tblPr firstRow="1" firstCol="1" bandRow="1">
+                <a:tableStyleId>{5940675A-B579-460E-94D1-54222C63F5DA}</a:tableStyleId>
+              </a:tblPr>
+              <a:tblGrid>
+                <a:gridCol w="3698449">
+                  <a:extLst>
+                    <a:ext uri="{9D8B030D-6E8A-4147-A177-3AD203B41FA5}">
+                      <a16:colId xmlns:a16="http://schemas.microsoft.com/office/drawing/2014/main" val="20000"/>
+                    </a:ext>
+                  </a:extLst>
+                </a:gridCol>
+                <a:gridCol w="4454951">
+                  <a:extLst>
+                    <a:ext uri="{9D8B030D-6E8A-4147-A177-3AD203B41FA5}">
+                      <a16:colId xmlns:a16="http://schemas.microsoft.com/office/drawing/2014/main" val="20001"/>
+                    </a:ext>
+                  </a:extLst>
+                </a:gridCol>
+              </a:tblGrid>
+              <a:tr h="217369">
+                <a:tc>
+                  <a:txBody>
+                    <a:bodyPr/>
+                    <a:lstStyle/>
+                    <a:p>
+                      <a:pPr marL="0" marR="0" algn="just">
+                        <a:spcBef>
+                          <a:spcPts val="0"/>
+                        </a:spcBef>
+                        <a:spcAft>
+                          <a:spcPts val="0"/>
+                        </a:spcAft>
+                      </a:pPr>
+                      <a:r>
+                        <a:rPr lang="en-US" sz="1600" dirty="0">
+                          <a:solidFill>
+                            <a:schemeClr val="bg1"/>
+                          </a:solidFill>
+                          <a:effectLst/>
+                          <a:latin typeface="Consolas" panose="020B0609020204030204" pitchFamily="49" charset="0"/>
+                          <a:cs typeface="Consolas" panose="020B0609020204030204" pitchFamily="49" charset="0"/>
+                        </a:rPr>
+                        <a:t>C Program</a:t>
+                      </a:r>
+                      <a:endParaRPr lang="en-US" sz="1600" dirty="0">
+                        <a:solidFill>
+                          <a:schemeClr val="bg1"/>
+                        </a:solidFill>
+                        <a:effectLst/>
+                        <a:latin typeface="Consolas" panose="020B0609020204030204" pitchFamily="49" charset="0"/>
+                        <a:ea typeface="宋体"/>
+                        <a:cs typeface="Consolas" panose="020B0609020204030204" pitchFamily="49" charset="0"/>
+                      </a:endParaRPr>
+                    </a:p>
+                  </a:txBody>
+                  <a:tcPr marL="68580" marR="68580" marT="0" marB="0">
+                    <a:solidFill>
+                      <a:schemeClr val="accent1"/>
+                    </a:solidFill>
+                  </a:tcPr>
+                </a:tc>
+                <a:tc>
+                  <a:txBody>
+                    <a:bodyPr/>
+                    <a:lstStyle/>
+                    <a:p>
+                      <a:pPr marL="0" marR="0" algn="just">
+                        <a:spcBef>
+                          <a:spcPts val="0"/>
+                        </a:spcBef>
+                        <a:spcAft>
+                          <a:spcPts val="0"/>
+                        </a:spcAft>
+                      </a:pPr>
+                      <a:r>
+                        <a:rPr lang="en-US" sz="1600" dirty="0">
+                          <a:solidFill>
+                            <a:schemeClr val="bg1"/>
+                          </a:solidFill>
+                          <a:effectLst/>
+                          <a:latin typeface="Consolas" panose="020B0609020204030204" pitchFamily="49" charset="0"/>
+                          <a:cs typeface="Consolas" panose="020B0609020204030204" pitchFamily="49" charset="0"/>
+                        </a:rPr>
+                        <a:t>Assembly Program</a:t>
+                      </a:r>
+                      <a:endParaRPr lang="en-US" sz="1600" dirty="0">
+                        <a:solidFill>
+                          <a:schemeClr val="bg1"/>
+                        </a:solidFill>
+                        <a:effectLst/>
+                        <a:latin typeface="Consolas" panose="020B0609020204030204" pitchFamily="49" charset="0"/>
+                        <a:ea typeface="宋体"/>
+                        <a:cs typeface="Consolas" panose="020B0609020204030204" pitchFamily="49" charset="0"/>
+                      </a:endParaRPr>
+                    </a:p>
+                  </a:txBody>
+                  <a:tcPr marL="68580" marR="68580" marT="0" marB="0">
+                    <a:solidFill>
+                      <a:schemeClr val="accent1"/>
+                    </a:solidFill>
+                  </a:tcPr>
+                </a:tc>
+                <a:extLst>
+                  <a:ext uri="{0D108BD9-81ED-4DB2-BD59-A6C34878D82A}">
+                    <a16:rowId xmlns:a16="http://schemas.microsoft.com/office/drawing/2014/main" val="10000"/>
+                  </a:ext>
+                </a:extLst>
+              </a:tr>
+              <a:tr h="773230">
+                <a:tc>
+                  <a:txBody>
+                    <a:bodyPr/>
+                    <a:lstStyle/>
+                    <a:p>
+                      <a:r>
+                        <a:rPr kumimoji="0" lang="en-US" sz="1600" b="0" i="0" kern="1200" dirty="0">
+                          <a:solidFill>
+                            <a:schemeClr val="tx1"/>
+                          </a:solidFill>
+                          <a:effectLst/>
+                          <a:latin typeface="Consolas" panose="020B0609020204030204" pitchFamily="49" charset="0"/>
+                          <a:ea typeface="+mn-ea"/>
+                          <a:cs typeface="+mn-cs"/>
+                        </a:rPr>
+                        <a:t>//Calculate x such that 2^x = 128</a:t>
+                      </a:r>
+                    </a:p>
+                    <a:p>
+                      <a:r>
+                        <a:rPr kumimoji="0" lang="en-US" sz="1600" b="0" i="0" kern="1200" dirty="0">
+                          <a:solidFill>
+                            <a:schemeClr val="tx1"/>
+                          </a:solidFill>
+                          <a:effectLst/>
+                          <a:latin typeface="Consolas" panose="020B0609020204030204" pitchFamily="49" charset="0"/>
+                          <a:ea typeface="+mn-ea"/>
+                          <a:cs typeface="+mn-cs"/>
+                        </a:rPr>
+                        <a:t>int pow = 1;</a:t>
+                      </a:r>
+                    </a:p>
+                    <a:p>
+                      <a:r>
+                        <a:rPr kumimoji="0" lang="en-US" sz="1600" b="0" i="0" kern="1200" dirty="0">
+                          <a:solidFill>
+                            <a:schemeClr val="tx1"/>
+                          </a:solidFill>
+                          <a:effectLst/>
+                          <a:latin typeface="Consolas" panose="020B0609020204030204" pitchFamily="49" charset="0"/>
+                          <a:ea typeface="+mn-ea"/>
+                          <a:cs typeface="+mn-cs"/>
+                        </a:rPr>
+                        <a:t>int x = 0;</a:t>
+                      </a:r>
+                    </a:p>
+                    <a:p>
+                      <a:endParaRPr kumimoji="0" lang="en-US" sz="1600" b="0" i="0" kern="1200" dirty="0">
+                        <a:solidFill>
+                          <a:schemeClr val="tx1"/>
+                        </a:solidFill>
+                        <a:effectLst/>
+                        <a:latin typeface="Consolas" panose="020B0609020204030204" pitchFamily="49" charset="0"/>
+                        <a:ea typeface="+mn-ea"/>
+                        <a:cs typeface="+mn-cs"/>
+                      </a:endParaRPr>
+                    </a:p>
+                    <a:p>
+                      <a:r>
+                        <a:rPr kumimoji="0" lang="en-US" sz="1600" b="0" i="0" kern="1200" dirty="0">
+                          <a:solidFill>
+                            <a:schemeClr val="tx1"/>
+                          </a:solidFill>
+                          <a:effectLst/>
+                          <a:latin typeface="Consolas" panose="020B0609020204030204" pitchFamily="49" charset="0"/>
+                          <a:ea typeface="+mn-ea"/>
+                          <a:cs typeface="+mn-cs"/>
+                        </a:rPr>
+                        <a:t>while (pow != 128) {</a:t>
+                      </a:r>
+                    </a:p>
+                    <a:p>
+                      <a:r>
+                        <a:rPr kumimoji="0" lang="en-US" sz="1600" b="0" i="0" kern="1200" dirty="0">
+                          <a:solidFill>
+                            <a:schemeClr val="tx1"/>
+                          </a:solidFill>
+                          <a:effectLst/>
+                          <a:latin typeface="Consolas" panose="020B0609020204030204" pitchFamily="49" charset="0"/>
+                          <a:ea typeface="+mn-ea"/>
+                          <a:cs typeface="+mn-cs"/>
+                        </a:rPr>
+                        <a:t>  pow = pow * 2;</a:t>
+                      </a:r>
+                    </a:p>
+                    <a:p>
+                      <a:r>
+                        <a:rPr kumimoji="0" lang="en-US" sz="1600" b="0" i="0" kern="1200" dirty="0">
+                          <a:solidFill>
+                            <a:schemeClr val="tx1"/>
+                          </a:solidFill>
+                          <a:effectLst/>
+                          <a:latin typeface="Consolas" panose="020B0609020204030204" pitchFamily="49" charset="0"/>
+                          <a:ea typeface="+mn-ea"/>
+                          <a:cs typeface="+mn-cs"/>
+                        </a:rPr>
+                        <a:t>  x = x + 1;</a:t>
+                      </a:r>
+                    </a:p>
+                    <a:p>
+                      <a:r>
+                        <a:rPr kumimoji="0" lang="en-US" sz="1600" b="0" i="0" kern="1200" dirty="0">
+                          <a:solidFill>
+                            <a:schemeClr val="tx1"/>
+                          </a:solidFill>
+                          <a:effectLst/>
+                          <a:latin typeface="Consolas" panose="020B0609020204030204" pitchFamily="49" charset="0"/>
+                          <a:ea typeface="+mn-ea"/>
+                          <a:cs typeface="+mn-cs"/>
+                        </a:rPr>
+                        <a:t>}</a:t>
+                      </a:r>
+                      <a:endParaRPr lang="en-US" sz="1600" b="0" dirty="0">
+                        <a:effectLst/>
+                        <a:latin typeface="Consolas" panose="020B0609020204030204" pitchFamily="49" charset="0"/>
+                        <a:ea typeface="宋体"/>
+                        <a:cs typeface="Consolas" panose="020B0609020204030204" pitchFamily="49" charset="0"/>
+                      </a:endParaRPr>
+                    </a:p>
+                  </a:txBody>
+                  <a:tcPr marL="68580" marR="68580" marT="0" marB="0"/>
+                </a:tc>
+                <a:tc>
+                  <a:txBody>
+                    <a:bodyPr/>
+                    <a:lstStyle/>
+                    <a:p>
+                      <a:pPr marL="0" marR="0" algn="just">
+                        <a:spcBef>
+                          <a:spcPts val="0"/>
+                        </a:spcBef>
+                        <a:spcAft>
+                          <a:spcPts val="0"/>
+                        </a:spcAft>
+                      </a:pPr>
+                      <a:r>
+                        <a:rPr lang="en-US" sz="1600" i="0" dirty="0">
+                          <a:effectLst/>
+                          <a:latin typeface="Consolas" panose="020B0609020204030204" pitchFamily="49" charset="0"/>
+                          <a:cs typeface="Consolas" panose="020B0609020204030204" pitchFamily="49" charset="0"/>
+                        </a:rPr>
+                        <a:t>; r0 = pow, r1 = x</a:t>
+                      </a:r>
+                    </a:p>
+                    <a:p>
+                      <a:pPr marL="0" marR="0" algn="just">
+                        <a:spcBef>
+                          <a:spcPts val="0"/>
+                        </a:spcBef>
+                        <a:spcAft>
+                          <a:spcPts val="0"/>
+                        </a:spcAft>
+                      </a:pPr>
+                      <a:r>
+                        <a:rPr lang="en-US" sz="1600" i="0" dirty="0">
+                          <a:effectLst/>
+                          <a:latin typeface="Consolas" panose="020B0609020204030204" pitchFamily="49" charset="0"/>
+                          <a:cs typeface="Consolas" panose="020B0609020204030204" pitchFamily="49" charset="0"/>
+                        </a:rPr>
+                        <a:t>  MOV r0, #1 ; pow = 1</a:t>
+                      </a:r>
+                    </a:p>
+                    <a:p>
+                      <a:pPr marL="0" marR="0" algn="just">
+                        <a:spcBef>
+                          <a:spcPts val="0"/>
+                        </a:spcBef>
+                        <a:spcAft>
+                          <a:spcPts val="0"/>
+                        </a:spcAft>
+                      </a:pPr>
+                      <a:r>
+                        <a:rPr lang="en-US" sz="1600" i="0" dirty="0">
+                          <a:effectLst/>
+                          <a:latin typeface="Consolas" panose="020B0609020204030204" pitchFamily="49" charset="0"/>
+                          <a:cs typeface="Consolas" panose="020B0609020204030204" pitchFamily="49" charset="0"/>
+                        </a:rPr>
+                        <a:t>  MOV r1, #0 ; x = 0</a:t>
+                      </a:r>
+                    </a:p>
+                    <a:p>
+                      <a:pPr marL="0" marR="0" algn="just">
+                        <a:spcBef>
+                          <a:spcPts val="0"/>
+                        </a:spcBef>
+                        <a:spcAft>
+                          <a:spcPts val="0"/>
+                        </a:spcAft>
+                      </a:pPr>
+                      <a:endParaRPr lang="en-US" sz="1600" i="0" dirty="0">
+                        <a:effectLst/>
+                        <a:latin typeface="Consolas" panose="020B0609020204030204" pitchFamily="49" charset="0"/>
+                        <a:cs typeface="Consolas" panose="020B0609020204030204" pitchFamily="49" charset="0"/>
+                      </a:endParaRPr>
+                    </a:p>
+                    <a:p>
+                      <a:pPr marL="0" marR="0" algn="just">
+                        <a:spcBef>
+                          <a:spcPts val="0"/>
+                        </a:spcBef>
+                        <a:spcAft>
+                          <a:spcPts val="0"/>
+                        </a:spcAft>
+                      </a:pPr>
+                      <a:r>
+                        <a:rPr lang="en-US" sz="1600" i="0" dirty="0">
+                          <a:effectLst/>
+                          <a:latin typeface="Consolas" panose="020B0609020204030204" pitchFamily="49" charset="0"/>
+                          <a:cs typeface="Consolas" panose="020B0609020204030204" pitchFamily="49" charset="0"/>
+                        </a:rPr>
+                        <a:t>WHILE</a:t>
+                      </a:r>
+                    </a:p>
+                    <a:p>
+                      <a:pPr marL="0" marR="0" algn="just">
+                        <a:spcBef>
+                          <a:spcPts val="0"/>
+                        </a:spcBef>
+                        <a:spcAft>
+                          <a:spcPts val="0"/>
+                        </a:spcAft>
+                      </a:pPr>
+                      <a:r>
+                        <a:rPr lang="en-US" sz="1600" i="0" dirty="0">
+                          <a:effectLst/>
+                          <a:latin typeface="Consolas" panose="020B0609020204030204" pitchFamily="49" charset="0"/>
+                          <a:cs typeface="Consolas" panose="020B0609020204030204" pitchFamily="49" charset="0"/>
+                        </a:rPr>
+                        <a:t>  CMP r0, #128 ; r0-128</a:t>
+                      </a:r>
+                    </a:p>
+                    <a:p>
+                      <a:pPr marL="0" marR="0" algn="just">
+                        <a:spcBef>
+                          <a:spcPts val="0"/>
+                        </a:spcBef>
+                        <a:spcAft>
+                          <a:spcPts val="0"/>
+                        </a:spcAft>
+                      </a:pPr>
+                      <a:r>
+                        <a:rPr lang="en-US" sz="1600" i="0" dirty="0">
+                          <a:effectLst/>
+                          <a:latin typeface="Consolas" panose="020B0609020204030204" pitchFamily="49" charset="0"/>
+                          <a:cs typeface="Consolas" panose="020B0609020204030204" pitchFamily="49" charset="0"/>
+                        </a:rPr>
+                        <a:t>  BEQ DONE ; if (pow==128) exit loop</a:t>
+                      </a:r>
+                    </a:p>
+                    <a:p>
+                      <a:pPr marL="0" marR="0" algn="just">
+                        <a:spcBef>
+                          <a:spcPts val="0"/>
+                        </a:spcBef>
+                        <a:spcAft>
+                          <a:spcPts val="0"/>
+                        </a:spcAft>
+                      </a:pPr>
+                      <a:r>
+                        <a:rPr lang="en-US" sz="1600" i="0" dirty="0">
+                          <a:effectLst/>
+                          <a:latin typeface="Consolas" panose="020B0609020204030204" pitchFamily="49" charset="0"/>
+                          <a:cs typeface="Consolas" panose="020B0609020204030204" pitchFamily="49" charset="0"/>
+                        </a:rPr>
+                        <a:t>  LSL r0, r0, #1 ; pow = pow * 2</a:t>
+                      </a:r>
+                    </a:p>
+                    <a:p>
+                      <a:pPr marL="0" marR="0" algn="just">
+                        <a:spcBef>
+                          <a:spcPts val="0"/>
+                        </a:spcBef>
+                        <a:spcAft>
+                          <a:spcPts val="0"/>
+                        </a:spcAft>
+                      </a:pPr>
+                      <a:r>
+                        <a:rPr lang="en-US" sz="1600" i="0" dirty="0">
+                          <a:effectLst/>
+                          <a:latin typeface="Consolas" panose="020B0609020204030204" pitchFamily="49" charset="0"/>
+                          <a:cs typeface="Consolas" panose="020B0609020204030204" pitchFamily="49" charset="0"/>
+                        </a:rPr>
+                        <a:t>  ADD r1, r1, #1 ; x = x + 1</a:t>
+                      </a:r>
+                    </a:p>
+                    <a:p>
+                      <a:pPr marL="0" marR="0" algn="just">
+                        <a:spcBef>
+                          <a:spcPts val="0"/>
+                        </a:spcBef>
+                        <a:spcAft>
+                          <a:spcPts val="0"/>
+                        </a:spcAft>
+                      </a:pPr>
+                      <a:r>
+                        <a:rPr lang="en-US" sz="1600" i="0" dirty="0">
+                          <a:effectLst/>
+                          <a:latin typeface="Consolas" panose="020B0609020204030204" pitchFamily="49" charset="0"/>
+                          <a:cs typeface="Consolas" panose="020B0609020204030204" pitchFamily="49" charset="0"/>
+                        </a:rPr>
+                        <a:t>  B WHILE ; repeat loop</a:t>
+                      </a:r>
+                    </a:p>
+                    <a:p>
+                      <a:pPr marL="0" marR="0" algn="just">
+                        <a:spcBef>
+                          <a:spcPts val="0"/>
+                        </a:spcBef>
+                        <a:spcAft>
+                          <a:spcPts val="0"/>
+                        </a:spcAft>
+                      </a:pPr>
+                      <a:r>
+                        <a:rPr lang="en-US" sz="1600" i="0" dirty="0">
+                          <a:effectLst/>
+                          <a:latin typeface="Consolas" panose="020B0609020204030204" pitchFamily="49" charset="0"/>
+                          <a:cs typeface="Consolas" panose="020B0609020204030204" pitchFamily="49" charset="0"/>
+                        </a:rPr>
+                        <a:t>DONE</a:t>
+                      </a:r>
+                    </a:p>
+                  </a:txBody>
+                  <a:tcPr marL="68580" marR="68580" marT="0" marB="0"/>
+                </a:tc>
+                <a:extLst>
+                  <a:ext uri="{0D108BD9-81ED-4DB2-BD59-A6C34878D82A}">
+                    <a16:rowId xmlns:a16="http://schemas.microsoft.com/office/drawing/2014/main" val="10001"/>
+                  </a:ext>
+                </a:extLst>
+              </a:tr>
+            </a:tbl>
+          </a:graphicData>
+        </a:graphic>
+      </p:graphicFrame>
+    </p:spTree>
+    <p:extLst>
+      <p:ext uri="{BB962C8B-B14F-4D97-AF65-F5344CB8AC3E}">
+        <p14:creationId xmlns:p14="http://schemas.microsoft.com/office/powerpoint/2010/main" val="1907292877"/>
+      </p:ext>
+    </p:extLst>
+  </p:cSld>
+  <p:clrMapOvr>
+    <a:masterClrMapping/>
+  </p:clrMapOvr>
+</p:sld>
+</file>
+
+<file path=ppt/slides/slide14.xml><?xml version="1.0" encoding="utf-8"?>
+<p:sld xmlns:a="http://schemas.openxmlformats.org/drawingml/2006/main" xmlns:r="http://schemas.openxmlformats.org/officeDocument/2006/relationships" xmlns:p="http://schemas.openxmlformats.org/presentationml/2006/main">
+  <p:cSld>
+    <p:spTree>
+      <p:nvGrpSpPr>
+        <p:cNvPr id="1" name="">
+          <a:extLst>
+            <a:ext uri="{FF2B5EF4-FFF2-40B4-BE49-F238E27FC236}">
+              <a16:creationId xmlns:a16="http://schemas.microsoft.com/office/drawing/2014/main" id="{9D3DBE30-CE9B-1B6D-6A4A-6B6EA5CC322D}"/>
+            </a:ext>
+          </a:extLst>
+        </p:cNvPr>
+        <p:cNvGrpSpPr/>
+        <p:nvPr/>
+      </p:nvGrpSpPr>
+      <p:grpSpPr>
+        <a:xfrm>
+          <a:off x="0" y="0"/>
+          <a:ext cx="0" cy="0"/>
+          <a:chOff x="0" y="0"/>
+          <a:chExt cx="0" cy="0"/>
+        </a:xfrm>
+      </p:grpSpPr>
+      <p:sp>
+        <p:nvSpPr>
+          <p:cNvPr id="2" name="Title 1">
+            <a:extLst>
+              <a:ext uri="{FF2B5EF4-FFF2-40B4-BE49-F238E27FC236}">
+                <a16:creationId xmlns:a16="http://schemas.microsoft.com/office/drawing/2014/main" id="{34675490-947F-5AFD-6FE0-9CAFDE4D0FA3}"/>
+              </a:ext>
+            </a:extLst>
+          </p:cNvPr>
+          <p:cNvSpPr>
+            <a:spLocks noGrp="1"/>
+          </p:cNvSpPr>
+          <p:nvPr>
+            <p:ph type="title"/>
+          </p:nvPr>
+        </p:nvSpPr>
+        <p:spPr/>
+        <p:txBody>
+          <a:bodyPr/>
+          <a:lstStyle/>
+          <a:p>
+            <a:r>
+              <a:rPr lang="en-US" dirty="0"/>
+              <a:t>C to Assembly</a:t>
+            </a:r>
+          </a:p>
+        </p:txBody>
+      </p:sp>
+      <p:sp>
+        <p:nvSpPr>
+          <p:cNvPr id="3" name="Slide Number Placeholder 2">
+            <a:extLst>
+              <a:ext uri="{FF2B5EF4-FFF2-40B4-BE49-F238E27FC236}">
+                <a16:creationId xmlns:a16="http://schemas.microsoft.com/office/drawing/2014/main" id="{A23A3EFE-5323-ACD8-6FE1-AB4B2171D024}"/>
+              </a:ext>
+            </a:extLst>
+          </p:cNvPr>
+          <p:cNvSpPr>
+            <a:spLocks noGrp="1"/>
+          </p:cNvSpPr>
+          <p:nvPr>
+            <p:ph type="sldNum" sz="quarter" idx="12"/>
+          </p:nvPr>
+        </p:nvSpPr>
+        <p:spPr/>
+        <p:txBody>
+          <a:bodyPr/>
+          <a:lstStyle/>
+          <a:p>
+            <a:fld id="{EA7C8D44-3667-46F6-9772-CC52308E2A7F}" type="slidenum">
+              <a:rPr kumimoji="0" lang="en-US" smtClean="0"/>
+              <a:pPr/>
+              <a:t>14</a:t>
+            </a:fld>
+            <a:endParaRPr kumimoji="0" lang="en-US" dirty="0"/>
+          </a:p>
+        </p:txBody>
+      </p:sp>
+      <p:sp>
+        <p:nvSpPr>
+          <p:cNvPr id="4" name="Content Placeholder 3">
+            <a:extLst>
+              <a:ext uri="{FF2B5EF4-FFF2-40B4-BE49-F238E27FC236}">
+                <a16:creationId xmlns:a16="http://schemas.microsoft.com/office/drawing/2014/main" id="{341D3EA2-DC46-3341-8CF9-CFCEF1A12B97}"/>
+              </a:ext>
+            </a:extLst>
+          </p:cNvPr>
+          <p:cNvSpPr>
+            <a:spLocks noGrp="1"/>
+          </p:cNvSpPr>
+          <p:nvPr>
+            <p:ph sz="quarter" idx="1"/>
+          </p:nvPr>
+        </p:nvSpPr>
+        <p:spPr>
+          <a:xfrm>
+            <a:off x="457200" y="4191000"/>
+            <a:ext cx="8229600" cy="1965960"/>
+          </a:xfrm>
+        </p:spPr>
+        <p:txBody>
+          <a:bodyPr>
+            <a:normAutofit fontScale="92500" lnSpcReduction="10000"/>
+          </a:bodyPr>
+          <a:lstStyle/>
+          <a:p>
+            <a:r>
+              <a:rPr lang="en-US" dirty="0"/>
+              <a:t>For an array of 32‑bit </a:t>
+            </a:r>
+            <a:r>
+              <a:rPr lang="en-US" dirty="0" err="1"/>
+              <a:t>ints</a:t>
+            </a:r>
+            <a:r>
+              <a:rPr lang="en-US" dirty="0"/>
+              <a:t>, each element is 4 bytes, so element </a:t>
+            </a:r>
+            <a:r>
+              <a:rPr lang="en-US" dirty="0" err="1"/>
+              <a:t>i</a:t>
+            </a:r>
+            <a:r>
+              <a:rPr lang="en-US" dirty="0"/>
+              <a:t> lives at base + </a:t>
+            </a:r>
+            <a:r>
+              <a:rPr lang="en-US" dirty="0" err="1"/>
+              <a:t>i</a:t>
+            </a:r>
+            <a:r>
+              <a:rPr lang="en-US" dirty="0"/>
+              <a:t>*4, which is implemented as base + (</a:t>
+            </a:r>
+            <a:r>
+              <a:rPr lang="en-US" dirty="0" err="1"/>
+              <a:t>i</a:t>
+            </a:r>
+            <a:r>
+              <a:rPr lang="en-US" dirty="0"/>
+              <a:t> &lt;&lt; 2) via LSL #2 in the addressing mode</a:t>
+            </a:r>
+          </a:p>
+          <a:p>
+            <a:r>
+              <a:rPr lang="en-US" dirty="0"/>
+              <a:t>BPL “Branch if </a:t>
+            </a:r>
+            <a:r>
+              <a:rPr lang="en-US" dirty="0" err="1"/>
+              <a:t>PLus</a:t>
+            </a:r>
+            <a:r>
+              <a:rPr lang="en-US" dirty="0"/>
+              <a:t>” branches when the N (negative) flag N == 0, meaning the prior result was positive or zero</a:t>
+            </a:r>
+          </a:p>
+        </p:txBody>
+      </p:sp>
+      <p:graphicFrame>
+        <p:nvGraphicFramePr>
+          <p:cNvPr id="5" name="Table 4">
+            <a:extLst>
+              <a:ext uri="{FF2B5EF4-FFF2-40B4-BE49-F238E27FC236}">
+                <a16:creationId xmlns:a16="http://schemas.microsoft.com/office/drawing/2014/main" id="{F287FE73-3E90-5E25-A781-0E2805872713}"/>
+              </a:ext>
+            </a:extLst>
+          </p:cNvPr>
+          <p:cNvGraphicFramePr>
+            <a:graphicFrameLocks noGrp="1"/>
+          </p:cNvGraphicFramePr>
+          <p:nvPr>
+            <p:extLst>
+              <p:ext uri="{D42A27DB-BD31-4B8C-83A1-F6EECF244321}">
+                <p14:modId xmlns:p14="http://schemas.microsoft.com/office/powerpoint/2010/main" val="1960380933"/>
+              </p:ext>
+            </p:extLst>
+          </p:nvPr>
+        </p:nvGraphicFramePr>
+        <p:xfrm>
+          <a:off x="457200" y="1219200"/>
+          <a:ext cx="8229600" cy="2194560"/>
+        </p:xfrm>
+        <a:graphic>
+          <a:graphicData uri="http://schemas.openxmlformats.org/drawingml/2006/table">
+            <a:tbl>
+              <a:tblPr firstRow="1" firstCol="1" bandRow="1">
+                <a:tableStyleId>{5940675A-B579-460E-94D1-54222C63F5DA}</a:tableStyleId>
+              </a:tblPr>
+              <a:tblGrid>
+                <a:gridCol w="3461047">
+                  <a:extLst>
+                    <a:ext uri="{9D8B030D-6E8A-4147-A177-3AD203B41FA5}">
+                      <a16:colId xmlns:a16="http://schemas.microsoft.com/office/drawing/2014/main" val="20000"/>
+                    </a:ext>
+                  </a:extLst>
+                </a:gridCol>
+                <a:gridCol w="4768553">
+                  <a:extLst>
+                    <a:ext uri="{9D8B030D-6E8A-4147-A177-3AD203B41FA5}">
+                      <a16:colId xmlns:a16="http://schemas.microsoft.com/office/drawing/2014/main" val="20001"/>
+                    </a:ext>
+                  </a:extLst>
+                </a:gridCol>
+              </a:tblGrid>
+              <a:tr h="217369">
+                <a:tc>
+                  <a:txBody>
+                    <a:bodyPr/>
+                    <a:lstStyle/>
+                    <a:p>
+                      <a:pPr marL="0" marR="0" algn="just">
+                        <a:spcBef>
+                          <a:spcPts val="0"/>
+                        </a:spcBef>
+                        <a:spcAft>
+                          <a:spcPts val="0"/>
+                        </a:spcAft>
+                      </a:pPr>
+                      <a:r>
+                        <a:rPr lang="en-US" sz="1600" dirty="0">
+                          <a:solidFill>
+                            <a:schemeClr val="bg1"/>
+                          </a:solidFill>
+                          <a:effectLst/>
+                          <a:latin typeface="Consolas" panose="020B0609020204030204" pitchFamily="49" charset="0"/>
+                          <a:cs typeface="Consolas" panose="020B0609020204030204" pitchFamily="49" charset="0"/>
+                        </a:rPr>
+                        <a:t>C Program</a:t>
+                      </a:r>
+                      <a:endParaRPr lang="en-US" sz="1600" dirty="0">
+                        <a:solidFill>
+                          <a:schemeClr val="bg1"/>
+                        </a:solidFill>
+                        <a:effectLst/>
+                        <a:latin typeface="Consolas" panose="020B0609020204030204" pitchFamily="49" charset="0"/>
+                        <a:ea typeface="宋体"/>
+                        <a:cs typeface="Consolas" panose="020B0609020204030204" pitchFamily="49" charset="0"/>
+                      </a:endParaRPr>
+                    </a:p>
+                  </a:txBody>
+                  <a:tcPr marL="68580" marR="68580" marT="0" marB="0">
+                    <a:solidFill>
+                      <a:schemeClr val="accent1"/>
+                    </a:solidFill>
+                  </a:tcPr>
+                </a:tc>
+                <a:tc>
+                  <a:txBody>
+                    <a:bodyPr/>
+                    <a:lstStyle/>
+                    <a:p>
+                      <a:pPr marL="0" marR="0" algn="just">
+                        <a:spcBef>
+                          <a:spcPts val="0"/>
+                        </a:spcBef>
+                        <a:spcAft>
+                          <a:spcPts val="0"/>
+                        </a:spcAft>
+                      </a:pPr>
+                      <a:r>
+                        <a:rPr lang="en-US" sz="1600" dirty="0">
+                          <a:solidFill>
+                            <a:schemeClr val="bg1"/>
+                          </a:solidFill>
+                          <a:effectLst/>
+                          <a:latin typeface="Consolas" panose="020B0609020204030204" pitchFamily="49" charset="0"/>
+                          <a:cs typeface="Consolas" panose="020B0609020204030204" pitchFamily="49" charset="0"/>
+                        </a:rPr>
+                        <a:t>Assembly Program</a:t>
+                      </a:r>
+                      <a:endParaRPr lang="en-US" sz="1600" dirty="0">
+                        <a:solidFill>
+                          <a:schemeClr val="bg1"/>
+                        </a:solidFill>
+                        <a:effectLst/>
+                        <a:latin typeface="Consolas" panose="020B0609020204030204" pitchFamily="49" charset="0"/>
+                        <a:ea typeface="宋体"/>
+                        <a:cs typeface="Consolas" panose="020B0609020204030204" pitchFamily="49" charset="0"/>
+                      </a:endParaRPr>
+                    </a:p>
+                  </a:txBody>
+                  <a:tcPr marL="68580" marR="68580" marT="0" marB="0">
+                    <a:solidFill>
+                      <a:schemeClr val="accent1"/>
+                    </a:solidFill>
+                  </a:tcPr>
+                </a:tc>
+                <a:extLst>
+                  <a:ext uri="{0D108BD9-81ED-4DB2-BD59-A6C34878D82A}">
+                    <a16:rowId xmlns:a16="http://schemas.microsoft.com/office/drawing/2014/main" val="10000"/>
+                  </a:ext>
+                </a:extLst>
+              </a:tr>
+              <a:tr h="773230">
+                <a:tc>
+                  <a:txBody>
+                    <a:bodyPr/>
+                    <a:lstStyle/>
+                    <a:p>
+                      <a:r>
+                        <a:rPr lang="nn-NO" sz="1600" b="0" dirty="0">
+                          <a:effectLst/>
+                          <a:latin typeface="Consolas" panose="020B0609020204030204" pitchFamily="49" charset="0"/>
+                          <a:ea typeface="宋体"/>
+                          <a:cs typeface="Consolas" panose="020B0609020204030204" pitchFamily="49" charset="0"/>
+                        </a:rPr>
+                        <a:t>int array[200];</a:t>
+                      </a:r>
+                    </a:p>
+                    <a:p>
+                      <a:r>
+                        <a:rPr lang="nn-NO" sz="1600" b="0" dirty="0">
+                          <a:effectLst/>
+                          <a:latin typeface="Consolas" panose="020B0609020204030204" pitchFamily="49" charset="0"/>
+                          <a:ea typeface="宋体"/>
+                          <a:cs typeface="Consolas" panose="020B0609020204030204" pitchFamily="49" charset="0"/>
+                        </a:rPr>
+                        <a:t>int i;</a:t>
+                      </a:r>
+                    </a:p>
+                    <a:p>
+                      <a:endParaRPr lang="nn-NO" sz="1600" b="0" dirty="0">
+                        <a:effectLst/>
+                        <a:latin typeface="Consolas" panose="020B0609020204030204" pitchFamily="49" charset="0"/>
+                        <a:ea typeface="宋体"/>
+                        <a:cs typeface="Consolas" panose="020B0609020204030204" pitchFamily="49" charset="0"/>
+                      </a:endParaRPr>
+                    </a:p>
+                    <a:p>
+                      <a:r>
+                        <a:rPr lang="nn-NO" sz="1600" b="0" dirty="0">
+                          <a:effectLst/>
+                          <a:latin typeface="Consolas" panose="020B0609020204030204" pitchFamily="49" charset="0"/>
+                          <a:ea typeface="宋体"/>
+                          <a:cs typeface="Consolas" panose="020B0609020204030204" pitchFamily="49" charset="0"/>
+                        </a:rPr>
+                        <a:t>for (i = 199; i &gt;= 0</a:t>
+                      </a:r>
+                      <a:r>
+                        <a:rPr lang="nn-NO" sz="1600" b="0">
+                          <a:effectLst/>
+                          <a:latin typeface="Consolas" panose="020B0609020204030204" pitchFamily="49" charset="0"/>
+                          <a:ea typeface="宋体"/>
+                          <a:cs typeface="Consolas" panose="020B0609020204030204" pitchFamily="49" charset="0"/>
+                        </a:rPr>
+                        <a:t>; i=i-1</a:t>
+                      </a:r>
+                      <a:r>
+                        <a:rPr lang="nn-NO" sz="1600" b="0" dirty="0">
+                          <a:effectLst/>
+                          <a:latin typeface="Consolas" panose="020B0609020204030204" pitchFamily="49" charset="0"/>
+                          <a:ea typeface="宋体"/>
+                          <a:cs typeface="Consolas" panose="020B0609020204030204" pitchFamily="49" charset="0"/>
+                        </a:rPr>
+                        <a:t>)</a:t>
+                      </a:r>
+                    </a:p>
+                    <a:p>
+                      <a:r>
+                        <a:rPr lang="nn-NO" sz="1600" b="0" dirty="0">
+                          <a:effectLst/>
+                          <a:latin typeface="Consolas" panose="020B0609020204030204" pitchFamily="49" charset="0"/>
+                          <a:ea typeface="宋体"/>
+                          <a:cs typeface="Consolas" panose="020B0609020204030204" pitchFamily="49" charset="0"/>
+                        </a:rPr>
+                        <a:t>array[i] = array[i] * 8;</a:t>
+                      </a:r>
+                      <a:endParaRPr lang="en-US" sz="1600" b="0" dirty="0">
+                        <a:effectLst/>
+                        <a:latin typeface="Consolas" panose="020B0609020204030204" pitchFamily="49" charset="0"/>
+                        <a:ea typeface="宋体"/>
+                        <a:cs typeface="Consolas" panose="020B0609020204030204" pitchFamily="49" charset="0"/>
+                      </a:endParaRPr>
+                    </a:p>
+                  </a:txBody>
+                  <a:tcPr marL="68580" marR="68580" marT="0" marB="0"/>
+                </a:tc>
+                <a:tc>
+                  <a:txBody>
+                    <a:bodyPr/>
+                    <a:lstStyle/>
+                    <a:p>
+                      <a:pPr marL="0" marR="0" algn="just">
+                        <a:spcBef>
+                          <a:spcPts val="0"/>
+                        </a:spcBef>
+                        <a:spcAft>
+                          <a:spcPts val="0"/>
+                        </a:spcAft>
+                      </a:pPr>
+                      <a:r>
+                        <a:rPr lang="pt-BR" sz="1600" i="0" dirty="0">
+                          <a:effectLst/>
+                          <a:latin typeface="Consolas" panose="020B0609020204030204" pitchFamily="49" charset="0"/>
+                          <a:cs typeface="Consolas" panose="020B0609020204030204" pitchFamily="49" charset="0"/>
+                        </a:rPr>
+                        <a:t>; R0 = array base address, R1 = i</a:t>
+                      </a:r>
+                    </a:p>
+                    <a:p>
+                      <a:pPr marL="0" marR="0" algn="just">
+                        <a:spcBef>
+                          <a:spcPts val="0"/>
+                        </a:spcBef>
+                        <a:spcAft>
+                          <a:spcPts val="0"/>
+                        </a:spcAft>
+                      </a:pPr>
+                      <a:r>
+                        <a:rPr lang="pt-BR" sz="1600" i="0" dirty="0">
+                          <a:effectLst/>
+                          <a:latin typeface="Consolas" panose="020B0609020204030204" pitchFamily="49" charset="0"/>
+                          <a:cs typeface="Consolas" panose="020B0609020204030204" pitchFamily="49" charset="0"/>
+                        </a:rPr>
+                        <a:t>MOV R0, 0x60000000</a:t>
+                      </a:r>
+                    </a:p>
+                    <a:p>
+                      <a:pPr marL="0" marR="0" algn="just">
+                        <a:spcBef>
+                          <a:spcPts val="0"/>
+                        </a:spcBef>
+                        <a:spcAft>
+                          <a:spcPts val="0"/>
+                        </a:spcAft>
+                      </a:pPr>
+                      <a:r>
+                        <a:rPr lang="pt-BR" sz="1600" i="0" dirty="0">
+                          <a:effectLst/>
+                          <a:latin typeface="Consolas" panose="020B0609020204030204" pitchFamily="49" charset="0"/>
+                          <a:cs typeface="Consolas" panose="020B0609020204030204" pitchFamily="49" charset="0"/>
+                        </a:rPr>
+                        <a:t>MOV R1, #199</a:t>
+                      </a:r>
+                    </a:p>
+                    <a:p>
+                      <a:pPr marL="0" marR="0" algn="just">
+                        <a:spcBef>
+                          <a:spcPts val="0"/>
+                        </a:spcBef>
+                        <a:spcAft>
+                          <a:spcPts val="0"/>
+                        </a:spcAft>
+                      </a:pPr>
+                      <a:endParaRPr lang="pt-BR" sz="1600" i="0" dirty="0">
+                        <a:effectLst/>
+                        <a:latin typeface="Consolas" panose="020B0609020204030204" pitchFamily="49" charset="0"/>
+                        <a:cs typeface="Consolas" panose="020B0609020204030204" pitchFamily="49" charset="0"/>
+                      </a:endParaRPr>
+                    </a:p>
+                    <a:p>
+                      <a:pPr marL="0" marR="0" algn="just">
+                        <a:spcBef>
+                          <a:spcPts val="0"/>
+                        </a:spcBef>
+                        <a:spcAft>
+                          <a:spcPts val="0"/>
+                        </a:spcAft>
+                      </a:pPr>
+                      <a:r>
+                        <a:rPr lang="pt-BR" sz="1600" i="0" dirty="0">
+                          <a:effectLst/>
+                          <a:latin typeface="Consolas" panose="020B0609020204030204" pitchFamily="49" charset="0"/>
+                          <a:cs typeface="Consolas" panose="020B0609020204030204" pitchFamily="49" charset="0"/>
+                        </a:rPr>
+                        <a:t>FOR</a:t>
+                      </a:r>
+                    </a:p>
+                    <a:p>
+                      <a:pPr marL="0" marR="0" algn="just">
+                        <a:spcBef>
+                          <a:spcPts val="0"/>
+                        </a:spcBef>
+                        <a:spcAft>
+                          <a:spcPts val="0"/>
+                        </a:spcAft>
+                      </a:pPr>
+                      <a:endParaRPr lang="pt-BR" sz="1600" i="0" dirty="0">
+                        <a:effectLst/>
+                        <a:latin typeface="Consolas" panose="020B0609020204030204" pitchFamily="49" charset="0"/>
+                        <a:cs typeface="Consolas" panose="020B0609020204030204" pitchFamily="49" charset="0"/>
+                      </a:endParaRPr>
+                    </a:p>
+                    <a:p>
+                      <a:pPr marL="0" marR="0" algn="just">
+                        <a:spcBef>
+                          <a:spcPts val="0"/>
+                        </a:spcBef>
+                        <a:spcAft>
+                          <a:spcPts val="0"/>
+                        </a:spcAft>
+                      </a:pPr>
+                      <a:endParaRPr lang="pt-BR" sz="1600" i="0" dirty="0">
+                        <a:effectLst/>
+                        <a:latin typeface="Consolas" panose="020B0609020204030204" pitchFamily="49" charset="0"/>
+                        <a:cs typeface="Consolas" panose="020B0609020204030204" pitchFamily="49" charset="0"/>
+                      </a:endParaRPr>
+                    </a:p>
+                    <a:p>
+                      <a:pPr marL="0" marR="0" algn="just">
+                        <a:spcBef>
+                          <a:spcPts val="0"/>
+                        </a:spcBef>
+                        <a:spcAft>
+                          <a:spcPts val="0"/>
+                        </a:spcAft>
+                      </a:pPr>
+                      <a:endParaRPr lang="pt-BR" sz="1600" i="0" dirty="0">
+                        <a:effectLst/>
+                        <a:latin typeface="Consolas" panose="020B0609020204030204" pitchFamily="49" charset="0"/>
+                        <a:cs typeface="Consolas" panose="020B0609020204030204" pitchFamily="49" charset="0"/>
+                      </a:endParaRPr>
+                    </a:p>
+                  </a:txBody>
+                  <a:tcPr marL="68580" marR="68580" marT="0" marB="0"/>
+                </a:tc>
+                <a:extLst>
+                  <a:ext uri="{0D108BD9-81ED-4DB2-BD59-A6C34878D82A}">
+                    <a16:rowId xmlns:a16="http://schemas.microsoft.com/office/drawing/2014/main" val="10001"/>
+                  </a:ext>
+                </a:extLst>
+              </a:tr>
+            </a:tbl>
+          </a:graphicData>
+        </a:graphic>
+      </p:graphicFrame>
+    </p:spTree>
+    <p:extLst>
+      <p:ext uri="{BB962C8B-B14F-4D97-AF65-F5344CB8AC3E}">
+        <p14:creationId xmlns:p14="http://schemas.microsoft.com/office/powerpoint/2010/main" val="796807376"/>
+      </p:ext>
+    </p:extLst>
+  </p:cSld>
+  <p:clrMapOvr>
+    <a:masterClrMapping/>
+  </p:clrMapOvr>
+</p:sld>
+</file>
+
+<file path=ppt/slides/slide15.xml><?xml version="1.0" encoding="utf-8"?>
+<p:sld xmlns:a="http://schemas.openxmlformats.org/drawingml/2006/main" xmlns:r="http://schemas.openxmlformats.org/officeDocument/2006/relationships" xmlns:p="http://schemas.openxmlformats.org/presentationml/2006/main">
+  <p:cSld>
+    <p:spTree>
+      <p:nvGrpSpPr>
+        <p:cNvPr id="1" name="">
+          <a:extLst>
+            <a:ext uri="{FF2B5EF4-FFF2-40B4-BE49-F238E27FC236}">
+              <a16:creationId xmlns:a16="http://schemas.microsoft.com/office/drawing/2014/main" id="{C995F016-4C8B-F6CB-CAF4-68B469313A7D}"/>
+            </a:ext>
+          </a:extLst>
+        </p:cNvPr>
+        <p:cNvGrpSpPr/>
+        <p:nvPr/>
+      </p:nvGrpSpPr>
+      <p:grpSpPr>
+        <a:xfrm>
+          <a:off x="0" y="0"/>
+          <a:ext cx="0" cy="0"/>
+          <a:chOff x="0" y="0"/>
+          <a:chExt cx="0" cy="0"/>
+        </a:xfrm>
+      </p:grpSpPr>
+      <p:sp>
+        <p:nvSpPr>
+          <p:cNvPr id="2" name="Title 1">
+            <a:extLst>
+              <a:ext uri="{FF2B5EF4-FFF2-40B4-BE49-F238E27FC236}">
+                <a16:creationId xmlns:a16="http://schemas.microsoft.com/office/drawing/2014/main" id="{68E5EA6B-8952-40EB-3949-6B580717CDD6}"/>
+              </a:ext>
+            </a:extLst>
+          </p:cNvPr>
+          <p:cNvSpPr>
+            <a:spLocks noGrp="1"/>
+          </p:cNvSpPr>
+          <p:nvPr>
+            <p:ph type="title"/>
+          </p:nvPr>
+        </p:nvSpPr>
+        <p:spPr/>
+        <p:txBody>
+          <a:bodyPr/>
+          <a:lstStyle/>
+          <a:p>
+            <a:r>
+              <a:rPr lang="en-US" dirty="0"/>
+              <a:t>C to Assembly ANS </a:t>
+            </a:r>
+          </a:p>
+        </p:txBody>
+      </p:sp>
+      <p:sp>
+        <p:nvSpPr>
+          <p:cNvPr id="3" name="Slide Number Placeholder 2">
+            <a:extLst>
+              <a:ext uri="{FF2B5EF4-FFF2-40B4-BE49-F238E27FC236}">
+                <a16:creationId xmlns:a16="http://schemas.microsoft.com/office/drawing/2014/main" id="{FE6C4BA2-E8FF-80CA-AD47-94FDF9E2776F}"/>
+              </a:ext>
+            </a:extLst>
+          </p:cNvPr>
+          <p:cNvSpPr>
+            <a:spLocks noGrp="1"/>
+          </p:cNvSpPr>
+          <p:nvPr>
+            <p:ph type="sldNum" sz="quarter" idx="12"/>
+          </p:nvPr>
+        </p:nvSpPr>
+        <p:spPr/>
+        <p:txBody>
+          <a:bodyPr/>
+          <a:lstStyle/>
+          <a:p>
+            <a:fld id="{EA7C8D44-3667-46F6-9772-CC52308E2A7F}" type="slidenum">
+              <a:rPr kumimoji="0" lang="en-US" smtClean="0"/>
+              <a:pPr/>
+              <a:t>15</a:t>
+            </a:fld>
+            <a:endParaRPr kumimoji="0" lang="en-US" dirty="0"/>
+          </a:p>
+        </p:txBody>
+      </p:sp>
+      <p:sp>
+        <p:nvSpPr>
+          <p:cNvPr id="4" name="Content Placeholder 3">
+            <a:extLst>
+              <a:ext uri="{FF2B5EF4-FFF2-40B4-BE49-F238E27FC236}">
+                <a16:creationId xmlns:a16="http://schemas.microsoft.com/office/drawing/2014/main" id="{525A28E5-49A3-66F7-990B-B2B6CBD19396}"/>
+              </a:ext>
+            </a:extLst>
+          </p:cNvPr>
+          <p:cNvSpPr>
+            <a:spLocks noGrp="1"/>
+          </p:cNvSpPr>
+          <p:nvPr>
+            <p:ph sz="quarter" idx="1"/>
+          </p:nvPr>
+        </p:nvSpPr>
+        <p:spPr>
+          <a:xfrm>
+            <a:off x="457200" y="4191000"/>
+            <a:ext cx="8229600" cy="1965960"/>
+          </a:xfrm>
+        </p:spPr>
+        <p:txBody>
+          <a:bodyPr>
+            <a:normAutofit fontScale="92500" lnSpcReduction="10000"/>
+          </a:bodyPr>
+          <a:lstStyle/>
+          <a:p>
+            <a:r>
+              <a:rPr lang="en-US" dirty="0"/>
+              <a:t>For an array of 32‑bit </a:t>
+            </a:r>
+            <a:r>
+              <a:rPr lang="en-US" dirty="0" err="1"/>
+              <a:t>ints</a:t>
+            </a:r>
+            <a:r>
+              <a:rPr lang="en-US" dirty="0"/>
+              <a:t>, each element is 4 bytes, so element </a:t>
+            </a:r>
+            <a:r>
+              <a:rPr lang="en-US" dirty="0" err="1"/>
+              <a:t>i</a:t>
+            </a:r>
+            <a:r>
+              <a:rPr lang="en-US" dirty="0"/>
+              <a:t> lives at base + </a:t>
+            </a:r>
+            <a:r>
+              <a:rPr lang="en-US" dirty="0" err="1"/>
+              <a:t>i</a:t>
+            </a:r>
+            <a:r>
+              <a:rPr lang="en-US" dirty="0"/>
+              <a:t>*4, which is implemented as base + (</a:t>
+            </a:r>
+            <a:r>
+              <a:rPr lang="en-US" dirty="0" err="1"/>
+              <a:t>i</a:t>
+            </a:r>
+            <a:r>
+              <a:rPr lang="en-US" dirty="0"/>
+              <a:t> &lt;&lt; 2) via LSL #2 in the addressing mode</a:t>
+            </a:r>
+          </a:p>
+          <a:p>
+            <a:r>
+              <a:rPr lang="en-US" dirty="0"/>
+              <a:t>BPL “Branch if </a:t>
+            </a:r>
+            <a:r>
+              <a:rPr lang="en-US" dirty="0" err="1"/>
+              <a:t>PLus</a:t>
+            </a:r>
+            <a:r>
+              <a:rPr lang="en-US" dirty="0"/>
+              <a:t>” branches when the N (negative) flag N == 0, meaning the prior result was positive or zero</a:t>
+            </a:r>
+          </a:p>
+        </p:txBody>
+      </p:sp>
+      <p:graphicFrame>
+        <p:nvGraphicFramePr>
+          <p:cNvPr id="5" name="Table 4">
+            <a:extLst>
+              <a:ext uri="{FF2B5EF4-FFF2-40B4-BE49-F238E27FC236}">
+                <a16:creationId xmlns:a16="http://schemas.microsoft.com/office/drawing/2014/main" id="{D51A6033-F35D-AA78-84E4-0829739E30DC}"/>
+              </a:ext>
+            </a:extLst>
+          </p:cNvPr>
+          <p:cNvGraphicFramePr>
+            <a:graphicFrameLocks noGrp="1"/>
+          </p:cNvGraphicFramePr>
+          <p:nvPr/>
+        </p:nvGraphicFramePr>
+        <p:xfrm>
+          <a:off x="457200" y="1219200"/>
+          <a:ext cx="8229600" cy="2682240"/>
+        </p:xfrm>
+        <a:graphic>
+          <a:graphicData uri="http://schemas.openxmlformats.org/drawingml/2006/table">
+            <a:tbl>
+              <a:tblPr firstRow="1" firstCol="1" bandRow="1">
+                <a:tableStyleId>{5940675A-B579-460E-94D1-54222C63F5DA}</a:tableStyleId>
+              </a:tblPr>
+              <a:tblGrid>
+                <a:gridCol w="3461047">
+                  <a:extLst>
+                    <a:ext uri="{9D8B030D-6E8A-4147-A177-3AD203B41FA5}">
+                      <a16:colId xmlns:a16="http://schemas.microsoft.com/office/drawing/2014/main" val="20000"/>
+                    </a:ext>
+                  </a:extLst>
+                </a:gridCol>
+                <a:gridCol w="4768553">
+                  <a:extLst>
+                    <a:ext uri="{9D8B030D-6E8A-4147-A177-3AD203B41FA5}">
+                      <a16:colId xmlns:a16="http://schemas.microsoft.com/office/drawing/2014/main" val="20001"/>
+                    </a:ext>
+                  </a:extLst>
+                </a:gridCol>
+              </a:tblGrid>
+              <a:tr h="217369">
+                <a:tc>
+                  <a:txBody>
+                    <a:bodyPr/>
+                    <a:lstStyle/>
+                    <a:p>
+                      <a:pPr marL="0" marR="0" algn="just">
+                        <a:spcBef>
+                          <a:spcPts val="0"/>
+                        </a:spcBef>
+                        <a:spcAft>
+                          <a:spcPts val="0"/>
+                        </a:spcAft>
+                      </a:pPr>
+                      <a:r>
+                        <a:rPr lang="en-US" sz="1600" dirty="0">
+                          <a:solidFill>
+                            <a:schemeClr val="bg1"/>
+                          </a:solidFill>
+                          <a:effectLst/>
+                          <a:latin typeface="Consolas" panose="020B0609020204030204" pitchFamily="49" charset="0"/>
+                          <a:cs typeface="Consolas" panose="020B0609020204030204" pitchFamily="49" charset="0"/>
+                        </a:rPr>
+                        <a:t>C Program</a:t>
+                      </a:r>
+                      <a:endParaRPr lang="en-US" sz="1600" dirty="0">
+                        <a:solidFill>
+                          <a:schemeClr val="bg1"/>
+                        </a:solidFill>
+                        <a:effectLst/>
+                        <a:latin typeface="Consolas" panose="020B0609020204030204" pitchFamily="49" charset="0"/>
+                        <a:ea typeface="宋体"/>
+                        <a:cs typeface="Consolas" panose="020B0609020204030204" pitchFamily="49" charset="0"/>
+                      </a:endParaRPr>
+                    </a:p>
+                  </a:txBody>
+                  <a:tcPr marL="68580" marR="68580" marT="0" marB="0">
+                    <a:solidFill>
+                      <a:schemeClr val="accent1"/>
+                    </a:solidFill>
+                  </a:tcPr>
+                </a:tc>
+                <a:tc>
+                  <a:txBody>
+                    <a:bodyPr/>
+                    <a:lstStyle/>
+                    <a:p>
+                      <a:pPr marL="0" marR="0" algn="just">
+                        <a:spcBef>
+                          <a:spcPts val="0"/>
+                        </a:spcBef>
+                        <a:spcAft>
+                          <a:spcPts val="0"/>
+                        </a:spcAft>
+                      </a:pPr>
+                      <a:r>
+                        <a:rPr lang="en-US" sz="1600" dirty="0">
+                          <a:solidFill>
+                            <a:schemeClr val="bg1"/>
+                          </a:solidFill>
+                          <a:effectLst/>
+                          <a:latin typeface="Consolas" panose="020B0609020204030204" pitchFamily="49" charset="0"/>
+                          <a:cs typeface="Consolas" panose="020B0609020204030204" pitchFamily="49" charset="0"/>
+                        </a:rPr>
+                        <a:t>Assembly Program</a:t>
+                      </a:r>
+                      <a:endParaRPr lang="en-US" sz="1600" dirty="0">
+                        <a:solidFill>
+                          <a:schemeClr val="bg1"/>
+                        </a:solidFill>
+                        <a:effectLst/>
+                        <a:latin typeface="Consolas" panose="020B0609020204030204" pitchFamily="49" charset="0"/>
+                        <a:ea typeface="宋体"/>
+                        <a:cs typeface="Consolas" panose="020B0609020204030204" pitchFamily="49" charset="0"/>
+                      </a:endParaRPr>
+                    </a:p>
+                  </a:txBody>
+                  <a:tcPr marL="68580" marR="68580" marT="0" marB="0">
+                    <a:solidFill>
+                      <a:schemeClr val="accent1"/>
+                    </a:solidFill>
+                  </a:tcPr>
+                </a:tc>
+                <a:extLst>
+                  <a:ext uri="{0D108BD9-81ED-4DB2-BD59-A6C34878D82A}">
+                    <a16:rowId xmlns:a16="http://schemas.microsoft.com/office/drawing/2014/main" val="10000"/>
+                  </a:ext>
+                </a:extLst>
+              </a:tr>
+              <a:tr h="773230">
+                <a:tc>
+                  <a:txBody>
+                    <a:bodyPr/>
+                    <a:lstStyle/>
+                    <a:p>
+                      <a:r>
+                        <a:rPr lang="nn-NO" sz="1600" b="0" dirty="0">
+                          <a:effectLst/>
+                          <a:latin typeface="Consolas" panose="020B0609020204030204" pitchFamily="49" charset="0"/>
+                          <a:ea typeface="宋体"/>
+                          <a:cs typeface="Consolas" panose="020B0609020204030204" pitchFamily="49" charset="0"/>
+                        </a:rPr>
+                        <a:t>int array[200];</a:t>
+                      </a:r>
+                    </a:p>
+                    <a:p>
+                      <a:r>
+                        <a:rPr lang="nn-NO" sz="1600" b="0" dirty="0">
+                          <a:effectLst/>
+                          <a:latin typeface="Consolas" panose="020B0609020204030204" pitchFamily="49" charset="0"/>
+                          <a:ea typeface="宋体"/>
+                          <a:cs typeface="Consolas" panose="020B0609020204030204" pitchFamily="49" charset="0"/>
+                        </a:rPr>
+                        <a:t>int i;</a:t>
+                      </a:r>
+                    </a:p>
+                    <a:p>
+                      <a:endParaRPr lang="nn-NO" sz="1600" b="0" dirty="0">
+                        <a:effectLst/>
+                        <a:latin typeface="Consolas" panose="020B0609020204030204" pitchFamily="49" charset="0"/>
+                        <a:ea typeface="宋体"/>
+                        <a:cs typeface="Consolas" panose="020B0609020204030204" pitchFamily="49" charset="0"/>
+                      </a:endParaRPr>
+                    </a:p>
+                    <a:p>
+                      <a:r>
+                        <a:rPr lang="nn-NO" sz="1600" b="0" dirty="0">
+                          <a:effectLst/>
+                          <a:latin typeface="Consolas" panose="020B0609020204030204" pitchFamily="49" charset="0"/>
+                          <a:ea typeface="宋体"/>
+                          <a:cs typeface="Consolas" panose="020B0609020204030204" pitchFamily="49" charset="0"/>
+                        </a:rPr>
+                        <a:t>for (i = 199; i &gt;= 0; i = i - 1)</a:t>
+                      </a:r>
+                    </a:p>
+                    <a:p>
+                      <a:r>
+                        <a:rPr lang="nn-NO" sz="1600" b="0" dirty="0">
+                          <a:effectLst/>
+                          <a:latin typeface="Consolas" panose="020B0609020204030204" pitchFamily="49" charset="0"/>
+                          <a:ea typeface="宋体"/>
+                          <a:cs typeface="Consolas" panose="020B0609020204030204" pitchFamily="49" charset="0"/>
+                        </a:rPr>
+                        <a:t>array[i] = array[i] * 8;</a:t>
+                      </a:r>
+                      <a:endParaRPr lang="en-US" sz="1600" b="0" dirty="0">
+                        <a:effectLst/>
+                        <a:latin typeface="Consolas" panose="020B0609020204030204" pitchFamily="49" charset="0"/>
+                        <a:ea typeface="宋体"/>
+                        <a:cs typeface="Consolas" panose="020B0609020204030204" pitchFamily="49" charset="0"/>
+                      </a:endParaRPr>
+                    </a:p>
+                  </a:txBody>
+                  <a:tcPr marL="68580" marR="68580" marT="0" marB="0"/>
+                </a:tc>
+                <a:tc>
+                  <a:txBody>
+                    <a:bodyPr/>
+                    <a:lstStyle/>
+                    <a:p>
+                      <a:pPr marL="0" marR="0" algn="just">
+                        <a:spcBef>
+                          <a:spcPts val="0"/>
+                        </a:spcBef>
+                        <a:spcAft>
+                          <a:spcPts val="0"/>
+                        </a:spcAft>
+                      </a:pPr>
+                      <a:r>
+                        <a:rPr lang="pt-BR" sz="1600" i="0" dirty="0">
+                          <a:effectLst/>
+                          <a:latin typeface="Consolas" panose="020B0609020204030204" pitchFamily="49" charset="0"/>
+                          <a:cs typeface="Consolas" panose="020B0609020204030204" pitchFamily="49" charset="0"/>
+                        </a:rPr>
+                        <a:t>; R0 = array base address, R1 = i</a:t>
+                      </a:r>
+                    </a:p>
+                    <a:p>
+                      <a:pPr marL="0" marR="0" algn="just">
+                        <a:spcBef>
+                          <a:spcPts val="0"/>
+                        </a:spcBef>
+                        <a:spcAft>
+                          <a:spcPts val="0"/>
+                        </a:spcAft>
+                      </a:pPr>
+                      <a:r>
+                        <a:rPr lang="pt-BR" sz="1600" i="0" dirty="0">
+                          <a:effectLst/>
+                          <a:latin typeface="Consolas" panose="020B0609020204030204" pitchFamily="49" charset="0"/>
+                          <a:cs typeface="Consolas" panose="020B0609020204030204" pitchFamily="49" charset="0"/>
+                        </a:rPr>
+                        <a:t>MOV R0, 0x60000000</a:t>
+                      </a:r>
+                    </a:p>
+                    <a:p>
+                      <a:pPr marL="0" marR="0" algn="just">
+                        <a:spcBef>
+                          <a:spcPts val="0"/>
+                        </a:spcBef>
+                        <a:spcAft>
+                          <a:spcPts val="0"/>
+                        </a:spcAft>
+                      </a:pPr>
+                      <a:r>
+                        <a:rPr lang="pt-BR" sz="1600" i="0" dirty="0">
+                          <a:effectLst/>
+                          <a:latin typeface="Consolas" panose="020B0609020204030204" pitchFamily="49" charset="0"/>
+                          <a:cs typeface="Consolas" panose="020B0609020204030204" pitchFamily="49" charset="0"/>
+                        </a:rPr>
+                        <a:t>MOV R1, #199</a:t>
+                      </a:r>
+                    </a:p>
+                    <a:p>
+                      <a:pPr marL="0" marR="0" algn="just">
+                        <a:spcBef>
+                          <a:spcPts val="0"/>
+                        </a:spcBef>
+                        <a:spcAft>
+                          <a:spcPts val="0"/>
+                        </a:spcAft>
+                      </a:pPr>
+                      <a:endParaRPr lang="pt-BR" sz="1600" i="0" dirty="0">
+                        <a:effectLst/>
+                        <a:latin typeface="Consolas" panose="020B0609020204030204" pitchFamily="49" charset="0"/>
+                        <a:cs typeface="Consolas" panose="020B0609020204030204" pitchFamily="49" charset="0"/>
+                      </a:endParaRPr>
+                    </a:p>
+                    <a:p>
+                      <a:pPr marL="0" marR="0" algn="just">
+                        <a:spcBef>
+                          <a:spcPts val="0"/>
+                        </a:spcBef>
+                        <a:spcAft>
+                          <a:spcPts val="0"/>
+                        </a:spcAft>
+                      </a:pPr>
+                      <a:r>
+                        <a:rPr lang="pt-BR" sz="1600" i="0" dirty="0">
+                          <a:effectLst/>
+                          <a:latin typeface="Consolas" panose="020B0609020204030204" pitchFamily="49" charset="0"/>
+                          <a:cs typeface="Consolas" panose="020B0609020204030204" pitchFamily="49" charset="0"/>
+                        </a:rPr>
+                        <a:t>FOR</a:t>
+                      </a:r>
+                    </a:p>
+                    <a:p>
+                      <a:pPr marL="0" marR="0" algn="just">
+                        <a:spcBef>
+                          <a:spcPts val="0"/>
+                        </a:spcBef>
+                        <a:spcAft>
+                          <a:spcPts val="0"/>
+                        </a:spcAft>
+                      </a:pPr>
+                      <a:r>
+                        <a:rPr lang="pt-BR" sz="1600" i="0" dirty="0">
+                          <a:effectLst/>
+                          <a:latin typeface="Consolas" panose="020B0609020204030204" pitchFamily="49" charset="0"/>
+                          <a:cs typeface="Consolas" panose="020B0609020204030204" pitchFamily="49" charset="0"/>
+                        </a:rPr>
+                        <a:t>  LDR R2, [R0, R1, LSL #2] ;R2 = array(i)</a:t>
+                      </a:r>
+                    </a:p>
+                    <a:p>
+                      <a:pPr marL="0" marR="0" algn="just">
+                        <a:spcBef>
+                          <a:spcPts val="0"/>
+                        </a:spcBef>
+                        <a:spcAft>
+                          <a:spcPts val="0"/>
+                        </a:spcAft>
+                      </a:pPr>
+                      <a:r>
+                        <a:rPr lang="pt-BR" sz="1600" i="0" dirty="0">
+                          <a:effectLst/>
+                          <a:latin typeface="Consolas" panose="020B0609020204030204" pitchFamily="49" charset="0"/>
+                          <a:cs typeface="Consolas" panose="020B0609020204030204" pitchFamily="49" charset="0"/>
+                        </a:rPr>
+                        <a:t>  LSL R2, R2, #3 ; R2 = R2&lt;&lt;3 = R2*8</a:t>
+                      </a:r>
+                    </a:p>
+                    <a:p>
+                      <a:pPr marL="0" marR="0" algn="just">
+                        <a:spcBef>
+                          <a:spcPts val="0"/>
+                        </a:spcBef>
+                        <a:spcAft>
+                          <a:spcPts val="0"/>
+                        </a:spcAft>
+                      </a:pPr>
+                      <a:r>
+                        <a:rPr lang="pt-BR" sz="1600" i="0" dirty="0">
+                          <a:effectLst/>
+                          <a:latin typeface="Consolas" panose="020B0609020204030204" pitchFamily="49" charset="0"/>
+                          <a:cs typeface="Consolas" panose="020B0609020204030204" pitchFamily="49" charset="0"/>
+                        </a:rPr>
+                        <a:t>  STR R2, [R0, R1, LSL #2] ;array(i) = R2</a:t>
+                      </a:r>
+                    </a:p>
+                    <a:p>
+                      <a:pPr marL="0" marR="0" algn="just">
+                        <a:spcBef>
+                          <a:spcPts val="0"/>
+                        </a:spcBef>
+                        <a:spcAft>
+                          <a:spcPts val="0"/>
+                        </a:spcAft>
+                      </a:pPr>
+                      <a:r>
+                        <a:rPr lang="pt-BR" sz="1600" i="0" dirty="0">
+                          <a:effectLst/>
+                          <a:latin typeface="Consolas" panose="020B0609020204030204" pitchFamily="49" charset="0"/>
+                          <a:cs typeface="Consolas" panose="020B0609020204030204" pitchFamily="49" charset="0"/>
+                        </a:rPr>
+                        <a:t>  SUBS R1, R1, #1 ; i=i-1 and set flags</a:t>
+                      </a:r>
+                    </a:p>
+                    <a:p>
+                      <a:pPr marL="0" marR="0" algn="just">
+                        <a:spcBef>
+                          <a:spcPts val="0"/>
+                        </a:spcBef>
+                        <a:spcAft>
+                          <a:spcPts val="0"/>
+                        </a:spcAft>
+                      </a:pPr>
+                      <a:r>
+                        <a:rPr lang="pt-BR" sz="1600" i="0" dirty="0">
+                          <a:effectLst/>
+                          <a:latin typeface="Consolas" panose="020B0609020204030204" pitchFamily="49" charset="0"/>
+                          <a:cs typeface="Consolas" panose="020B0609020204030204" pitchFamily="49" charset="0"/>
+                        </a:rPr>
+                        <a:t>  BPL FOR ; if (i &gt;= 0) repeat loop</a:t>
+                      </a:r>
+                      <a:endParaRPr lang="en-US" sz="1600" i="0" dirty="0">
+                        <a:effectLst/>
+                        <a:latin typeface="Consolas" panose="020B0609020204030204" pitchFamily="49" charset="0"/>
+                        <a:cs typeface="Consolas" panose="020B0609020204030204" pitchFamily="49" charset="0"/>
+                      </a:endParaRPr>
+                    </a:p>
+                  </a:txBody>
+                  <a:tcPr marL="68580" marR="68580" marT="0" marB="0"/>
+                </a:tc>
+                <a:extLst>
+                  <a:ext uri="{0D108BD9-81ED-4DB2-BD59-A6C34878D82A}">
+                    <a16:rowId xmlns:a16="http://schemas.microsoft.com/office/drawing/2014/main" val="10001"/>
+                  </a:ext>
+                </a:extLst>
+              </a:tr>
+            </a:tbl>
+          </a:graphicData>
+        </a:graphic>
+      </p:graphicFrame>
+    </p:spTree>
+    <p:extLst>
+      <p:ext uri="{BB962C8B-B14F-4D97-AF65-F5344CB8AC3E}">
+        <p14:creationId xmlns:p14="http://schemas.microsoft.com/office/powerpoint/2010/main" val="2698422353"/>
+      </p:ext>
+    </p:extLst>
+  </p:cSld>
+  <p:clrMapOvr>
+    <a:masterClrMapping/>
+  </p:clrMapOvr>
+</p:sld>
+</file>
+
 <file path=ppt/slides/slide2.xml><?xml version="1.0" encoding="utf-8"?>
 <p:sld xmlns:a="http://schemas.openxmlformats.org/drawingml/2006/main" xmlns:r="http://schemas.openxmlformats.org/officeDocument/2006/relationships" xmlns:p="http://schemas.openxmlformats.org/presentationml/2006/main">
   <p:cSld>
@@ -7604,7 +9965,7 @@
           <a:p>
             <a:r>
               <a:rPr lang="en-US" dirty="0"/>
-              <a:t>Write the equivalent C program for the following assembly code, where you treat registers as C variables (r0 as x, r1 as y, …).  Variables in C are in memory and load/store assembly instructions are needed in assembly, which are omitted here for brevity. For example:</a:t>
+              <a:t>Write the equivalent C program for the following assembly code, assuming registers and C variables are related as (x=r0, y=r1). ( Variables in C are in memory, and load/store assembly instructions are omitted here for brevity.) For example:</a:t>
             </a:r>
           </a:p>
         </p:txBody>
@@ -8670,7 +11031,7 @@
           <a:p>
             <a:r>
               <a:rPr lang="en-US" dirty="0"/>
-              <a:t>Write the equivalent C program for the following assembly code, where you treat registers as C variables.  Variables in C are in memory and load/store assembly instructions are needed in assembly, which are omitted here for brevity. For example:</a:t>
+              <a:t>Write the equivalent C program for the following assembly code, assuming registers and C variables are related as (x=r0, y=r1). ( Variables in C are in memory, and load/store assembly instructions are omitted here for brevity.)</a:t>
             </a:r>
           </a:p>
         </p:txBody>
@@ -9109,7 +11470,7 @@
                         </a:spcAft>
                       </a:pPr>
                       <a:r>
-                        <a:rPr lang="en-US" sz="1600">
+                        <a:rPr lang="en-US" sz="1600" dirty="0">
                           <a:solidFill>
                             <a:schemeClr val="bg1"/>
                           </a:solidFill>
